--- a/Documentation/Brainstorm_presentation-FINAL.pptx
+++ b/Documentation/Brainstorm_presentation-FINAL.pptx
@@ -65,7 +65,7 @@
       </p:grpSpPr>
       <p:sp>
         <p:nvSpPr>
-          <p:cNvPr id="30" name="PlaceHolder 1"/>
+          <p:cNvPr id="27" name="PlaceHolder 1"/>
           <p:cNvSpPr>
             <a:spLocks noGrp="1"/>
           </p:cNvSpPr>
@@ -76,7 +76,7 @@
         <p:spPr>
           <a:xfrm>
             <a:off x="685800" y="3355920"/>
-            <a:ext cx="8076960" cy="1672920"/>
+            <a:ext cx="8076600" cy="1672560"/>
           </a:xfrm>
           <a:prstGeom prst="rect">
             <a:avLst/>
@@ -85,18 +85,16 @@
         <p:txBody>
           <a:bodyPr lIns="0" rIns="0" tIns="0" bIns="0" anchor="ctr"/>
           <a:p>
-            <a:endParaRPr b="0" lang="it-IT" sz="1800" spc="-1" strike="noStrike">
-              <a:solidFill>
-                <a:srgbClr val="ffffff"/>
-              </a:solidFill>
-              <a:latin typeface="Corbel"/>
-            </a:endParaRPr>
-          </a:p>
-        </p:txBody>
-      </p:sp>
-      <p:sp>
-        <p:nvSpPr>
-          <p:cNvPr id="31" name="PlaceHolder 2"/>
+            <a:pPr algn="ctr"/>
+            <a:endParaRPr b="0" lang="cs-CZ" sz="4400" spc="-1" strike="noStrike">
+              <a:latin typeface="Arial"/>
+            </a:endParaRPr>
+          </a:p>
+        </p:txBody>
+      </p:sp>
+      <p:sp>
+        <p:nvSpPr>
+          <p:cNvPr id="28" name="PlaceHolder 2"/>
           <p:cNvSpPr>
             <a:spLocks noGrp="1"/>
           </p:cNvSpPr>
@@ -118,18 +116,15 @@
             <a:normAutofit/>
           </a:bodyPr>
           <a:p>
-            <a:endParaRPr b="0" lang="it-IT" sz="3200" spc="-1" strike="noStrike">
-              <a:solidFill>
-                <a:srgbClr val="ffffff"/>
-              </a:solidFill>
-              <a:latin typeface="Corbel"/>
-            </a:endParaRPr>
-          </a:p>
-        </p:txBody>
-      </p:sp>
-      <p:sp>
-        <p:nvSpPr>
-          <p:cNvPr id="32" name="PlaceHolder 3"/>
+            <a:endParaRPr b="0" lang="cs-CZ" sz="3200" spc="-1" strike="noStrike">
+              <a:latin typeface="Arial"/>
+            </a:endParaRPr>
+          </a:p>
+        </p:txBody>
+      </p:sp>
+      <p:sp>
+        <p:nvSpPr>
+          <p:cNvPr id="29" name="PlaceHolder 3"/>
           <p:cNvSpPr>
             <a:spLocks noGrp="1"/>
           </p:cNvSpPr>
@@ -151,11 +146,8 @@
             <a:normAutofit/>
           </a:bodyPr>
           <a:p>
-            <a:endParaRPr b="0" lang="it-IT" sz="3200" spc="-1" strike="noStrike">
-              <a:solidFill>
-                <a:srgbClr val="ffffff"/>
-              </a:solidFill>
-              <a:latin typeface="Corbel"/>
+            <a:endParaRPr b="0" lang="cs-CZ" sz="3200" spc="-1" strike="noStrike">
+              <a:latin typeface="Arial"/>
             </a:endParaRPr>
           </a:p>
         </p:txBody>
@@ -184,7 +176,7 @@
       </p:grpSpPr>
       <p:sp>
         <p:nvSpPr>
-          <p:cNvPr id="33" name="PlaceHolder 1"/>
+          <p:cNvPr id="30" name="PlaceHolder 1"/>
           <p:cNvSpPr>
             <a:spLocks noGrp="1"/>
           </p:cNvSpPr>
@@ -195,7 +187,7 @@
         <p:spPr>
           <a:xfrm>
             <a:off x="685800" y="3355920"/>
-            <a:ext cx="8076960" cy="1672920"/>
+            <a:ext cx="8076600" cy="1672560"/>
           </a:xfrm>
           <a:prstGeom prst="rect">
             <a:avLst/>
@@ -204,18 +196,16 @@
         <p:txBody>
           <a:bodyPr lIns="0" rIns="0" tIns="0" bIns="0" anchor="ctr"/>
           <a:p>
-            <a:endParaRPr b="0" lang="it-IT" sz="1800" spc="-1" strike="noStrike">
-              <a:solidFill>
-                <a:srgbClr val="ffffff"/>
-              </a:solidFill>
-              <a:latin typeface="Corbel"/>
-            </a:endParaRPr>
-          </a:p>
-        </p:txBody>
-      </p:sp>
-      <p:sp>
-        <p:nvSpPr>
-          <p:cNvPr id="34" name="PlaceHolder 2"/>
+            <a:pPr algn="ctr"/>
+            <a:endParaRPr b="0" lang="cs-CZ" sz="4400" spc="-1" strike="noStrike">
+              <a:latin typeface="Arial"/>
+            </a:endParaRPr>
+          </a:p>
+        </p:txBody>
+      </p:sp>
+      <p:sp>
+        <p:nvSpPr>
+          <p:cNvPr id="31" name="PlaceHolder 2"/>
           <p:cNvSpPr>
             <a:spLocks noGrp="1"/>
           </p:cNvSpPr>
@@ -237,18 +227,15 @@
             <a:normAutofit/>
           </a:bodyPr>
           <a:p>
-            <a:endParaRPr b="0" lang="it-IT" sz="3200" spc="-1" strike="noStrike">
-              <a:solidFill>
-                <a:srgbClr val="ffffff"/>
-              </a:solidFill>
-              <a:latin typeface="Corbel"/>
-            </a:endParaRPr>
-          </a:p>
-        </p:txBody>
-      </p:sp>
-      <p:sp>
-        <p:nvSpPr>
-          <p:cNvPr id="35" name="PlaceHolder 3"/>
+            <a:endParaRPr b="0" lang="cs-CZ" sz="3200" spc="-1" strike="noStrike">
+              <a:latin typeface="Arial"/>
+            </a:endParaRPr>
+          </a:p>
+        </p:txBody>
+      </p:sp>
+      <p:sp>
+        <p:nvSpPr>
+          <p:cNvPr id="32" name="PlaceHolder 3"/>
           <p:cNvSpPr>
             <a:spLocks noGrp="1"/>
           </p:cNvSpPr>
@@ -270,18 +257,15 @@
             <a:normAutofit/>
           </a:bodyPr>
           <a:p>
-            <a:endParaRPr b="0" lang="it-IT" sz="3200" spc="-1" strike="noStrike">
-              <a:solidFill>
-                <a:srgbClr val="ffffff"/>
-              </a:solidFill>
-              <a:latin typeface="Corbel"/>
-            </a:endParaRPr>
-          </a:p>
-        </p:txBody>
-      </p:sp>
-      <p:sp>
-        <p:nvSpPr>
-          <p:cNvPr id="36" name="PlaceHolder 4"/>
+            <a:endParaRPr b="0" lang="cs-CZ" sz="3200" spc="-1" strike="noStrike">
+              <a:latin typeface="Arial"/>
+            </a:endParaRPr>
+          </a:p>
+        </p:txBody>
+      </p:sp>
+      <p:sp>
+        <p:nvSpPr>
+          <p:cNvPr id="33" name="PlaceHolder 4"/>
           <p:cNvSpPr>
             <a:spLocks noGrp="1"/>
           </p:cNvSpPr>
@@ -303,18 +287,15 @@
             <a:normAutofit/>
           </a:bodyPr>
           <a:p>
-            <a:endParaRPr b="0" lang="it-IT" sz="3200" spc="-1" strike="noStrike">
-              <a:solidFill>
-                <a:srgbClr val="ffffff"/>
-              </a:solidFill>
-              <a:latin typeface="Corbel"/>
-            </a:endParaRPr>
-          </a:p>
-        </p:txBody>
-      </p:sp>
-      <p:sp>
-        <p:nvSpPr>
-          <p:cNvPr id="37" name="PlaceHolder 5"/>
+            <a:endParaRPr b="0" lang="cs-CZ" sz="3200" spc="-1" strike="noStrike">
+              <a:latin typeface="Arial"/>
+            </a:endParaRPr>
+          </a:p>
+        </p:txBody>
+      </p:sp>
+      <p:sp>
+        <p:nvSpPr>
+          <p:cNvPr id="34" name="PlaceHolder 5"/>
           <p:cNvSpPr>
             <a:spLocks noGrp="1"/>
           </p:cNvSpPr>
@@ -336,11 +317,8 @@
             <a:normAutofit/>
           </a:bodyPr>
           <a:p>
-            <a:endParaRPr b="0" lang="it-IT" sz="3200" spc="-1" strike="noStrike">
-              <a:solidFill>
-                <a:srgbClr val="ffffff"/>
-              </a:solidFill>
-              <a:latin typeface="Corbel"/>
+            <a:endParaRPr b="0" lang="cs-CZ" sz="3200" spc="-1" strike="noStrike">
+              <a:latin typeface="Arial"/>
             </a:endParaRPr>
           </a:p>
         </p:txBody>
@@ -369,7 +347,7 @@
       </p:grpSpPr>
       <p:sp>
         <p:nvSpPr>
-          <p:cNvPr id="38" name="PlaceHolder 1"/>
+          <p:cNvPr id="35" name="PlaceHolder 1"/>
           <p:cNvSpPr>
             <a:spLocks noGrp="1"/>
           </p:cNvSpPr>
@@ -380,7 +358,7 @@
         <p:spPr>
           <a:xfrm>
             <a:off x="685800" y="3355920"/>
-            <a:ext cx="8076960" cy="1672920"/>
+            <a:ext cx="8076600" cy="1672560"/>
           </a:xfrm>
           <a:prstGeom prst="rect">
             <a:avLst/>
@@ -389,18 +367,16 @@
         <p:txBody>
           <a:bodyPr lIns="0" rIns="0" tIns="0" bIns="0" anchor="ctr"/>
           <a:p>
-            <a:endParaRPr b="0" lang="it-IT" sz="1800" spc="-1" strike="noStrike">
-              <a:solidFill>
-                <a:srgbClr val="ffffff"/>
-              </a:solidFill>
-              <a:latin typeface="Corbel"/>
-            </a:endParaRPr>
-          </a:p>
-        </p:txBody>
-      </p:sp>
-      <p:sp>
-        <p:nvSpPr>
-          <p:cNvPr id="39" name="PlaceHolder 2"/>
+            <a:pPr algn="ctr"/>
+            <a:endParaRPr b="0" lang="cs-CZ" sz="4400" spc="-1" strike="noStrike">
+              <a:latin typeface="Arial"/>
+            </a:endParaRPr>
+          </a:p>
+        </p:txBody>
+      </p:sp>
+      <p:sp>
+        <p:nvSpPr>
+          <p:cNvPr id="36" name="PlaceHolder 2"/>
           <p:cNvSpPr>
             <a:spLocks noGrp="1"/>
           </p:cNvSpPr>
@@ -422,18 +398,15 @@
             <a:normAutofit/>
           </a:bodyPr>
           <a:p>
-            <a:endParaRPr b="0" lang="it-IT" sz="3200" spc="-1" strike="noStrike">
-              <a:solidFill>
-                <a:srgbClr val="ffffff"/>
-              </a:solidFill>
-              <a:latin typeface="Corbel"/>
-            </a:endParaRPr>
-          </a:p>
-        </p:txBody>
-      </p:sp>
-      <p:sp>
-        <p:nvSpPr>
-          <p:cNvPr id="40" name="PlaceHolder 3"/>
+            <a:endParaRPr b="0" lang="cs-CZ" sz="3200" spc="-1" strike="noStrike">
+              <a:latin typeface="Arial"/>
+            </a:endParaRPr>
+          </a:p>
+        </p:txBody>
+      </p:sp>
+      <p:sp>
+        <p:nvSpPr>
+          <p:cNvPr id="37" name="PlaceHolder 3"/>
           <p:cNvSpPr>
             <a:spLocks noGrp="1"/>
           </p:cNvSpPr>
@@ -455,18 +428,15 @@
             <a:normAutofit/>
           </a:bodyPr>
           <a:p>
-            <a:endParaRPr b="0" lang="it-IT" sz="3200" spc="-1" strike="noStrike">
-              <a:solidFill>
-                <a:srgbClr val="ffffff"/>
-              </a:solidFill>
-              <a:latin typeface="Corbel"/>
-            </a:endParaRPr>
-          </a:p>
-        </p:txBody>
-      </p:sp>
-      <p:sp>
-        <p:nvSpPr>
-          <p:cNvPr id="41" name="PlaceHolder 4"/>
+            <a:endParaRPr b="0" lang="cs-CZ" sz="3200" spc="-1" strike="noStrike">
+              <a:latin typeface="Arial"/>
+            </a:endParaRPr>
+          </a:p>
+        </p:txBody>
+      </p:sp>
+      <p:sp>
+        <p:nvSpPr>
+          <p:cNvPr id="38" name="PlaceHolder 4"/>
           <p:cNvSpPr>
             <a:spLocks noGrp="1"/>
           </p:cNvSpPr>
@@ -488,18 +458,15 @@
             <a:normAutofit/>
           </a:bodyPr>
           <a:p>
-            <a:endParaRPr b="0" lang="it-IT" sz="3200" spc="-1" strike="noStrike">
-              <a:solidFill>
-                <a:srgbClr val="ffffff"/>
-              </a:solidFill>
-              <a:latin typeface="Corbel"/>
-            </a:endParaRPr>
-          </a:p>
-        </p:txBody>
-      </p:sp>
-      <p:sp>
-        <p:nvSpPr>
-          <p:cNvPr id="42" name="PlaceHolder 5"/>
+            <a:endParaRPr b="0" lang="cs-CZ" sz="3200" spc="-1" strike="noStrike">
+              <a:latin typeface="Arial"/>
+            </a:endParaRPr>
+          </a:p>
+        </p:txBody>
+      </p:sp>
+      <p:sp>
+        <p:nvSpPr>
+          <p:cNvPr id="39" name="PlaceHolder 5"/>
           <p:cNvSpPr>
             <a:spLocks noGrp="1"/>
           </p:cNvSpPr>
@@ -521,18 +488,15 @@
             <a:normAutofit/>
           </a:bodyPr>
           <a:p>
-            <a:endParaRPr b="0" lang="it-IT" sz="3200" spc="-1" strike="noStrike">
-              <a:solidFill>
-                <a:srgbClr val="ffffff"/>
-              </a:solidFill>
-              <a:latin typeface="Corbel"/>
-            </a:endParaRPr>
-          </a:p>
-        </p:txBody>
-      </p:sp>
-      <p:sp>
-        <p:nvSpPr>
-          <p:cNvPr id="43" name="PlaceHolder 6"/>
+            <a:endParaRPr b="0" lang="cs-CZ" sz="3200" spc="-1" strike="noStrike">
+              <a:latin typeface="Arial"/>
+            </a:endParaRPr>
+          </a:p>
+        </p:txBody>
+      </p:sp>
+      <p:sp>
+        <p:nvSpPr>
+          <p:cNvPr id="40" name="PlaceHolder 6"/>
           <p:cNvSpPr>
             <a:spLocks noGrp="1"/>
           </p:cNvSpPr>
@@ -554,18 +518,15 @@
             <a:normAutofit/>
           </a:bodyPr>
           <a:p>
-            <a:endParaRPr b="0" lang="it-IT" sz="3200" spc="-1" strike="noStrike">
-              <a:solidFill>
-                <a:srgbClr val="ffffff"/>
-              </a:solidFill>
-              <a:latin typeface="Corbel"/>
-            </a:endParaRPr>
-          </a:p>
-        </p:txBody>
-      </p:sp>
-      <p:sp>
-        <p:nvSpPr>
-          <p:cNvPr id="44" name="PlaceHolder 7"/>
+            <a:endParaRPr b="0" lang="cs-CZ" sz="3200" spc="-1" strike="noStrike">
+              <a:latin typeface="Arial"/>
+            </a:endParaRPr>
+          </a:p>
+        </p:txBody>
+      </p:sp>
+      <p:sp>
+        <p:nvSpPr>
+          <p:cNvPr id="41" name="PlaceHolder 7"/>
           <p:cNvSpPr>
             <a:spLocks noGrp="1"/>
           </p:cNvSpPr>
@@ -587,11 +548,8 @@
             <a:normAutofit/>
           </a:bodyPr>
           <a:p>
-            <a:endParaRPr b="0" lang="it-IT" sz="3200" spc="-1" strike="noStrike">
-              <a:solidFill>
-                <a:srgbClr val="ffffff"/>
-              </a:solidFill>
-              <a:latin typeface="Corbel"/>
+            <a:endParaRPr b="0" lang="cs-CZ" sz="3200" spc="-1" strike="noStrike">
+              <a:latin typeface="Arial"/>
             </a:endParaRPr>
           </a:p>
         </p:txBody>
@@ -642,7 +600,7 @@
       </p:grpSpPr>
       <p:sp>
         <p:nvSpPr>
-          <p:cNvPr id="52" name="PlaceHolder 1"/>
+          <p:cNvPr id="46" name="PlaceHolder 1"/>
           <p:cNvSpPr>
             <a:spLocks noGrp="1"/>
           </p:cNvSpPr>
@@ -653,7 +611,7 @@
         <p:spPr>
           <a:xfrm>
             <a:off x="685800" y="3355920"/>
-            <a:ext cx="8076960" cy="1672920"/>
+            <a:ext cx="8076600" cy="1672560"/>
           </a:xfrm>
           <a:prstGeom prst="rect">
             <a:avLst/>
@@ -662,18 +620,16 @@
         <p:txBody>
           <a:bodyPr lIns="0" rIns="0" tIns="0" bIns="0" anchor="ctr"/>
           <a:p>
-            <a:endParaRPr b="0" lang="it-IT" sz="1800" spc="-1" strike="noStrike">
-              <a:solidFill>
-                <a:srgbClr val="ffffff"/>
-              </a:solidFill>
-              <a:latin typeface="Corbel"/>
-            </a:endParaRPr>
-          </a:p>
-        </p:txBody>
-      </p:sp>
-      <p:sp>
-        <p:nvSpPr>
-          <p:cNvPr id="53" name="PlaceHolder 2"/>
+            <a:pPr algn="ctr"/>
+            <a:endParaRPr b="0" lang="cs-CZ" sz="4400" spc="-1" strike="noStrike">
+              <a:latin typeface="Arial"/>
+            </a:endParaRPr>
+          </a:p>
+        </p:txBody>
+      </p:sp>
+      <p:sp>
+        <p:nvSpPr>
+          <p:cNvPr id="47" name="PlaceHolder 2"/>
           <p:cNvSpPr>
             <a:spLocks noGrp="1"/>
           </p:cNvSpPr>
@@ -724,7 +680,7 @@
       </p:grpSpPr>
       <p:sp>
         <p:nvSpPr>
-          <p:cNvPr id="54" name="PlaceHolder 1"/>
+          <p:cNvPr id="48" name="PlaceHolder 1"/>
           <p:cNvSpPr>
             <a:spLocks noGrp="1"/>
           </p:cNvSpPr>
@@ -735,7 +691,7 @@
         <p:spPr>
           <a:xfrm>
             <a:off x="685800" y="3355920"/>
-            <a:ext cx="8076960" cy="1672920"/>
+            <a:ext cx="8076600" cy="1672560"/>
           </a:xfrm>
           <a:prstGeom prst="rect">
             <a:avLst/>
@@ -744,18 +700,16 @@
         <p:txBody>
           <a:bodyPr lIns="0" rIns="0" tIns="0" bIns="0" anchor="ctr"/>
           <a:p>
-            <a:endParaRPr b="0" lang="it-IT" sz="1800" spc="-1" strike="noStrike">
-              <a:solidFill>
-                <a:srgbClr val="ffffff"/>
-              </a:solidFill>
-              <a:latin typeface="Corbel"/>
-            </a:endParaRPr>
-          </a:p>
-        </p:txBody>
-      </p:sp>
-      <p:sp>
-        <p:nvSpPr>
-          <p:cNvPr id="55" name="PlaceHolder 2"/>
+            <a:pPr algn="ctr"/>
+            <a:endParaRPr b="0" lang="cs-CZ" sz="4400" spc="-1" strike="noStrike">
+              <a:latin typeface="Arial"/>
+            </a:endParaRPr>
+          </a:p>
+        </p:txBody>
+      </p:sp>
+      <p:sp>
+        <p:nvSpPr>
+          <p:cNvPr id="49" name="PlaceHolder 2"/>
           <p:cNvSpPr>
             <a:spLocks noGrp="1"/>
           </p:cNvSpPr>
@@ -777,11 +731,8 @@
             <a:normAutofit/>
           </a:bodyPr>
           <a:p>
-            <a:endParaRPr b="0" lang="it-IT" sz="3200" spc="-1" strike="noStrike">
-              <a:solidFill>
-                <a:srgbClr val="ffffff"/>
-              </a:solidFill>
-              <a:latin typeface="Corbel"/>
+            <a:endParaRPr b="0" lang="cs-CZ" sz="3200" spc="-1" strike="noStrike">
+              <a:latin typeface="Arial"/>
             </a:endParaRPr>
           </a:p>
         </p:txBody>
@@ -810,7 +761,7 @@
       </p:grpSpPr>
       <p:sp>
         <p:nvSpPr>
-          <p:cNvPr id="56" name="PlaceHolder 1"/>
+          <p:cNvPr id="50" name="PlaceHolder 1"/>
           <p:cNvSpPr>
             <a:spLocks noGrp="1"/>
           </p:cNvSpPr>
@@ -821,7 +772,7 @@
         <p:spPr>
           <a:xfrm>
             <a:off x="685800" y="3355920"/>
-            <a:ext cx="8076960" cy="1672920"/>
+            <a:ext cx="8076600" cy="1672560"/>
           </a:xfrm>
           <a:prstGeom prst="rect">
             <a:avLst/>
@@ -830,18 +781,16 @@
         <p:txBody>
           <a:bodyPr lIns="0" rIns="0" tIns="0" bIns="0" anchor="ctr"/>
           <a:p>
-            <a:endParaRPr b="0" lang="it-IT" sz="1800" spc="-1" strike="noStrike">
-              <a:solidFill>
-                <a:srgbClr val="ffffff"/>
-              </a:solidFill>
-              <a:latin typeface="Corbel"/>
-            </a:endParaRPr>
-          </a:p>
-        </p:txBody>
-      </p:sp>
-      <p:sp>
-        <p:nvSpPr>
-          <p:cNvPr id="57" name="PlaceHolder 2"/>
+            <a:pPr algn="ctr"/>
+            <a:endParaRPr b="0" lang="cs-CZ" sz="4400" spc="-1" strike="noStrike">
+              <a:latin typeface="Arial"/>
+            </a:endParaRPr>
+          </a:p>
+        </p:txBody>
+      </p:sp>
+      <p:sp>
+        <p:nvSpPr>
+          <p:cNvPr id="51" name="PlaceHolder 2"/>
           <p:cNvSpPr>
             <a:spLocks noGrp="1"/>
           </p:cNvSpPr>
@@ -863,18 +812,15 @@
             <a:normAutofit/>
           </a:bodyPr>
           <a:p>
-            <a:endParaRPr b="0" lang="it-IT" sz="3200" spc="-1" strike="noStrike">
-              <a:solidFill>
-                <a:srgbClr val="ffffff"/>
-              </a:solidFill>
-              <a:latin typeface="Corbel"/>
-            </a:endParaRPr>
-          </a:p>
-        </p:txBody>
-      </p:sp>
-      <p:sp>
-        <p:nvSpPr>
-          <p:cNvPr id="58" name="PlaceHolder 3"/>
+            <a:endParaRPr b="0" lang="cs-CZ" sz="3200" spc="-1" strike="noStrike">
+              <a:latin typeface="Arial"/>
+            </a:endParaRPr>
+          </a:p>
+        </p:txBody>
+      </p:sp>
+      <p:sp>
+        <p:nvSpPr>
+          <p:cNvPr id="52" name="PlaceHolder 3"/>
           <p:cNvSpPr>
             <a:spLocks noGrp="1"/>
           </p:cNvSpPr>
@@ -896,11 +842,8 @@
             <a:normAutofit/>
           </a:bodyPr>
           <a:p>
-            <a:endParaRPr b="0" lang="it-IT" sz="3200" spc="-1" strike="noStrike">
-              <a:solidFill>
-                <a:srgbClr val="ffffff"/>
-              </a:solidFill>
-              <a:latin typeface="Corbel"/>
+            <a:endParaRPr b="0" lang="cs-CZ" sz="3200" spc="-1" strike="noStrike">
+              <a:latin typeface="Arial"/>
             </a:endParaRPr>
           </a:p>
         </p:txBody>
@@ -929,7 +872,7 @@
       </p:grpSpPr>
       <p:sp>
         <p:nvSpPr>
-          <p:cNvPr id="59" name="PlaceHolder 1"/>
+          <p:cNvPr id="53" name="PlaceHolder 1"/>
           <p:cNvSpPr>
             <a:spLocks noGrp="1"/>
           </p:cNvSpPr>
@@ -940,7 +883,7 @@
         <p:spPr>
           <a:xfrm>
             <a:off x="685800" y="3355920"/>
-            <a:ext cx="8076960" cy="1672920"/>
+            <a:ext cx="8076600" cy="1672560"/>
           </a:xfrm>
           <a:prstGeom prst="rect">
             <a:avLst/>
@@ -949,11 +892,9 @@
         <p:txBody>
           <a:bodyPr lIns="0" rIns="0" tIns="0" bIns="0" anchor="ctr"/>
           <a:p>
-            <a:endParaRPr b="0" lang="it-IT" sz="1800" spc="-1" strike="noStrike">
-              <a:solidFill>
-                <a:srgbClr val="ffffff"/>
-              </a:solidFill>
-              <a:latin typeface="Corbel"/>
+            <a:pPr algn="ctr"/>
+            <a:endParaRPr b="0" lang="cs-CZ" sz="4400" spc="-1" strike="noStrike">
+              <a:latin typeface="Arial"/>
             </a:endParaRPr>
           </a:p>
         </p:txBody>
@@ -982,7 +923,7 @@
       </p:grpSpPr>
       <p:sp>
         <p:nvSpPr>
-          <p:cNvPr id="60" name="PlaceHolder 1"/>
+          <p:cNvPr id="54" name="PlaceHolder 1"/>
           <p:cNvSpPr>
             <a:spLocks noGrp="1"/>
           </p:cNvSpPr>
@@ -993,7 +934,7 @@
         <p:spPr>
           <a:xfrm>
             <a:off x="685800" y="3355920"/>
-            <a:ext cx="8076960" cy="7755840"/>
+            <a:ext cx="8076600" cy="7754400"/>
           </a:xfrm>
           <a:prstGeom prst="rect">
             <a:avLst/>
@@ -1033,7 +974,7 @@
       </p:grpSpPr>
       <p:sp>
         <p:nvSpPr>
-          <p:cNvPr id="61" name="PlaceHolder 1"/>
+          <p:cNvPr id="55" name="PlaceHolder 1"/>
           <p:cNvSpPr>
             <a:spLocks noGrp="1"/>
           </p:cNvSpPr>
@@ -1044,7 +985,7 @@
         <p:spPr>
           <a:xfrm>
             <a:off x="685800" y="3355920"/>
-            <a:ext cx="8076960" cy="1672920"/>
+            <a:ext cx="8076600" cy="1672560"/>
           </a:xfrm>
           <a:prstGeom prst="rect">
             <a:avLst/>
@@ -1053,18 +994,16 @@
         <p:txBody>
           <a:bodyPr lIns="0" rIns="0" tIns="0" bIns="0" anchor="ctr"/>
           <a:p>
-            <a:endParaRPr b="0" lang="it-IT" sz="1800" spc="-1" strike="noStrike">
-              <a:solidFill>
-                <a:srgbClr val="ffffff"/>
-              </a:solidFill>
-              <a:latin typeface="Corbel"/>
-            </a:endParaRPr>
-          </a:p>
-        </p:txBody>
-      </p:sp>
-      <p:sp>
-        <p:nvSpPr>
-          <p:cNvPr id="62" name="PlaceHolder 2"/>
+            <a:pPr algn="ctr"/>
+            <a:endParaRPr b="0" lang="cs-CZ" sz="4400" spc="-1" strike="noStrike">
+              <a:latin typeface="Arial"/>
+            </a:endParaRPr>
+          </a:p>
+        </p:txBody>
+      </p:sp>
+      <p:sp>
+        <p:nvSpPr>
+          <p:cNvPr id="56" name="PlaceHolder 2"/>
           <p:cNvSpPr>
             <a:spLocks noGrp="1"/>
           </p:cNvSpPr>
@@ -1086,18 +1025,15 @@
             <a:normAutofit/>
           </a:bodyPr>
           <a:p>
-            <a:endParaRPr b="0" lang="it-IT" sz="3200" spc="-1" strike="noStrike">
-              <a:solidFill>
-                <a:srgbClr val="ffffff"/>
-              </a:solidFill>
-              <a:latin typeface="Corbel"/>
-            </a:endParaRPr>
-          </a:p>
-        </p:txBody>
-      </p:sp>
-      <p:sp>
-        <p:nvSpPr>
-          <p:cNvPr id="63" name="PlaceHolder 3"/>
+            <a:endParaRPr b="0" lang="cs-CZ" sz="3200" spc="-1" strike="noStrike">
+              <a:latin typeface="Arial"/>
+            </a:endParaRPr>
+          </a:p>
+        </p:txBody>
+      </p:sp>
+      <p:sp>
+        <p:nvSpPr>
+          <p:cNvPr id="57" name="PlaceHolder 3"/>
           <p:cNvSpPr>
             <a:spLocks noGrp="1"/>
           </p:cNvSpPr>
@@ -1119,18 +1055,15 @@
             <a:normAutofit/>
           </a:bodyPr>
           <a:p>
-            <a:endParaRPr b="0" lang="it-IT" sz="3200" spc="-1" strike="noStrike">
-              <a:solidFill>
-                <a:srgbClr val="ffffff"/>
-              </a:solidFill>
-              <a:latin typeface="Corbel"/>
-            </a:endParaRPr>
-          </a:p>
-        </p:txBody>
-      </p:sp>
-      <p:sp>
-        <p:nvSpPr>
-          <p:cNvPr id="64" name="PlaceHolder 4"/>
+            <a:endParaRPr b="0" lang="cs-CZ" sz="3200" spc="-1" strike="noStrike">
+              <a:latin typeface="Arial"/>
+            </a:endParaRPr>
+          </a:p>
+        </p:txBody>
+      </p:sp>
+      <p:sp>
+        <p:nvSpPr>
+          <p:cNvPr id="58" name="PlaceHolder 4"/>
           <p:cNvSpPr>
             <a:spLocks noGrp="1"/>
           </p:cNvSpPr>
@@ -1152,11 +1085,8 @@
             <a:normAutofit/>
           </a:bodyPr>
           <a:p>
-            <a:endParaRPr b="0" lang="it-IT" sz="3200" spc="-1" strike="noStrike">
-              <a:solidFill>
-                <a:srgbClr val="ffffff"/>
-              </a:solidFill>
-              <a:latin typeface="Corbel"/>
+            <a:endParaRPr b="0" lang="cs-CZ" sz="3200" spc="-1" strike="noStrike">
+              <a:latin typeface="Arial"/>
             </a:endParaRPr>
           </a:p>
         </p:txBody>
@@ -1185,7 +1115,7 @@
       </p:grpSpPr>
       <p:sp>
         <p:nvSpPr>
-          <p:cNvPr id="9" name="PlaceHolder 1"/>
+          <p:cNvPr id="6" name="PlaceHolder 1"/>
           <p:cNvSpPr>
             <a:spLocks noGrp="1"/>
           </p:cNvSpPr>
@@ -1196,7 +1126,7 @@
         <p:spPr>
           <a:xfrm>
             <a:off x="685800" y="3355920"/>
-            <a:ext cx="8076960" cy="1672920"/>
+            <a:ext cx="8076600" cy="1672560"/>
           </a:xfrm>
           <a:prstGeom prst="rect">
             <a:avLst/>
@@ -1205,18 +1135,16 @@
         <p:txBody>
           <a:bodyPr lIns="0" rIns="0" tIns="0" bIns="0" anchor="ctr"/>
           <a:p>
-            <a:endParaRPr b="0" lang="it-IT" sz="1800" spc="-1" strike="noStrike">
-              <a:solidFill>
-                <a:srgbClr val="ffffff"/>
-              </a:solidFill>
-              <a:latin typeface="Corbel"/>
-            </a:endParaRPr>
-          </a:p>
-        </p:txBody>
-      </p:sp>
-      <p:sp>
-        <p:nvSpPr>
-          <p:cNvPr id="10" name="PlaceHolder 2"/>
+            <a:pPr algn="ctr"/>
+            <a:endParaRPr b="0" lang="cs-CZ" sz="4400" spc="-1" strike="noStrike">
+              <a:latin typeface="Arial"/>
+            </a:endParaRPr>
+          </a:p>
+        </p:txBody>
+      </p:sp>
+      <p:sp>
+        <p:nvSpPr>
+          <p:cNvPr id="7" name="PlaceHolder 2"/>
           <p:cNvSpPr>
             <a:spLocks noGrp="1"/>
           </p:cNvSpPr>
@@ -1267,7 +1195,7 @@
       </p:grpSpPr>
       <p:sp>
         <p:nvSpPr>
-          <p:cNvPr id="65" name="PlaceHolder 1"/>
+          <p:cNvPr id="59" name="PlaceHolder 1"/>
           <p:cNvSpPr>
             <a:spLocks noGrp="1"/>
           </p:cNvSpPr>
@@ -1278,7 +1206,7 @@
         <p:spPr>
           <a:xfrm>
             <a:off x="685800" y="3355920"/>
-            <a:ext cx="8076960" cy="1672920"/>
+            <a:ext cx="8076600" cy="1672560"/>
           </a:xfrm>
           <a:prstGeom prst="rect">
             <a:avLst/>
@@ -1287,18 +1215,16 @@
         <p:txBody>
           <a:bodyPr lIns="0" rIns="0" tIns="0" bIns="0" anchor="ctr"/>
           <a:p>
-            <a:endParaRPr b="0" lang="it-IT" sz="1800" spc="-1" strike="noStrike">
-              <a:solidFill>
-                <a:srgbClr val="ffffff"/>
-              </a:solidFill>
-              <a:latin typeface="Corbel"/>
-            </a:endParaRPr>
-          </a:p>
-        </p:txBody>
-      </p:sp>
-      <p:sp>
-        <p:nvSpPr>
-          <p:cNvPr id="66" name="PlaceHolder 2"/>
+            <a:pPr algn="ctr"/>
+            <a:endParaRPr b="0" lang="cs-CZ" sz="4400" spc="-1" strike="noStrike">
+              <a:latin typeface="Arial"/>
+            </a:endParaRPr>
+          </a:p>
+        </p:txBody>
+      </p:sp>
+      <p:sp>
+        <p:nvSpPr>
+          <p:cNvPr id="60" name="PlaceHolder 2"/>
           <p:cNvSpPr>
             <a:spLocks noGrp="1"/>
           </p:cNvSpPr>
@@ -1320,18 +1246,15 @@
             <a:normAutofit/>
           </a:bodyPr>
           <a:p>
-            <a:endParaRPr b="0" lang="it-IT" sz="3200" spc="-1" strike="noStrike">
-              <a:solidFill>
-                <a:srgbClr val="ffffff"/>
-              </a:solidFill>
-              <a:latin typeface="Corbel"/>
-            </a:endParaRPr>
-          </a:p>
-        </p:txBody>
-      </p:sp>
-      <p:sp>
-        <p:nvSpPr>
-          <p:cNvPr id="67" name="PlaceHolder 3"/>
+            <a:endParaRPr b="0" lang="cs-CZ" sz="3200" spc="-1" strike="noStrike">
+              <a:latin typeface="Arial"/>
+            </a:endParaRPr>
+          </a:p>
+        </p:txBody>
+      </p:sp>
+      <p:sp>
+        <p:nvSpPr>
+          <p:cNvPr id="61" name="PlaceHolder 3"/>
           <p:cNvSpPr>
             <a:spLocks noGrp="1"/>
           </p:cNvSpPr>
@@ -1353,18 +1276,15 @@
             <a:normAutofit/>
           </a:bodyPr>
           <a:p>
-            <a:endParaRPr b="0" lang="it-IT" sz="3200" spc="-1" strike="noStrike">
-              <a:solidFill>
-                <a:srgbClr val="ffffff"/>
-              </a:solidFill>
-              <a:latin typeface="Corbel"/>
-            </a:endParaRPr>
-          </a:p>
-        </p:txBody>
-      </p:sp>
-      <p:sp>
-        <p:nvSpPr>
-          <p:cNvPr id="68" name="PlaceHolder 4"/>
+            <a:endParaRPr b="0" lang="cs-CZ" sz="3200" spc="-1" strike="noStrike">
+              <a:latin typeface="Arial"/>
+            </a:endParaRPr>
+          </a:p>
+        </p:txBody>
+      </p:sp>
+      <p:sp>
+        <p:nvSpPr>
+          <p:cNvPr id="62" name="PlaceHolder 4"/>
           <p:cNvSpPr>
             <a:spLocks noGrp="1"/>
           </p:cNvSpPr>
@@ -1386,11 +1306,8 @@
             <a:normAutofit/>
           </a:bodyPr>
           <a:p>
-            <a:endParaRPr b="0" lang="it-IT" sz="3200" spc="-1" strike="noStrike">
-              <a:solidFill>
-                <a:srgbClr val="ffffff"/>
-              </a:solidFill>
-              <a:latin typeface="Corbel"/>
+            <a:endParaRPr b="0" lang="cs-CZ" sz="3200" spc="-1" strike="noStrike">
+              <a:latin typeface="Arial"/>
             </a:endParaRPr>
           </a:p>
         </p:txBody>
@@ -1419,7 +1336,7 @@
       </p:grpSpPr>
       <p:sp>
         <p:nvSpPr>
-          <p:cNvPr id="69" name="PlaceHolder 1"/>
+          <p:cNvPr id="63" name="PlaceHolder 1"/>
           <p:cNvSpPr>
             <a:spLocks noGrp="1"/>
           </p:cNvSpPr>
@@ -1430,7 +1347,7 @@
         <p:spPr>
           <a:xfrm>
             <a:off x="685800" y="3355920"/>
-            <a:ext cx="8076960" cy="1672920"/>
+            <a:ext cx="8076600" cy="1672560"/>
           </a:xfrm>
           <a:prstGeom prst="rect">
             <a:avLst/>
@@ -1439,18 +1356,16 @@
         <p:txBody>
           <a:bodyPr lIns="0" rIns="0" tIns="0" bIns="0" anchor="ctr"/>
           <a:p>
-            <a:endParaRPr b="0" lang="it-IT" sz="1800" spc="-1" strike="noStrike">
-              <a:solidFill>
-                <a:srgbClr val="ffffff"/>
-              </a:solidFill>
-              <a:latin typeface="Corbel"/>
-            </a:endParaRPr>
-          </a:p>
-        </p:txBody>
-      </p:sp>
-      <p:sp>
-        <p:nvSpPr>
-          <p:cNvPr id="70" name="PlaceHolder 2"/>
+            <a:pPr algn="ctr"/>
+            <a:endParaRPr b="0" lang="cs-CZ" sz="4400" spc="-1" strike="noStrike">
+              <a:latin typeface="Arial"/>
+            </a:endParaRPr>
+          </a:p>
+        </p:txBody>
+      </p:sp>
+      <p:sp>
+        <p:nvSpPr>
+          <p:cNvPr id="64" name="PlaceHolder 2"/>
           <p:cNvSpPr>
             <a:spLocks noGrp="1"/>
           </p:cNvSpPr>
@@ -1472,18 +1387,15 @@
             <a:normAutofit/>
           </a:bodyPr>
           <a:p>
-            <a:endParaRPr b="0" lang="it-IT" sz="3200" spc="-1" strike="noStrike">
-              <a:solidFill>
-                <a:srgbClr val="ffffff"/>
-              </a:solidFill>
-              <a:latin typeface="Corbel"/>
-            </a:endParaRPr>
-          </a:p>
-        </p:txBody>
-      </p:sp>
-      <p:sp>
-        <p:nvSpPr>
-          <p:cNvPr id="71" name="PlaceHolder 3"/>
+            <a:endParaRPr b="0" lang="cs-CZ" sz="3200" spc="-1" strike="noStrike">
+              <a:latin typeface="Arial"/>
+            </a:endParaRPr>
+          </a:p>
+        </p:txBody>
+      </p:sp>
+      <p:sp>
+        <p:nvSpPr>
+          <p:cNvPr id="65" name="PlaceHolder 3"/>
           <p:cNvSpPr>
             <a:spLocks noGrp="1"/>
           </p:cNvSpPr>
@@ -1505,18 +1417,15 @@
             <a:normAutofit/>
           </a:bodyPr>
           <a:p>
-            <a:endParaRPr b="0" lang="it-IT" sz="3200" spc="-1" strike="noStrike">
-              <a:solidFill>
-                <a:srgbClr val="ffffff"/>
-              </a:solidFill>
-              <a:latin typeface="Corbel"/>
-            </a:endParaRPr>
-          </a:p>
-        </p:txBody>
-      </p:sp>
-      <p:sp>
-        <p:nvSpPr>
-          <p:cNvPr id="72" name="PlaceHolder 4"/>
+            <a:endParaRPr b="0" lang="cs-CZ" sz="3200" spc="-1" strike="noStrike">
+              <a:latin typeface="Arial"/>
+            </a:endParaRPr>
+          </a:p>
+        </p:txBody>
+      </p:sp>
+      <p:sp>
+        <p:nvSpPr>
+          <p:cNvPr id="66" name="PlaceHolder 4"/>
           <p:cNvSpPr>
             <a:spLocks noGrp="1"/>
           </p:cNvSpPr>
@@ -1538,11 +1447,8 @@
             <a:normAutofit/>
           </a:bodyPr>
           <a:p>
-            <a:endParaRPr b="0" lang="it-IT" sz="3200" spc="-1" strike="noStrike">
-              <a:solidFill>
-                <a:srgbClr val="ffffff"/>
-              </a:solidFill>
-              <a:latin typeface="Corbel"/>
+            <a:endParaRPr b="0" lang="cs-CZ" sz="3200" spc="-1" strike="noStrike">
+              <a:latin typeface="Arial"/>
             </a:endParaRPr>
           </a:p>
         </p:txBody>
@@ -1571,7 +1477,7 @@
       </p:grpSpPr>
       <p:sp>
         <p:nvSpPr>
-          <p:cNvPr id="73" name="PlaceHolder 1"/>
+          <p:cNvPr id="67" name="PlaceHolder 1"/>
           <p:cNvSpPr>
             <a:spLocks noGrp="1"/>
           </p:cNvSpPr>
@@ -1582,7 +1488,7 @@
         <p:spPr>
           <a:xfrm>
             <a:off x="685800" y="3355920"/>
-            <a:ext cx="8076960" cy="1672920"/>
+            <a:ext cx="8076600" cy="1672560"/>
           </a:xfrm>
           <a:prstGeom prst="rect">
             <a:avLst/>
@@ -1591,18 +1497,16 @@
         <p:txBody>
           <a:bodyPr lIns="0" rIns="0" tIns="0" bIns="0" anchor="ctr"/>
           <a:p>
-            <a:endParaRPr b="0" lang="it-IT" sz="1800" spc="-1" strike="noStrike">
-              <a:solidFill>
-                <a:srgbClr val="ffffff"/>
-              </a:solidFill>
-              <a:latin typeface="Corbel"/>
-            </a:endParaRPr>
-          </a:p>
-        </p:txBody>
-      </p:sp>
-      <p:sp>
-        <p:nvSpPr>
-          <p:cNvPr id="74" name="PlaceHolder 2"/>
+            <a:pPr algn="ctr"/>
+            <a:endParaRPr b="0" lang="cs-CZ" sz="4400" spc="-1" strike="noStrike">
+              <a:latin typeface="Arial"/>
+            </a:endParaRPr>
+          </a:p>
+        </p:txBody>
+      </p:sp>
+      <p:sp>
+        <p:nvSpPr>
+          <p:cNvPr id="68" name="PlaceHolder 2"/>
           <p:cNvSpPr>
             <a:spLocks noGrp="1"/>
           </p:cNvSpPr>
@@ -1624,18 +1528,15 @@
             <a:normAutofit/>
           </a:bodyPr>
           <a:p>
-            <a:endParaRPr b="0" lang="it-IT" sz="3200" spc="-1" strike="noStrike">
-              <a:solidFill>
-                <a:srgbClr val="ffffff"/>
-              </a:solidFill>
-              <a:latin typeface="Corbel"/>
-            </a:endParaRPr>
-          </a:p>
-        </p:txBody>
-      </p:sp>
-      <p:sp>
-        <p:nvSpPr>
-          <p:cNvPr id="75" name="PlaceHolder 3"/>
+            <a:endParaRPr b="0" lang="cs-CZ" sz="3200" spc="-1" strike="noStrike">
+              <a:latin typeface="Arial"/>
+            </a:endParaRPr>
+          </a:p>
+        </p:txBody>
+      </p:sp>
+      <p:sp>
+        <p:nvSpPr>
+          <p:cNvPr id="69" name="PlaceHolder 3"/>
           <p:cNvSpPr>
             <a:spLocks noGrp="1"/>
           </p:cNvSpPr>
@@ -1657,11 +1558,8 @@
             <a:normAutofit/>
           </a:bodyPr>
           <a:p>
-            <a:endParaRPr b="0" lang="it-IT" sz="3200" spc="-1" strike="noStrike">
-              <a:solidFill>
-                <a:srgbClr val="ffffff"/>
-              </a:solidFill>
-              <a:latin typeface="Corbel"/>
+            <a:endParaRPr b="0" lang="cs-CZ" sz="3200" spc="-1" strike="noStrike">
+              <a:latin typeface="Arial"/>
             </a:endParaRPr>
           </a:p>
         </p:txBody>
@@ -1690,7 +1588,7 @@
       </p:grpSpPr>
       <p:sp>
         <p:nvSpPr>
-          <p:cNvPr id="76" name="PlaceHolder 1"/>
+          <p:cNvPr id="70" name="PlaceHolder 1"/>
           <p:cNvSpPr>
             <a:spLocks noGrp="1"/>
           </p:cNvSpPr>
@@ -1701,7 +1599,7 @@
         <p:spPr>
           <a:xfrm>
             <a:off x="685800" y="3355920"/>
-            <a:ext cx="8076960" cy="1672920"/>
+            <a:ext cx="8076600" cy="1672560"/>
           </a:xfrm>
           <a:prstGeom prst="rect">
             <a:avLst/>
@@ -1710,18 +1608,16 @@
         <p:txBody>
           <a:bodyPr lIns="0" rIns="0" tIns="0" bIns="0" anchor="ctr"/>
           <a:p>
-            <a:endParaRPr b="0" lang="it-IT" sz="1800" spc="-1" strike="noStrike">
-              <a:solidFill>
-                <a:srgbClr val="ffffff"/>
-              </a:solidFill>
-              <a:latin typeface="Corbel"/>
-            </a:endParaRPr>
-          </a:p>
-        </p:txBody>
-      </p:sp>
-      <p:sp>
-        <p:nvSpPr>
-          <p:cNvPr id="77" name="PlaceHolder 2"/>
+            <a:pPr algn="ctr"/>
+            <a:endParaRPr b="0" lang="cs-CZ" sz="4400" spc="-1" strike="noStrike">
+              <a:latin typeface="Arial"/>
+            </a:endParaRPr>
+          </a:p>
+        </p:txBody>
+      </p:sp>
+      <p:sp>
+        <p:nvSpPr>
+          <p:cNvPr id="71" name="PlaceHolder 2"/>
           <p:cNvSpPr>
             <a:spLocks noGrp="1"/>
           </p:cNvSpPr>
@@ -1743,18 +1639,15 @@
             <a:normAutofit/>
           </a:bodyPr>
           <a:p>
-            <a:endParaRPr b="0" lang="it-IT" sz="3200" spc="-1" strike="noStrike">
-              <a:solidFill>
-                <a:srgbClr val="ffffff"/>
-              </a:solidFill>
-              <a:latin typeface="Corbel"/>
-            </a:endParaRPr>
-          </a:p>
-        </p:txBody>
-      </p:sp>
-      <p:sp>
-        <p:nvSpPr>
-          <p:cNvPr id="78" name="PlaceHolder 3"/>
+            <a:endParaRPr b="0" lang="cs-CZ" sz="3200" spc="-1" strike="noStrike">
+              <a:latin typeface="Arial"/>
+            </a:endParaRPr>
+          </a:p>
+        </p:txBody>
+      </p:sp>
+      <p:sp>
+        <p:nvSpPr>
+          <p:cNvPr id="72" name="PlaceHolder 3"/>
           <p:cNvSpPr>
             <a:spLocks noGrp="1"/>
           </p:cNvSpPr>
@@ -1776,18 +1669,15 @@
             <a:normAutofit/>
           </a:bodyPr>
           <a:p>
-            <a:endParaRPr b="0" lang="it-IT" sz="3200" spc="-1" strike="noStrike">
-              <a:solidFill>
-                <a:srgbClr val="ffffff"/>
-              </a:solidFill>
-              <a:latin typeface="Corbel"/>
-            </a:endParaRPr>
-          </a:p>
-        </p:txBody>
-      </p:sp>
-      <p:sp>
-        <p:nvSpPr>
-          <p:cNvPr id="79" name="PlaceHolder 4"/>
+            <a:endParaRPr b="0" lang="cs-CZ" sz="3200" spc="-1" strike="noStrike">
+              <a:latin typeface="Arial"/>
+            </a:endParaRPr>
+          </a:p>
+        </p:txBody>
+      </p:sp>
+      <p:sp>
+        <p:nvSpPr>
+          <p:cNvPr id="73" name="PlaceHolder 4"/>
           <p:cNvSpPr>
             <a:spLocks noGrp="1"/>
           </p:cNvSpPr>
@@ -1809,18 +1699,15 @@
             <a:normAutofit/>
           </a:bodyPr>
           <a:p>
-            <a:endParaRPr b="0" lang="it-IT" sz="3200" spc="-1" strike="noStrike">
-              <a:solidFill>
-                <a:srgbClr val="ffffff"/>
-              </a:solidFill>
-              <a:latin typeface="Corbel"/>
-            </a:endParaRPr>
-          </a:p>
-        </p:txBody>
-      </p:sp>
-      <p:sp>
-        <p:nvSpPr>
-          <p:cNvPr id="80" name="PlaceHolder 5"/>
+            <a:endParaRPr b="0" lang="cs-CZ" sz="3200" spc="-1" strike="noStrike">
+              <a:latin typeface="Arial"/>
+            </a:endParaRPr>
+          </a:p>
+        </p:txBody>
+      </p:sp>
+      <p:sp>
+        <p:nvSpPr>
+          <p:cNvPr id="74" name="PlaceHolder 5"/>
           <p:cNvSpPr>
             <a:spLocks noGrp="1"/>
           </p:cNvSpPr>
@@ -1842,11 +1729,8 @@
             <a:normAutofit/>
           </a:bodyPr>
           <a:p>
-            <a:endParaRPr b="0" lang="it-IT" sz="3200" spc="-1" strike="noStrike">
-              <a:solidFill>
-                <a:srgbClr val="ffffff"/>
-              </a:solidFill>
-              <a:latin typeface="Corbel"/>
+            <a:endParaRPr b="0" lang="cs-CZ" sz="3200" spc="-1" strike="noStrike">
+              <a:latin typeface="Arial"/>
             </a:endParaRPr>
           </a:p>
         </p:txBody>
@@ -1875,7 +1759,7 @@
       </p:grpSpPr>
       <p:sp>
         <p:nvSpPr>
-          <p:cNvPr id="81" name="PlaceHolder 1"/>
+          <p:cNvPr id="75" name="PlaceHolder 1"/>
           <p:cNvSpPr>
             <a:spLocks noGrp="1"/>
           </p:cNvSpPr>
@@ -1886,7 +1770,7 @@
         <p:spPr>
           <a:xfrm>
             <a:off x="685800" y="3355920"/>
-            <a:ext cx="8076960" cy="1672920"/>
+            <a:ext cx="8076600" cy="1672560"/>
           </a:xfrm>
           <a:prstGeom prst="rect">
             <a:avLst/>
@@ -1895,18 +1779,16 @@
         <p:txBody>
           <a:bodyPr lIns="0" rIns="0" tIns="0" bIns="0" anchor="ctr"/>
           <a:p>
-            <a:endParaRPr b="0" lang="it-IT" sz="1800" spc="-1" strike="noStrike">
-              <a:solidFill>
-                <a:srgbClr val="ffffff"/>
-              </a:solidFill>
-              <a:latin typeface="Corbel"/>
-            </a:endParaRPr>
-          </a:p>
-        </p:txBody>
-      </p:sp>
-      <p:sp>
-        <p:nvSpPr>
-          <p:cNvPr id="82" name="PlaceHolder 2"/>
+            <a:pPr algn="ctr"/>
+            <a:endParaRPr b="0" lang="cs-CZ" sz="4400" spc="-1" strike="noStrike">
+              <a:latin typeface="Arial"/>
+            </a:endParaRPr>
+          </a:p>
+        </p:txBody>
+      </p:sp>
+      <p:sp>
+        <p:nvSpPr>
+          <p:cNvPr id="76" name="PlaceHolder 2"/>
           <p:cNvSpPr>
             <a:spLocks noGrp="1"/>
           </p:cNvSpPr>
@@ -1928,18 +1810,15 @@
             <a:normAutofit/>
           </a:bodyPr>
           <a:p>
-            <a:endParaRPr b="0" lang="it-IT" sz="3200" spc="-1" strike="noStrike">
-              <a:solidFill>
-                <a:srgbClr val="ffffff"/>
-              </a:solidFill>
-              <a:latin typeface="Corbel"/>
-            </a:endParaRPr>
-          </a:p>
-        </p:txBody>
-      </p:sp>
-      <p:sp>
-        <p:nvSpPr>
-          <p:cNvPr id="83" name="PlaceHolder 3"/>
+            <a:endParaRPr b="0" lang="cs-CZ" sz="3200" spc="-1" strike="noStrike">
+              <a:latin typeface="Arial"/>
+            </a:endParaRPr>
+          </a:p>
+        </p:txBody>
+      </p:sp>
+      <p:sp>
+        <p:nvSpPr>
+          <p:cNvPr id="77" name="PlaceHolder 3"/>
           <p:cNvSpPr>
             <a:spLocks noGrp="1"/>
           </p:cNvSpPr>
@@ -1961,18 +1840,15 @@
             <a:normAutofit/>
           </a:bodyPr>
           <a:p>
-            <a:endParaRPr b="0" lang="it-IT" sz="3200" spc="-1" strike="noStrike">
-              <a:solidFill>
-                <a:srgbClr val="ffffff"/>
-              </a:solidFill>
-              <a:latin typeface="Corbel"/>
-            </a:endParaRPr>
-          </a:p>
-        </p:txBody>
-      </p:sp>
-      <p:sp>
-        <p:nvSpPr>
-          <p:cNvPr id="84" name="PlaceHolder 4"/>
+            <a:endParaRPr b="0" lang="cs-CZ" sz="3200" spc="-1" strike="noStrike">
+              <a:latin typeface="Arial"/>
+            </a:endParaRPr>
+          </a:p>
+        </p:txBody>
+      </p:sp>
+      <p:sp>
+        <p:nvSpPr>
+          <p:cNvPr id="78" name="PlaceHolder 4"/>
           <p:cNvSpPr>
             <a:spLocks noGrp="1"/>
           </p:cNvSpPr>
@@ -1994,18 +1870,15 @@
             <a:normAutofit/>
           </a:bodyPr>
           <a:p>
-            <a:endParaRPr b="0" lang="it-IT" sz="3200" spc="-1" strike="noStrike">
-              <a:solidFill>
-                <a:srgbClr val="ffffff"/>
-              </a:solidFill>
-              <a:latin typeface="Corbel"/>
-            </a:endParaRPr>
-          </a:p>
-        </p:txBody>
-      </p:sp>
-      <p:sp>
-        <p:nvSpPr>
-          <p:cNvPr id="85" name="PlaceHolder 5"/>
+            <a:endParaRPr b="0" lang="cs-CZ" sz="3200" spc="-1" strike="noStrike">
+              <a:latin typeface="Arial"/>
+            </a:endParaRPr>
+          </a:p>
+        </p:txBody>
+      </p:sp>
+      <p:sp>
+        <p:nvSpPr>
+          <p:cNvPr id="79" name="PlaceHolder 5"/>
           <p:cNvSpPr>
             <a:spLocks noGrp="1"/>
           </p:cNvSpPr>
@@ -2027,18 +1900,15 @@
             <a:normAutofit/>
           </a:bodyPr>
           <a:p>
-            <a:endParaRPr b="0" lang="it-IT" sz="3200" spc="-1" strike="noStrike">
-              <a:solidFill>
-                <a:srgbClr val="ffffff"/>
-              </a:solidFill>
-              <a:latin typeface="Corbel"/>
-            </a:endParaRPr>
-          </a:p>
-        </p:txBody>
-      </p:sp>
-      <p:sp>
-        <p:nvSpPr>
-          <p:cNvPr id="86" name="PlaceHolder 6"/>
+            <a:endParaRPr b="0" lang="cs-CZ" sz="3200" spc="-1" strike="noStrike">
+              <a:latin typeface="Arial"/>
+            </a:endParaRPr>
+          </a:p>
+        </p:txBody>
+      </p:sp>
+      <p:sp>
+        <p:nvSpPr>
+          <p:cNvPr id="80" name="PlaceHolder 6"/>
           <p:cNvSpPr>
             <a:spLocks noGrp="1"/>
           </p:cNvSpPr>
@@ -2060,18 +1930,15 @@
             <a:normAutofit/>
           </a:bodyPr>
           <a:p>
-            <a:endParaRPr b="0" lang="it-IT" sz="3200" spc="-1" strike="noStrike">
-              <a:solidFill>
-                <a:srgbClr val="ffffff"/>
-              </a:solidFill>
-              <a:latin typeface="Corbel"/>
-            </a:endParaRPr>
-          </a:p>
-        </p:txBody>
-      </p:sp>
-      <p:sp>
-        <p:nvSpPr>
-          <p:cNvPr id="87" name="PlaceHolder 7"/>
+            <a:endParaRPr b="0" lang="cs-CZ" sz="3200" spc="-1" strike="noStrike">
+              <a:latin typeface="Arial"/>
+            </a:endParaRPr>
+          </a:p>
+        </p:txBody>
+      </p:sp>
+      <p:sp>
+        <p:nvSpPr>
+          <p:cNvPr id="81" name="PlaceHolder 7"/>
           <p:cNvSpPr>
             <a:spLocks noGrp="1"/>
           </p:cNvSpPr>
@@ -2093,11 +1960,8 @@
             <a:normAutofit/>
           </a:bodyPr>
           <a:p>
-            <a:endParaRPr b="0" lang="it-IT" sz="3200" spc="-1" strike="noStrike">
-              <a:solidFill>
-                <a:srgbClr val="ffffff"/>
-              </a:solidFill>
-              <a:latin typeface="Corbel"/>
+            <a:endParaRPr b="0" lang="cs-CZ" sz="3200" spc="-1" strike="noStrike">
+              <a:latin typeface="Arial"/>
             </a:endParaRPr>
           </a:p>
         </p:txBody>
@@ -2126,7 +1990,7 @@
       </p:grpSpPr>
       <p:sp>
         <p:nvSpPr>
-          <p:cNvPr id="11" name="PlaceHolder 1"/>
+          <p:cNvPr id="8" name="PlaceHolder 1"/>
           <p:cNvSpPr>
             <a:spLocks noGrp="1"/>
           </p:cNvSpPr>
@@ -2137,7 +2001,7 @@
         <p:spPr>
           <a:xfrm>
             <a:off x="685800" y="3355920"/>
-            <a:ext cx="8076960" cy="1672920"/>
+            <a:ext cx="8076600" cy="1672560"/>
           </a:xfrm>
           <a:prstGeom prst="rect">
             <a:avLst/>
@@ -2146,18 +2010,16 @@
         <p:txBody>
           <a:bodyPr lIns="0" rIns="0" tIns="0" bIns="0" anchor="ctr"/>
           <a:p>
-            <a:endParaRPr b="0" lang="it-IT" sz="1800" spc="-1" strike="noStrike">
-              <a:solidFill>
-                <a:srgbClr val="ffffff"/>
-              </a:solidFill>
-              <a:latin typeface="Corbel"/>
-            </a:endParaRPr>
-          </a:p>
-        </p:txBody>
-      </p:sp>
-      <p:sp>
-        <p:nvSpPr>
-          <p:cNvPr id="12" name="PlaceHolder 2"/>
+            <a:pPr algn="ctr"/>
+            <a:endParaRPr b="0" lang="cs-CZ" sz="4400" spc="-1" strike="noStrike">
+              <a:latin typeface="Arial"/>
+            </a:endParaRPr>
+          </a:p>
+        </p:txBody>
+      </p:sp>
+      <p:sp>
+        <p:nvSpPr>
+          <p:cNvPr id="9" name="PlaceHolder 2"/>
           <p:cNvSpPr>
             <a:spLocks noGrp="1"/>
           </p:cNvSpPr>
@@ -2179,11 +2041,8 @@
             <a:normAutofit/>
           </a:bodyPr>
           <a:p>
-            <a:endParaRPr b="0" lang="it-IT" sz="3200" spc="-1" strike="noStrike">
-              <a:solidFill>
-                <a:srgbClr val="ffffff"/>
-              </a:solidFill>
-              <a:latin typeface="Corbel"/>
+            <a:endParaRPr b="0" lang="cs-CZ" sz="3200" spc="-1" strike="noStrike">
+              <a:latin typeface="Arial"/>
             </a:endParaRPr>
           </a:p>
         </p:txBody>
@@ -2212,7 +2071,7 @@
       </p:grpSpPr>
       <p:sp>
         <p:nvSpPr>
-          <p:cNvPr id="13" name="PlaceHolder 1"/>
+          <p:cNvPr id="10" name="PlaceHolder 1"/>
           <p:cNvSpPr>
             <a:spLocks noGrp="1"/>
           </p:cNvSpPr>
@@ -2223,7 +2082,7 @@
         <p:spPr>
           <a:xfrm>
             <a:off x="685800" y="3355920"/>
-            <a:ext cx="8076960" cy="1672920"/>
+            <a:ext cx="8076600" cy="1672560"/>
           </a:xfrm>
           <a:prstGeom prst="rect">
             <a:avLst/>
@@ -2232,18 +2091,16 @@
         <p:txBody>
           <a:bodyPr lIns="0" rIns="0" tIns="0" bIns="0" anchor="ctr"/>
           <a:p>
-            <a:endParaRPr b="0" lang="it-IT" sz="1800" spc="-1" strike="noStrike">
-              <a:solidFill>
-                <a:srgbClr val="ffffff"/>
-              </a:solidFill>
-              <a:latin typeface="Corbel"/>
-            </a:endParaRPr>
-          </a:p>
-        </p:txBody>
-      </p:sp>
-      <p:sp>
-        <p:nvSpPr>
-          <p:cNvPr id="14" name="PlaceHolder 2"/>
+            <a:pPr algn="ctr"/>
+            <a:endParaRPr b="0" lang="cs-CZ" sz="4400" spc="-1" strike="noStrike">
+              <a:latin typeface="Arial"/>
+            </a:endParaRPr>
+          </a:p>
+        </p:txBody>
+      </p:sp>
+      <p:sp>
+        <p:nvSpPr>
+          <p:cNvPr id="11" name="PlaceHolder 2"/>
           <p:cNvSpPr>
             <a:spLocks noGrp="1"/>
           </p:cNvSpPr>
@@ -2265,18 +2122,15 @@
             <a:normAutofit/>
           </a:bodyPr>
           <a:p>
-            <a:endParaRPr b="0" lang="it-IT" sz="3200" spc="-1" strike="noStrike">
-              <a:solidFill>
-                <a:srgbClr val="ffffff"/>
-              </a:solidFill>
-              <a:latin typeface="Corbel"/>
-            </a:endParaRPr>
-          </a:p>
-        </p:txBody>
-      </p:sp>
-      <p:sp>
-        <p:nvSpPr>
-          <p:cNvPr id="15" name="PlaceHolder 3"/>
+            <a:endParaRPr b="0" lang="cs-CZ" sz="3200" spc="-1" strike="noStrike">
+              <a:latin typeface="Arial"/>
+            </a:endParaRPr>
+          </a:p>
+        </p:txBody>
+      </p:sp>
+      <p:sp>
+        <p:nvSpPr>
+          <p:cNvPr id="12" name="PlaceHolder 3"/>
           <p:cNvSpPr>
             <a:spLocks noGrp="1"/>
           </p:cNvSpPr>
@@ -2298,11 +2152,8 @@
             <a:normAutofit/>
           </a:bodyPr>
           <a:p>
-            <a:endParaRPr b="0" lang="it-IT" sz="3200" spc="-1" strike="noStrike">
-              <a:solidFill>
-                <a:srgbClr val="ffffff"/>
-              </a:solidFill>
-              <a:latin typeface="Corbel"/>
+            <a:endParaRPr b="0" lang="cs-CZ" sz="3200" spc="-1" strike="noStrike">
+              <a:latin typeface="Arial"/>
             </a:endParaRPr>
           </a:p>
         </p:txBody>
@@ -2331,7 +2182,7 @@
       </p:grpSpPr>
       <p:sp>
         <p:nvSpPr>
-          <p:cNvPr id="16" name="PlaceHolder 1"/>
+          <p:cNvPr id="13" name="PlaceHolder 1"/>
           <p:cNvSpPr>
             <a:spLocks noGrp="1"/>
           </p:cNvSpPr>
@@ -2342,7 +2193,7 @@
         <p:spPr>
           <a:xfrm>
             <a:off x="685800" y="3355920"/>
-            <a:ext cx="8076960" cy="1672920"/>
+            <a:ext cx="8076600" cy="1672560"/>
           </a:xfrm>
           <a:prstGeom prst="rect">
             <a:avLst/>
@@ -2351,11 +2202,9 @@
         <p:txBody>
           <a:bodyPr lIns="0" rIns="0" tIns="0" bIns="0" anchor="ctr"/>
           <a:p>
-            <a:endParaRPr b="0" lang="it-IT" sz="1800" spc="-1" strike="noStrike">
-              <a:solidFill>
-                <a:srgbClr val="ffffff"/>
-              </a:solidFill>
-              <a:latin typeface="Corbel"/>
+            <a:pPr algn="ctr"/>
+            <a:endParaRPr b="0" lang="cs-CZ" sz="4400" spc="-1" strike="noStrike">
+              <a:latin typeface="Arial"/>
             </a:endParaRPr>
           </a:p>
         </p:txBody>
@@ -2384,7 +2233,7 @@
       </p:grpSpPr>
       <p:sp>
         <p:nvSpPr>
-          <p:cNvPr id="17" name="PlaceHolder 1"/>
+          <p:cNvPr id="14" name="PlaceHolder 1"/>
           <p:cNvSpPr>
             <a:spLocks noGrp="1"/>
           </p:cNvSpPr>
@@ -2395,7 +2244,7 @@
         <p:spPr>
           <a:xfrm>
             <a:off x="685800" y="3355920"/>
-            <a:ext cx="8076960" cy="7755840"/>
+            <a:ext cx="8076600" cy="7754400"/>
           </a:xfrm>
           <a:prstGeom prst="rect">
             <a:avLst/>
@@ -2435,7 +2284,7 @@
       </p:grpSpPr>
       <p:sp>
         <p:nvSpPr>
-          <p:cNvPr id="18" name="PlaceHolder 1"/>
+          <p:cNvPr id="15" name="PlaceHolder 1"/>
           <p:cNvSpPr>
             <a:spLocks noGrp="1"/>
           </p:cNvSpPr>
@@ -2446,7 +2295,7 @@
         <p:spPr>
           <a:xfrm>
             <a:off x="685800" y="3355920"/>
-            <a:ext cx="8076960" cy="1672920"/>
+            <a:ext cx="8076600" cy="1672560"/>
           </a:xfrm>
           <a:prstGeom prst="rect">
             <a:avLst/>
@@ -2455,18 +2304,16 @@
         <p:txBody>
           <a:bodyPr lIns="0" rIns="0" tIns="0" bIns="0" anchor="ctr"/>
           <a:p>
-            <a:endParaRPr b="0" lang="it-IT" sz="1800" spc="-1" strike="noStrike">
-              <a:solidFill>
-                <a:srgbClr val="ffffff"/>
-              </a:solidFill>
-              <a:latin typeface="Corbel"/>
-            </a:endParaRPr>
-          </a:p>
-        </p:txBody>
-      </p:sp>
-      <p:sp>
-        <p:nvSpPr>
-          <p:cNvPr id="19" name="PlaceHolder 2"/>
+            <a:pPr algn="ctr"/>
+            <a:endParaRPr b="0" lang="cs-CZ" sz="4400" spc="-1" strike="noStrike">
+              <a:latin typeface="Arial"/>
+            </a:endParaRPr>
+          </a:p>
+        </p:txBody>
+      </p:sp>
+      <p:sp>
+        <p:nvSpPr>
+          <p:cNvPr id="16" name="PlaceHolder 2"/>
           <p:cNvSpPr>
             <a:spLocks noGrp="1"/>
           </p:cNvSpPr>
@@ -2488,18 +2335,15 @@
             <a:normAutofit/>
           </a:bodyPr>
           <a:p>
-            <a:endParaRPr b="0" lang="it-IT" sz="3200" spc="-1" strike="noStrike">
-              <a:solidFill>
-                <a:srgbClr val="ffffff"/>
-              </a:solidFill>
-              <a:latin typeface="Corbel"/>
-            </a:endParaRPr>
-          </a:p>
-        </p:txBody>
-      </p:sp>
-      <p:sp>
-        <p:nvSpPr>
-          <p:cNvPr id="20" name="PlaceHolder 3"/>
+            <a:endParaRPr b="0" lang="cs-CZ" sz="3200" spc="-1" strike="noStrike">
+              <a:latin typeface="Arial"/>
+            </a:endParaRPr>
+          </a:p>
+        </p:txBody>
+      </p:sp>
+      <p:sp>
+        <p:nvSpPr>
+          <p:cNvPr id="17" name="PlaceHolder 3"/>
           <p:cNvSpPr>
             <a:spLocks noGrp="1"/>
           </p:cNvSpPr>
@@ -2521,18 +2365,15 @@
             <a:normAutofit/>
           </a:bodyPr>
           <a:p>
-            <a:endParaRPr b="0" lang="it-IT" sz="3200" spc="-1" strike="noStrike">
-              <a:solidFill>
-                <a:srgbClr val="ffffff"/>
-              </a:solidFill>
-              <a:latin typeface="Corbel"/>
-            </a:endParaRPr>
-          </a:p>
-        </p:txBody>
-      </p:sp>
-      <p:sp>
-        <p:nvSpPr>
-          <p:cNvPr id="21" name="PlaceHolder 4"/>
+            <a:endParaRPr b="0" lang="cs-CZ" sz="3200" spc="-1" strike="noStrike">
+              <a:latin typeface="Arial"/>
+            </a:endParaRPr>
+          </a:p>
+        </p:txBody>
+      </p:sp>
+      <p:sp>
+        <p:nvSpPr>
+          <p:cNvPr id="18" name="PlaceHolder 4"/>
           <p:cNvSpPr>
             <a:spLocks noGrp="1"/>
           </p:cNvSpPr>
@@ -2554,11 +2395,8 @@
             <a:normAutofit/>
           </a:bodyPr>
           <a:p>
-            <a:endParaRPr b="0" lang="it-IT" sz="3200" spc="-1" strike="noStrike">
-              <a:solidFill>
-                <a:srgbClr val="ffffff"/>
-              </a:solidFill>
-              <a:latin typeface="Corbel"/>
+            <a:endParaRPr b="0" lang="cs-CZ" sz="3200" spc="-1" strike="noStrike">
+              <a:latin typeface="Arial"/>
             </a:endParaRPr>
           </a:p>
         </p:txBody>
@@ -2587,7 +2425,7 @@
       </p:grpSpPr>
       <p:sp>
         <p:nvSpPr>
-          <p:cNvPr id="22" name="PlaceHolder 1"/>
+          <p:cNvPr id="19" name="PlaceHolder 1"/>
           <p:cNvSpPr>
             <a:spLocks noGrp="1"/>
           </p:cNvSpPr>
@@ -2598,7 +2436,7 @@
         <p:spPr>
           <a:xfrm>
             <a:off x="685800" y="3355920"/>
-            <a:ext cx="8076960" cy="1672920"/>
+            <a:ext cx="8076600" cy="1672560"/>
           </a:xfrm>
           <a:prstGeom prst="rect">
             <a:avLst/>
@@ -2607,18 +2445,16 @@
         <p:txBody>
           <a:bodyPr lIns="0" rIns="0" tIns="0" bIns="0" anchor="ctr"/>
           <a:p>
-            <a:endParaRPr b="0" lang="it-IT" sz="1800" spc="-1" strike="noStrike">
-              <a:solidFill>
-                <a:srgbClr val="ffffff"/>
-              </a:solidFill>
-              <a:latin typeface="Corbel"/>
-            </a:endParaRPr>
-          </a:p>
-        </p:txBody>
-      </p:sp>
-      <p:sp>
-        <p:nvSpPr>
-          <p:cNvPr id="23" name="PlaceHolder 2"/>
+            <a:pPr algn="ctr"/>
+            <a:endParaRPr b="0" lang="cs-CZ" sz="4400" spc="-1" strike="noStrike">
+              <a:latin typeface="Arial"/>
+            </a:endParaRPr>
+          </a:p>
+        </p:txBody>
+      </p:sp>
+      <p:sp>
+        <p:nvSpPr>
+          <p:cNvPr id="20" name="PlaceHolder 2"/>
           <p:cNvSpPr>
             <a:spLocks noGrp="1"/>
           </p:cNvSpPr>
@@ -2640,18 +2476,15 @@
             <a:normAutofit/>
           </a:bodyPr>
           <a:p>
-            <a:endParaRPr b="0" lang="it-IT" sz="3200" spc="-1" strike="noStrike">
-              <a:solidFill>
-                <a:srgbClr val="ffffff"/>
-              </a:solidFill>
-              <a:latin typeface="Corbel"/>
-            </a:endParaRPr>
-          </a:p>
-        </p:txBody>
-      </p:sp>
-      <p:sp>
-        <p:nvSpPr>
-          <p:cNvPr id="24" name="PlaceHolder 3"/>
+            <a:endParaRPr b="0" lang="cs-CZ" sz="3200" spc="-1" strike="noStrike">
+              <a:latin typeface="Arial"/>
+            </a:endParaRPr>
+          </a:p>
+        </p:txBody>
+      </p:sp>
+      <p:sp>
+        <p:nvSpPr>
+          <p:cNvPr id="21" name="PlaceHolder 3"/>
           <p:cNvSpPr>
             <a:spLocks noGrp="1"/>
           </p:cNvSpPr>
@@ -2673,18 +2506,15 @@
             <a:normAutofit/>
           </a:bodyPr>
           <a:p>
-            <a:endParaRPr b="0" lang="it-IT" sz="3200" spc="-1" strike="noStrike">
-              <a:solidFill>
-                <a:srgbClr val="ffffff"/>
-              </a:solidFill>
-              <a:latin typeface="Corbel"/>
-            </a:endParaRPr>
-          </a:p>
-        </p:txBody>
-      </p:sp>
-      <p:sp>
-        <p:nvSpPr>
-          <p:cNvPr id="25" name="PlaceHolder 4"/>
+            <a:endParaRPr b="0" lang="cs-CZ" sz="3200" spc="-1" strike="noStrike">
+              <a:latin typeface="Arial"/>
+            </a:endParaRPr>
+          </a:p>
+        </p:txBody>
+      </p:sp>
+      <p:sp>
+        <p:nvSpPr>
+          <p:cNvPr id="22" name="PlaceHolder 4"/>
           <p:cNvSpPr>
             <a:spLocks noGrp="1"/>
           </p:cNvSpPr>
@@ -2706,11 +2536,8 @@
             <a:normAutofit/>
           </a:bodyPr>
           <a:p>
-            <a:endParaRPr b="0" lang="it-IT" sz="3200" spc="-1" strike="noStrike">
-              <a:solidFill>
-                <a:srgbClr val="ffffff"/>
-              </a:solidFill>
-              <a:latin typeface="Corbel"/>
+            <a:endParaRPr b="0" lang="cs-CZ" sz="3200" spc="-1" strike="noStrike">
+              <a:latin typeface="Arial"/>
             </a:endParaRPr>
           </a:p>
         </p:txBody>
@@ -2739,7 +2566,7 @@
       </p:grpSpPr>
       <p:sp>
         <p:nvSpPr>
-          <p:cNvPr id="26" name="PlaceHolder 1"/>
+          <p:cNvPr id="23" name="PlaceHolder 1"/>
           <p:cNvSpPr>
             <a:spLocks noGrp="1"/>
           </p:cNvSpPr>
@@ -2750,7 +2577,7 @@
         <p:spPr>
           <a:xfrm>
             <a:off x="685800" y="3355920"/>
-            <a:ext cx="8076960" cy="1672920"/>
+            <a:ext cx="8076600" cy="1672560"/>
           </a:xfrm>
           <a:prstGeom prst="rect">
             <a:avLst/>
@@ -2759,18 +2586,16 @@
         <p:txBody>
           <a:bodyPr lIns="0" rIns="0" tIns="0" bIns="0" anchor="ctr"/>
           <a:p>
-            <a:endParaRPr b="0" lang="it-IT" sz="1800" spc="-1" strike="noStrike">
-              <a:solidFill>
-                <a:srgbClr val="ffffff"/>
-              </a:solidFill>
-              <a:latin typeface="Corbel"/>
-            </a:endParaRPr>
-          </a:p>
-        </p:txBody>
-      </p:sp>
-      <p:sp>
-        <p:nvSpPr>
-          <p:cNvPr id="27" name="PlaceHolder 2"/>
+            <a:pPr algn="ctr"/>
+            <a:endParaRPr b="0" lang="cs-CZ" sz="4400" spc="-1" strike="noStrike">
+              <a:latin typeface="Arial"/>
+            </a:endParaRPr>
+          </a:p>
+        </p:txBody>
+      </p:sp>
+      <p:sp>
+        <p:nvSpPr>
+          <p:cNvPr id="24" name="PlaceHolder 2"/>
           <p:cNvSpPr>
             <a:spLocks noGrp="1"/>
           </p:cNvSpPr>
@@ -2792,18 +2617,15 @@
             <a:normAutofit/>
           </a:bodyPr>
           <a:p>
-            <a:endParaRPr b="0" lang="it-IT" sz="3200" spc="-1" strike="noStrike">
-              <a:solidFill>
-                <a:srgbClr val="ffffff"/>
-              </a:solidFill>
-              <a:latin typeface="Corbel"/>
-            </a:endParaRPr>
-          </a:p>
-        </p:txBody>
-      </p:sp>
-      <p:sp>
-        <p:nvSpPr>
-          <p:cNvPr id="28" name="PlaceHolder 3"/>
+            <a:endParaRPr b="0" lang="cs-CZ" sz="3200" spc="-1" strike="noStrike">
+              <a:latin typeface="Arial"/>
+            </a:endParaRPr>
+          </a:p>
+        </p:txBody>
+      </p:sp>
+      <p:sp>
+        <p:nvSpPr>
+          <p:cNvPr id="25" name="PlaceHolder 3"/>
           <p:cNvSpPr>
             <a:spLocks noGrp="1"/>
           </p:cNvSpPr>
@@ -2825,18 +2647,15 @@
             <a:normAutofit/>
           </a:bodyPr>
           <a:p>
-            <a:endParaRPr b="0" lang="it-IT" sz="3200" spc="-1" strike="noStrike">
-              <a:solidFill>
-                <a:srgbClr val="ffffff"/>
-              </a:solidFill>
-              <a:latin typeface="Corbel"/>
-            </a:endParaRPr>
-          </a:p>
-        </p:txBody>
-      </p:sp>
-      <p:sp>
-        <p:nvSpPr>
-          <p:cNvPr id="29" name="PlaceHolder 4"/>
+            <a:endParaRPr b="0" lang="cs-CZ" sz="3200" spc="-1" strike="noStrike">
+              <a:latin typeface="Arial"/>
+            </a:endParaRPr>
+          </a:p>
+        </p:txBody>
+      </p:sp>
+      <p:sp>
+        <p:nvSpPr>
+          <p:cNvPr id="26" name="PlaceHolder 4"/>
           <p:cNvSpPr>
             <a:spLocks noGrp="1"/>
           </p:cNvSpPr>
@@ -2858,11 +2677,8 @@
             <a:normAutofit/>
           </a:bodyPr>
           <a:p>
-            <a:endParaRPr b="0" lang="it-IT" sz="3200" spc="-1" strike="noStrike">
-              <a:solidFill>
-                <a:srgbClr val="ffffff"/>
-              </a:solidFill>
-              <a:latin typeface="Corbel"/>
+            <a:endParaRPr b="0" lang="cs-CZ" sz="3200" spc="-1" strike="noStrike">
+              <a:latin typeface="Arial"/>
             </a:endParaRPr>
           </a:p>
         </p:txBody>
@@ -2898,7 +2714,7 @@
         <p:spPr>
           <a:xfrm>
             <a:off x="0" y="1436040"/>
-            <a:ext cx="9143640" cy="45360"/>
+            <a:ext cx="9143280" cy="45000"/>
           </a:xfrm>
           <a:prstGeom prst="rect">
             <a:avLst/>
@@ -2939,7 +2755,7 @@
         <p:spPr>
           <a:xfrm>
             <a:off x="0" y="0"/>
-            <a:ext cx="9143640" cy="1433520"/>
+            <a:ext cx="9143280" cy="1433160"/>
           </a:xfrm>
           <a:prstGeom prst="rect">
             <a:avLst/>
@@ -2973,7 +2789,7 @@
         <p:spPr>
           <a:xfrm>
             <a:off x="0" y="0"/>
-            <a:ext cx="9143640" cy="5135040"/>
+            <a:ext cx="9143280" cy="5134680"/>
           </a:xfrm>
           <a:prstGeom prst="rect">
             <a:avLst/>
@@ -3000,173 +2816,14 @@
       </p:sp>
       <p:sp>
         <p:nvSpPr>
-          <p:cNvPr id="3" name="PlaceHolder 4"/>
-          <p:cNvSpPr>
-            <a:spLocks noGrp="1"/>
-          </p:cNvSpPr>
-          <p:nvPr>
-            <p:ph type="title"/>
-          </p:nvPr>
-        </p:nvSpPr>
-        <p:spPr>
-          <a:xfrm>
-            <a:off x="685800" y="3355920"/>
-            <a:ext cx="8076960" cy="1672920"/>
-          </a:xfrm>
-          <a:prstGeom prst="rect">
-            <a:avLst/>
-          </a:prstGeom>
-        </p:spPr>
-        <p:txBody>
-          <a:bodyPr rIns="45720" tIns="0" bIns="0">
-            <a:normAutofit/>
-          </a:bodyPr>
-          <a:p>
-            <a:pPr>
-              <a:lnSpc>
-                <a:spcPct val="100000"/>
-              </a:lnSpc>
-            </a:pPr>
-            <a:r>
-              <a:rPr b="1" lang="it-IT" sz="4700" spc="-1" strike="noStrike">
-                <a:solidFill>
-                  <a:srgbClr val="f0ad00"/>
-                </a:solidFill>
-                <a:latin typeface="Corbel"/>
-              </a:rPr>
-              <a:t>Fare clic per modificare lo stile del titolo</a:t>
-            </a:r>
-            <a:endParaRPr b="0" lang="it-IT" sz="4700" spc="-1" strike="noStrike">
-              <a:solidFill>
-                <a:srgbClr val="ffffff"/>
-              </a:solidFill>
-              <a:latin typeface="Corbel"/>
-            </a:endParaRPr>
-          </a:p>
-        </p:txBody>
-      </p:sp>
-      <p:sp>
-        <p:nvSpPr>
-          <p:cNvPr id="4" name="PlaceHolder 5"/>
-          <p:cNvSpPr>
-            <a:spLocks noGrp="1"/>
-          </p:cNvSpPr>
-          <p:nvPr>
-            <p:ph type="dt"/>
-          </p:nvPr>
-        </p:nvSpPr>
-        <p:spPr>
-          <a:xfrm>
-            <a:off x="457200" y="6477120"/>
-            <a:ext cx="2133360" cy="273960"/>
-          </a:xfrm>
-          <a:prstGeom prst="rect">
-            <a:avLst/>
-          </a:prstGeom>
-        </p:spPr>
-        <p:txBody>
-          <a:bodyPr lIns="109800" rIns="45720" tIns="45000" bIns="0" anchor="b"/>
-          <a:p>
-            <a:pPr>
-              <a:lnSpc>
-                <a:spcPct val="100000"/>
-              </a:lnSpc>
-            </a:pPr>
-            <a:fld id="{BCC00B80-A28E-435A-A1BF-E4F7C6C50758}" type="datetime">
-              <a:rPr b="0" lang="cs-CZ" sz="1200" spc="-1" strike="noStrike">
-                <a:solidFill>
-                  <a:srgbClr val="ffffff"/>
-                </a:solidFill>
-                <a:latin typeface="Corbel"/>
-              </a:rPr>
-              <a:t>11. 4. 2018</a:t>
-            </a:fld>
-            <a:endParaRPr b="0" lang="cs-CZ" sz="1200" spc="-1" strike="noStrike">
-              <a:latin typeface="Times New Roman"/>
-            </a:endParaRPr>
-          </a:p>
-        </p:txBody>
-      </p:sp>
-      <p:sp>
-        <p:nvSpPr>
-          <p:cNvPr id="5" name="PlaceHolder 6"/>
-          <p:cNvSpPr>
-            <a:spLocks noGrp="1"/>
-          </p:cNvSpPr>
-          <p:nvPr>
-            <p:ph type="ftr"/>
-          </p:nvPr>
-        </p:nvSpPr>
-        <p:spPr>
-          <a:xfrm>
-            <a:off x="2640600" y="6477120"/>
-            <a:ext cx="5507280" cy="273960"/>
-          </a:xfrm>
-          <a:prstGeom prst="rect">
-            <a:avLst/>
-          </a:prstGeom>
-        </p:spPr>
-        <p:txBody>
-          <a:bodyPr lIns="45720" rIns="45720" tIns="45000" bIns="0" anchor="b"/>
-          <a:p>
-            <a:endParaRPr b="0" lang="cs-CZ" sz="2400" spc="-1" strike="noStrike">
-              <a:latin typeface="Times New Roman"/>
-            </a:endParaRPr>
-          </a:p>
-        </p:txBody>
-      </p:sp>
-      <p:sp>
-        <p:nvSpPr>
-          <p:cNvPr id="6" name="PlaceHolder 7"/>
-          <p:cNvSpPr>
-            <a:spLocks noGrp="1"/>
-          </p:cNvSpPr>
-          <p:nvPr>
-            <p:ph type="sldNum"/>
-          </p:nvPr>
-        </p:nvSpPr>
-        <p:spPr>
-          <a:xfrm>
-            <a:off x="8204400" y="6477120"/>
-            <a:ext cx="733680" cy="273960"/>
-          </a:xfrm>
-          <a:prstGeom prst="rect">
-            <a:avLst/>
-          </a:prstGeom>
-        </p:spPr>
-        <p:txBody>
-          <a:bodyPr lIns="90000" rIns="90000" tIns="45000" bIns="0" anchor="b"/>
-          <a:p>
-            <a:pPr algn="r">
-              <a:lnSpc>
-                <a:spcPct val="100000"/>
-              </a:lnSpc>
-            </a:pPr>
-            <a:fld id="{1949EFB0-163C-48F8-9BA8-8DBBE8FAB834}" type="slidenum">
-              <a:rPr b="0" lang="cs-CZ" sz="1200" spc="-1" strike="noStrike">
-                <a:solidFill>
-                  <a:srgbClr val="ffffff"/>
-                </a:solidFill>
-                <a:latin typeface="Corbel"/>
-              </a:rPr>
-              <a:t>&lt;číslo&gt;</a:t>
-            </a:fld>
-            <a:endParaRPr b="0" lang="cs-CZ" sz="1200" spc="-1" strike="noStrike">
-              <a:latin typeface="Times New Roman"/>
-            </a:endParaRPr>
-          </a:p>
-        </p:txBody>
-      </p:sp>
-      <p:sp>
-        <p:nvSpPr>
-          <p:cNvPr id="7" name="CustomShape 8"/>
+          <p:cNvPr id="3" name="CustomShape 4"/>
           <p:cNvSpPr/>
           <p:nvPr/>
         </p:nvSpPr>
         <p:spPr>
           <a:xfrm>
             <a:off x="0" y="5128200"/>
-            <a:ext cx="9143640" cy="45360"/>
+            <a:ext cx="9143280" cy="45000"/>
           </a:xfrm>
           <a:prstGeom prst="rect">
             <a:avLst/>
@@ -3200,7 +2857,41 @@
       </p:sp>
       <p:sp>
         <p:nvSpPr>
-          <p:cNvPr id="8" name="PlaceHolder 9"/>
+          <p:cNvPr id="4" name="PlaceHolder 5"/>
+          <p:cNvSpPr>
+            <a:spLocks noGrp="1"/>
+          </p:cNvSpPr>
+          <p:nvPr>
+            <p:ph type="title"/>
+          </p:nvPr>
+        </p:nvSpPr>
+        <p:spPr>
+          <a:xfrm>
+            <a:off x="685800" y="3355920"/>
+            <a:ext cx="8076600" cy="1672560"/>
+          </a:xfrm>
+          <a:prstGeom prst="rect">
+            <a:avLst/>
+          </a:prstGeom>
+        </p:spPr>
+        <p:txBody>
+          <a:bodyPr lIns="0" rIns="0" tIns="0" bIns="0" anchor="ctr"/>
+          <a:p>
+            <a:r>
+              <a:rPr b="0" lang="cs-CZ" sz="1800" spc="-1" strike="noStrike">
+                <a:latin typeface="Arial"/>
+              </a:rPr>
+              <a:t>Klikněte pro úpravu formátu textu nadpisu</a:t>
+            </a:r>
+            <a:endParaRPr b="0" lang="cs-CZ" sz="1800" spc="-1" strike="noStrike">
+              <a:latin typeface="Arial"/>
+            </a:endParaRPr>
+          </a:p>
+        </p:txBody>
+      </p:sp>
+      <p:sp>
+        <p:nvSpPr>
+          <p:cNvPr id="5" name="PlaceHolder 6"/>
           <p:cNvSpPr>
             <a:spLocks noGrp="1"/>
           </p:cNvSpPr>
@@ -3234,19 +2925,13 @@
               <a:buChar char=""/>
             </a:pPr>
             <a:r>
-              <a:rPr b="0" lang="it-IT" sz="3200" spc="-1" strike="noStrike">
-                <a:solidFill>
-                  <a:srgbClr val="ffffff"/>
-                </a:solidFill>
-                <a:latin typeface="Corbel"/>
+              <a:rPr b="0" lang="cs-CZ" sz="3200" spc="-1" strike="noStrike">
+                <a:latin typeface="Arial"/>
               </a:rPr>
               <a:t>Klikněte pro úpravu formátu textu osnovy</a:t>
             </a:r>
-            <a:endParaRPr b="0" lang="it-IT" sz="3200" spc="-1" strike="noStrike">
-              <a:solidFill>
-                <a:srgbClr val="ffffff"/>
-              </a:solidFill>
-              <a:latin typeface="Corbel"/>
+            <a:endParaRPr b="0" lang="cs-CZ" sz="3200" spc="-1" strike="noStrike">
+              <a:latin typeface="Arial"/>
             </a:endParaRPr>
           </a:p>
           <a:p>
@@ -3262,19 +2947,13 @@
               <a:buChar char=""/>
             </a:pPr>
             <a:r>
-              <a:rPr b="0" lang="it-IT" sz="2400" spc="-1" strike="noStrike">
-                <a:solidFill>
-                  <a:srgbClr val="ffffff"/>
-                </a:solidFill>
-                <a:latin typeface="Corbel"/>
+              <a:rPr b="0" lang="cs-CZ" sz="2800" spc="-1" strike="noStrike">
+                <a:latin typeface="Arial"/>
               </a:rPr>
               <a:t>Druhá úroveň</a:t>
             </a:r>
-            <a:endParaRPr b="0" lang="it-IT" sz="2400" spc="-1" strike="noStrike">
-              <a:solidFill>
-                <a:srgbClr val="ffffff"/>
-              </a:solidFill>
-              <a:latin typeface="Corbel"/>
+            <a:endParaRPr b="0" lang="cs-CZ" sz="2800" spc="-1" strike="noStrike">
+              <a:latin typeface="Arial"/>
             </a:endParaRPr>
           </a:p>
           <a:p>
@@ -3290,19 +2969,13 @@
               <a:buChar char=""/>
             </a:pPr>
             <a:r>
-              <a:rPr b="0" lang="it-IT" sz="2000" spc="-1" strike="noStrike">
-                <a:solidFill>
-                  <a:srgbClr val="ffffff"/>
-                </a:solidFill>
-                <a:latin typeface="Corbel"/>
+              <a:rPr b="0" lang="cs-CZ" sz="2400" spc="-1" strike="noStrike">
+                <a:latin typeface="Arial"/>
               </a:rPr>
               <a:t>Třetí úroveň</a:t>
             </a:r>
-            <a:endParaRPr b="0" lang="it-IT" sz="2000" spc="-1" strike="noStrike">
-              <a:solidFill>
-                <a:srgbClr val="ffffff"/>
-              </a:solidFill>
-              <a:latin typeface="Corbel"/>
+            <a:endParaRPr b="0" lang="cs-CZ" sz="2400" spc="-1" strike="noStrike">
+              <a:latin typeface="Arial"/>
             </a:endParaRPr>
           </a:p>
           <a:p>
@@ -3318,19 +2991,13 @@
               <a:buChar char=""/>
             </a:pPr>
             <a:r>
-              <a:rPr b="0" lang="en-US" sz="2000" spc="-1" strike="noStrike">
-                <a:solidFill>
-                  <a:srgbClr val="ffffff"/>
-                </a:solidFill>
-                <a:latin typeface="Corbel"/>
+              <a:rPr b="0" lang="cs-CZ" sz="2000" spc="-1" strike="noStrike">
+                <a:latin typeface="Arial"/>
               </a:rPr>
               <a:t>Čtvrtá úroveň osnovy</a:t>
             </a:r>
-            <a:endParaRPr b="0" lang="en-US" sz="2000" spc="-1" strike="noStrike">
-              <a:solidFill>
-                <a:srgbClr val="ffffff"/>
-              </a:solidFill>
-              <a:latin typeface="Corbel"/>
+            <a:endParaRPr b="0" lang="cs-CZ" sz="2000" spc="-1" strike="noStrike">
+              <a:latin typeface="Arial"/>
             </a:endParaRPr>
           </a:p>
           <a:p>
@@ -3346,19 +3013,13 @@
               <a:buChar char=""/>
             </a:pPr>
             <a:r>
-              <a:rPr b="0" lang="en-US" sz="2000" spc="-1" strike="noStrike">
-                <a:solidFill>
-                  <a:srgbClr val="ffffff"/>
-                </a:solidFill>
-                <a:latin typeface="Corbel"/>
+              <a:rPr b="0" lang="cs-CZ" sz="2000" spc="-1" strike="noStrike">
+                <a:latin typeface="Arial"/>
               </a:rPr>
               <a:t>Pátá úroveň osnovy</a:t>
             </a:r>
-            <a:endParaRPr b="0" lang="en-US" sz="2000" spc="-1" strike="noStrike">
-              <a:solidFill>
-                <a:srgbClr val="ffffff"/>
-              </a:solidFill>
-              <a:latin typeface="Corbel"/>
+            <a:endParaRPr b="0" lang="cs-CZ" sz="2000" spc="-1" strike="noStrike">
+              <a:latin typeface="Arial"/>
             </a:endParaRPr>
           </a:p>
           <a:p>
@@ -3374,19 +3035,13 @@
               <a:buChar char=""/>
             </a:pPr>
             <a:r>
-              <a:rPr b="0" lang="en-US" sz="2000" spc="-1" strike="noStrike">
-                <a:solidFill>
-                  <a:srgbClr val="ffffff"/>
-                </a:solidFill>
-                <a:latin typeface="Corbel"/>
+              <a:rPr b="0" lang="cs-CZ" sz="2000" spc="-1" strike="noStrike">
+                <a:latin typeface="Arial"/>
               </a:rPr>
               <a:t>Šestá úroveň</a:t>
             </a:r>
-            <a:endParaRPr b="0" lang="en-US" sz="2000" spc="-1" strike="noStrike">
-              <a:solidFill>
-                <a:srgbClr val="ffffff"/>
-              </a:solidFill>
-              <a:latin typeface="Corbel"/>
+            <a:endParaRPr b="0" lang="cs-CZ" sz="2000" spc="-1" strike="noStrike">
+              <a:latin typeface="Arial"/>
             </a:endParaRPr>
           </a:p>
           <a:p>
@@ -3402,19 +3057,13 @@
               <a:buChar char=""/>
             </a:pPr>
             <a:r>
-              <a:rPr b="0" lang="en-US" sz="2000" spc="-1" strike="noStrike">
-                <a:solidFill>
-                  <a:srgbClr val="ffffff"/>
-                </a:solidFill>
-                <a:latin typeface="Corbel"/>
+              <a:rPr b="0" lang="cs-CZ" sz="2000" spc="-1" strike="noStrike">
+                <a:latin typeface="Arial"/>
               </a:rPr>
               <a:t>Sedmá úroveň</a:t>
             </a:r>
-            <a:endParaRPr b="0" lang="en-US" sz="2000" spc="-1" strike="noStrike">
-              <a:solidFill>
-                <a:srgbClr val="ffffff"/>
-              </a:solidFill>
-              <a:latin typeface="Corbel"/>
+            <a:endParaRPr b="0" lang="cs-CZ" sz="2000" spc="-1" strike="noStrike">
+              <a:latin typeface="Arial"/>
             </a:endParaRPr>
           </a:p>
         </p:txBody>
@@ -3465,14 +3114,14 @@
       </p:grpSpPr>
       <p:sp>
         <p:nvSpPr>
-          <p:cNvPr id="45" name="CustomShape 1"/>
+          <p:cNvPr id="42" name="CustomShape 1"/>
           <p:cNvSpPr/>
           <p:nvPr/>
         </p:nvSpPr>
         <p:spPr>
           <a:xfrm>
             <a:off x="0" y="1436040"/>
-            <a:ext cx="9143640" cy="45360"/>
+            <a:ext cx="9143280" cy="45000"/>
           </a:xfrm>
           <a:prstGeom prst="rect">
             <a:avLst/>
@@ -3506,14 +3155,14 @@
       </p:sp>
       <p:sp>
         <p:nvSpPr>
-          <p:cNvPr id="46" name="CustomShape 2"/>
+          <p:cNvPr id="43" name="CustomShape 2"/>
           <p:cNvSpPr/>
           <p:nvPr/>
         </p:nvSpPr>
         <p:spPr>
           <a:xfrm>
             <a:off x="0" y="0"/>
-            <a:ext cx="9143640" cy="1433520"/>
+            <a:ext cx="9143280" cy="1433160"/>
           </a:xfrm>
           <a:prstGeom prst="rect">
             <a:avLst/>
@@ -3540,7 +3189,7 @@
       </p:sp>
       <p:sp>
         <p:nvSpPr>
-          <p:cNvPr id="47" name="PlaceHolder 3"/>
+          <p:cNvPr id="44" name="PlaceHolder 3"/>
           <p:cNvSpPr>
             <a:spLocks noGrp="1"/>
           </p:cNvSpPr>
@@ -3550,42 +3199,32 @@
         </p:nvSpPr>
         <p:spPr>
           <a:xfrm>
-            <a:off x="457200" y="155520"/>
-            <a:ext cx="8229240" cy="1252440"/>
-          </a:xfrm>
-          <a:prstGeom prst="rect">
-            <a:avLst/>
-          </a:prstGeom>
-        </p:spPr>
-        <p:txBody>
-          <a:bodyPr rIns="45720" tIns="45000" bIns="45000" anchor="ctr"/>
-          <a:p>
-            <a:pPr>
-              <a:lnSpc>
-                <a:spcPct val="100000"/>
-              </a:lnSpc>
-            </a:pPr>
-            <a:r>
-              <a:rPr b="1" lang="it-IT" sz="4500" spc="-1" strike="noStrike">
-                <a:solidFill>
-                  <a:srgbClr val="f0ad00"/>
-                </a:solidFill>
-                <a:latin typeface="Corbel"/>
-              </a:rPr>
-              <a:t>Fare clic per modificare lo stile del titolo</a:t>
-            </a:r>
-            <a:endParaRPr b="0" lang="it-IT" sz="4500" spc="-1" strike="noStrike">
-              <a:solidFill>
-                <a:srgbClr val="000000"/>
-              </a:solidFill>
-              <a:latin typeface="Corbel"/>
-            </a:endParaRPr>
-          </a:p>
-        </p:txBody>
-      </p:sp>
-      <p:sp>
-        <p:nvSpPr>
-          <p:cNvPr id="48" name="PlaceHolder 4"/>
+            <a:off x="457200" y="273600"/>
+            <a:ext cx="8229240" cy="1144800"/>
+          </a:xfrm>
+          <a:prstGeom prst="rect">
+            <a:avLst/>
+          </a:prstGeom>
+        </p:spPr>
+        <p:txBody>
+          <a:bodyPr lIns="0" rIns="0" tIns="0" bIns="0" anchor="ctr"/>
+          <a:p>
+            <a:pPr algn="ctr"/>
+            <a:r>
+              <a:rPr b="0" lang="cs-CZ" sz="4400" spc="-1" strike="noStrike">
+                <a:latin typeface="Arial"/>
+              </a:rPr>
+              <a:t>Klikněte pro úpravu formátu textu nadpisu</a:t>
+            </a:r>
+            <a:endParaRPr b="0" lang="cs-CZ" sz="4400" spc="-1" strike="noStrike">
+              <a:latin typeface="Arial"/>
+            </a:endParaRPr>
+          </a:p>
+        </p:txBody>
+      </p:sp>
+      <p:sp>
+        <p:nvSpPr>
+          <p:cNvPr id="45" name="PlaceHolder 4"/>
           <p:cNvSpPr>
             <a:spLocks noGrp="1"/>
           </p:cNvSpPr>
@@ -3595,274 +3234,169 @@
         </p:nvSpPr>
         <p:spPr>
           <a:xfrm>
-            <a:off x="457200" y="1775160"/>
-            <a:ext cx="8229240" cy="4625280"/>
-          </a:xfrm>
-          <a:prstGeom prst="rect">
-            <a:avLst/>
-          </a:prstGeom>
-        </p:spPr>
-        <p:txBody>
-          <a:bodyPr lIns="54720" rIns="90000" tIns="91440" bIns="45000"/>
-          <a:p>
-            <a:pPr marL="438840" indent="-319680">
-              <a:lnSpc>
-                <a:spcPct val="100000"/>
-              </a:lnSpc>
-              <a:buClr>
-                <a:srgbClr val="f0ad00"/>
-              </a:buClr>
-              <a:buSzPct val="80000"/>
-              <a:buFont typeface="Wingdings 2" charset="2"/>
-              <a:buChar char=""/>
-            </a:pPr>
-            <a:r>
-              <a:rPr b="0" lang="it-IT" sz="3200" spc="-1" strike="noStrike">
-                <a:solidFill>
-                  <a:srgbClr val="000000"/>
-                </a:solidFill>
-                <a:latin typeface="Corbel"/>
-              </a:rPr>
-              <a:t>Fare clic per modificare stili del testo dello schema</a:t>
-            </a:r>
-            <a:endParaRPr b="0" lang="it-IT" sz="3200" spc="-1" strike="noStrike">
-              <a:solidFill>
-                <a:srgbClr val="000000"/>
-              </a:solidFill>
-              <a:latin typeface="Corbel"/>
-            </a:endParaRPr>
-          </a:p>
-          <a:p>
-            <a:pPr lvl="1" marL="731520" indent="-273960">
-              <a:lnSpc>
-                <a:spcPct val="100000"/>
-              </a:lnSpc>
+            <a:off x="457200" y="1604520"/>
+            <a:ext cx="8229240" cy="3977280"/>
+          </a:xfrm>
+          <a:prstGeom prst="rect">
+            <a:avLst/>
+          </a:prstGeom>
+        </p:spPr>
+        <p:txBody>
+          <a:bodyPr lIns="0" rIns="0" tIns="0" bIns="0">
+            <a:normAutofit/>
+          </a:bodyPr>
+          <a:p>
+            <a:pPr marL="432000" indent="-324000">
               <a:spcBef>
-                <a:spcPts val="561"/>
+                <a:spcPts val="1417"/>
               </a:spcBef>
               <a:buClr>
-                <a:srgbClr val="60b5cc"/>
+                <a:srgbClr val="000000"/>
               </a:buClr>
-              <a:buSzPct val="90000"/>
+              <a:buSzPct val="45000"/>
               <a:buFont typeface="Wingdings" charset="2"/>
-              <a:buChar char=""/>
+              <a:buChar char=""/>
             </a:pPr>
             <a:r>
-              <a:rPr b="0" lang="it-IT" sz="2800" spc="-1" strike="noStrike">
-                <a:solidFill>
-                  <a:srgbClr val="000000"/>
-                </a:solidFill>
-                <a:latin typeface="Corbel"/>
-              </a:rPr>
-              <a:t>Secondo livello</a:t>
-            </a:r>
-            <a:endParaRPr b="0" lang="it-IT" sz="2800" spc="-1" strike="noStrike">
-              <a:solidFill>
-                <a:srgbClr val="000000"/>
-              </a:solidFill>
-              <a:latin typeface="Corbel"/>
-            </a:endParaRPr>
-          </a:p>
-          <a:p>
-            <a:pPr lvl="2" marL="996840" indent="-228240">
-              <a:lnSpc>
-                <a:spcPct val="100000"/>
-              </a:lnSpc>
+              <a:rPr b="0" lang="cs-CZ" sz="3200" spc="-1" strike="noStrike">
+                <a:latin typeface="Arial"/>
+              </a:rPr>
+              <a:t>Klikněte pro úpravu formátu textu osnovy</a:t>
+            </a:r>
+            <a:endParaRPr b="0" lang="cs-CZ" sz="3200" spc="-1" strike="noStrike">
+              <a:latin typeface="Arial"/>
+            </a:endParaRPr>
+          </a:p>
+          <a:p>
+            <a:pPr lvl="1" marL="864000" indent="-324000">
               <a:spcBef>
-                <a:spcPts val="479"/>
+                <a:spcPts val="1134"/>
               </a:spcBef>
               <a:buClr>
-                <a:srgbClr val="e66c7d"/>
+                <a:srgbClr val="000000"/>
               </a:buClr>
-              <a:buFont typeface="Arial"/>
-              <a:buChar char="▪"/>
+              <a:buSzPct val="75000"/>
+              <a:buFont typeface="Symbol" charset="2"/>
+              <a:buChar char=""/>
             </a:pPr>
             <a:r>
-              <a:rPr b="0" lang="it-IT" sz="2400" spc="-1" strike="noStrike">
-                <a:solidFill>
-                  <a:srgbClr val="000000"/>
-                </a:solidFill>
-                <a:latin typeface="Corbel"/>
-              </a:rPr>
-              <a:t>Terzo livello</a:t>
-            </a:r>
-            <a:endParaRPr b="0" lang="it-IT" sz="2400" spc="-1" strike="noStrike">
-              <a:solidFill>
-                <a:srgbClr val="000000"/>
-              </a:solidFill>
-              <a:latin typeface="Corbel"/>
-            </a:endParaRPr>
-          </a:p>
-          <a:p>
-            <a:pPr lvl="3" marL="1216080" indent="-182520">
-              <a:lnSpc>
-                <a:spcPct val="100000"/>
-              </a:lnSpc>
+              <a:rPr b="0" lang="cs-CZ" sz="2800" spc="-1" strike="noStrike">
+                <a:latin typeface="Arial"/>
+              </a:rPr>
+              <a:t>Druhá úroveň</a:t>
+            </a:r>
+            <a:endParaRPr b="0" lang="cs-CZ" sz="2800" spc="-1" strike="noStrike">
+              <a:latin typeface="Arial"/>
+            </a:endParaRPr>
+          </a:p>
+          <a:p>
+            <a:pPr lvl="2" marL="1296000" indent="-288000">
               <a:spcBef>
-                <a:spcPts val="400"/>
+                <a:spcPts val="850"/>
               </a:spcBef>
               <a:buClr>
-                <a:srgbClr val="6bb76d"/>
+                <a:srgbClr val="000000"/>
               </a:buClr>
-              <a:buFont typeface="Arial"/>
-              <a:buChar char="▪"/>
+              <a:buSzPct val="45000"/>
+              <a:buFont typeface="Wingdings" charset="2"/>
+              <a:buChar char=""/>
             </a:pPr>
             <a:r>
-              <a:rPr b="0" lang="en-US" sz="2000" spc="-1" strike="noStrike">
-                <a:solidFill>
-                  <a:srgbClr val="000000"/>
-                </a:solidFill>
-                <a:latin typeface="Corbel"/>
-              </a:rPr>
-              <a:t>Quarto livello</a:t>
-            </a:r>
-            <a:endParaRPr b="0" lang="en-US" sz="2000" spc="-1" strike="noStrike">
-              <a:solidFill>
-                <a:srgbClr val="000000"/>
-              </a:solidFill>
-              <a:latin typeface="Corbel"/>
-            </a:endParaRPr>
-          </a:p>
-          <a:p>
-            <a:pPr lvl="4" marL="1426320" indent="-182520">
-              <a:lnSpc>
-                <a:spcPct val="100000"/>
-              </a:lnSpc>
+              <a:rPr b="0" lang="cs-CZ" sz="2400" spc="-1" strike="noStrike">
+                <a:latin typeface="Arial"/>
+              </a:rPr>
+              <a:t>Třetí úroveň</a:t>
+            </a:r>
+            <a:endParaRPr b="0" lang="cs-CZ" sz="2400" spc="-1" strike="noStrike">
+              <a:latin typeface="Arial"/>
+            </a:endParaRPr>
+          </a:p>
+          <a:p>
+            <a:pPr lvl="3" marL="1728000" indent="-216000">
               <a:spcBef>
-                <a:spcPts val="400"/>
+                <a:spcPts val="567"/>
               </a:spcBef>
               <a:buClr>
-                <a:srgbClr val="e88651"/>
+                <a:srgbClr val="000000"/>
               </a:buClr>
-              <a:buFont typeface="Wingdings 3" charset="2"/>
-              <a:buChar char=""/>
+              <a:buSzPct val="75000"/>
+              <a:buFont typeface="Symbol" charset="2"/>
+              <a:buChar char=""/>
             </a:pPr>
             <a:r>
-              <a:rPr b="0" lang="en-US" sz="2000" spc="-1" strike="noStrike">
-                <a:solidFill>
-                  <a:srgbClr val="000000"/>
-                </a:solidFill>
-                <a:latin typeface="Corbel"/>
-              </a:rPr>
-              <a:t>Quinto livello</a:t>
-            </a:r>
-            <a:endParaRPr b="0" lang="en-US" sz="2000" spc="-1" strike="noStrike">
-              <a:solidFill>
+              <a:rPr b="0" lang="cs-CZ" sz="2000" spc="-1" strike="noStrike">
+                <a:latin typeface="Arial"/>
+              </a:rPr>
+              <a:t>Čtvrtá úroveň osnovy</a:t>
+            </a:r>
+            <a:endParaRPr b="0" lang="cs-CZ" sz="2000" spc="-1" strike="noStrike">
+              <a:latin typeface="Arial"/>
+            </a:endParaRPr>
+          </a:p>
+          <a:p>
+            <a:pPr lvl="4" marL="2160000" indent="-216000">
+              <a:spcBef>
+                <a:spcPts val="283"/>
+              </a:spcBef>
+              <a:buClr>
                 <a:srgbClr val="000000"/>
-              </a:solidFill>
-              <a:latin typeface="Corbel"/>
-            </a:endParaRPr>
-          </a:p>
-        </p:txBody>
-      </p:sp>
-      <p:sp>
-        <p:nvSpPr>
-          <p:cNvPr id="49" name="PlaceHolder 5"/>
-          <p:cNvSpPr>
-            <a:spLocks noGrp="1"/>
-          </p:cNvSpPr>
-          <p:nvPr>
-            <p:ph type="dt"/>
-          </p:nvPr>
-        </p:nvSpPr>
-        <p:spPr>
-          <a:xfrm>
-            <a:off x="457200" y="6477120"/>
-            <a:ext cx="2133360" cy="273960"/>
-          </a:xfrm>
-          <a:prstGeom prst="rect">
-            <a:avLst/>
-          </a:prstGeom>
-        </p:spPr>
-        <p:txBody>
-          <a:bodyPr lIns="109800" rIns="45720" tIns="45000" bIns="0" anchor="b"/>
-          <a:p>
-            <a:pPr>
-              <a:lnSpc>
-                <a:spcPct val="100000"/>
-              </a:lnSpc>
+              </a:buClr>
+              <a:buSzPct val="45000"/>
+              <a:buFont typeface="Wingdings" charset="2"/>
+              <a:buChar char=""/>
             </a:pPr>
-            <a:fld id="{01B8ACD0-EFC7-4851-A7E8-513D0078B00E}" type="datetime">
-              <a:rPr b="0" lang="cs-CZ" sz="1200" spc="-1" strike="noStrike">
-                <a:solidFill>
-                  <a:srgbClr val="454545"/>
-                </a:solidFill>
-                <a:latin typeface="Corbel"/>
-              </a:rPr>
-              <a:t>11. 4. 2018</a:t>
-            </a:fld>
-            <a:endParaRPr b="0" lang="cs-CZ" sz="1200" spc="-1" strike="noStrike">
-              <a:latin typeface="Times New Roman"/>
-            </a:endParaRPr>
-          </a:p>
-        </p:txBody>
-      </p:sp>
-      <p:sp>
-        <p:nvSpPr>
-          <p:cNvPr id="50" name="PlaceHolder 6"/>
-          <p:cNvSpPr>
-            <a:spLocks noGrp="1"/>
-          </p:cNvSpPr>
-          <p:nvPr>
-            <p:ph type="ftr"/>
-          </p:nvPr>
-        </p:nvSpPr>
-        <p:spPr>
-          <a:xfrm>
-            <a:off x="2640600" y="6477120"/>
-            <a:ext cx="5507280" cy="273960"/>
-          </a:xfrm>
-          <a:prstGeom prst="rect">
-            <a:avLst/>
-          </a:prstGeom>
-        </p:spPr>
-        <p:txBody>
-          <a:bodyPr lIns="45720" rIns="45720" tIns="45000" bIns="0" anchor="b"/>
-          <a:p>
-            <a:endParaRPr b="0" lang="cs-CZ" sz="2400" spc="-1" strike="noStrike">
-              <a:latin typeface="Times New Roman"/>
-            </a:endParaRPr>
-          </a:p>
-        </p:txBody>
-      </p:sp>
-      <p:sp>
-        <p:nvSpPr>
-          <p:cNvPr id="51" name="PlaceHolder 7"/>
-          <p:cNvSpPr>
-            <a:spLocks noGrp="1"/>
-          </p:cNvSpPr>
-          <p:nvPr>
-            <p:ph type="sldNum"/>
-          </p:nvPr>
-        </p:nvSpPr>
-        <p:spPr>
-          <a:xfrm>
-            <a:off x="8204400" y="6477120"/>
-            <a:ext cx="733680" cy="273960"/>
-          </a:xfrm>
-          <a:prstGeom prst="rect">
-            <a:avLst/>
-          </a:prstGeom>
-        </p:spPr>
-        <p:txBody>
-          <a:bodyPr lIns="90000" rIns="90000" tIns="45000" bIns="0" anchor="b"/>
-          <a:p>
-            <a:pPr algn="r">
-              <a:lnSpc>
-                <a:spcPct val="100000"/>
-              </a:lnSpc>
+            <a:r>
+              <a:rPr b="0" lang="cs-CZ" sz="2000" spc="-1" strike="noStrike">
+                <a:latin typeface="Arial"/>
+              </a:rPr>
+              <a:t>Pátá úroveň osnovy</a:t>
+            </a:r>
+            <a:endParaRPr b="0" lang="cs-CZ" sz="2000" spc="-1" strike="noStrike">
+              <a:latin typeface="Arial"/>
+            </a:endParaRPr>
+          </a:p>
+          <a:p>
+            <a:pPr lvl="5" marL="2592000" indent="-216000">
+              <a:spcBef>
+                <a:spcPts val="283"/>
+              </a:spcBef>
+              <a:buClr>
+                <a:srgbClr val="000000"/>
+              </a:buClr>
+              <a:buSzPct val="45000"/>
+              <a:buFont typeface="Wingdings" charset="2"/>
+              <a:buChar char=""/>
             </a:pPr>
-            <a:fld id="{76FDFBD2-F756-46DC-9D02-FE9BCBCE2FC7}" type="slidenum">
-              <a:rPr b="0" lang="cs-CZ" sz="1200" spc="-1" strike="noStrike">
-                <a:solidFill>
-                  <a:srgbClr val="454545"/>
-                </a:solidFill>
-                <a:latin typeface="Corbel"/>
-              </a:rPr>
-              <a:t>1</a:t>
-            </a:fld>
-            <a:endParaRPr b="0" lang="cs-CZ" sz="1200" spc="-1" strike="noStrike">
-              <a:latin typeface="Times New Roman"/>
+            <a:r>
+              <a:rPr b="0" lang="cs-CZ" sz="2000" spc="-1" strike="noStrike">
+                <a:latin typeface="Arial"/>
+              </a:rPr>
+              <a:t>Šestá úroveň</a:t>
+            </a:r>
+            <a:endParaRPr b="0" lang="cs-CZ" sz="2000" spc="-1" strike="noStrike">
+              <a:latin typeface="Arial"/>
+            </a:endParaRPr>
+          </a:p>
+          <a:p>
+            <a:pPr lvl="6" marL="3024000" indent="-216000">
+              <a:spcBef>
+                <a:spcPts val="283"/>
+              </a:spcBef>
+              <a:buClr>
+                <a:srgbClr val="000000"/>
+              </a:buClr>
+              <a:buSzPct val="45000"/>
+              <a:buFont typeface="Wingdings" charset="2"/>
+              <a:buChar char=""/>
+            </a:pPr>
+            <a:r>
+              <a:rPr b="0" lang="cs-CZ" sz="2000" spc="-1" strike="noStrike">
+                <a:latin typeface="Arial"/>
+              </a:rPr>
+              <a:t>Sedmá úroveň</a:t>
+            </a:r>
+            <a:endParaRPr b="0" lang="cs-CZ" sz="2000" spc="-1" strike="noStrike">
+              <a:latin typeface="Arial"/>
             </a:endParaRPr>
           </a:p>
         </p:txBody>
@@ -3906,60 +3440,14 @@
       </p:grpSpPr>
       <p:sp>
         <p:nvSpPr>
-          <p:cNvPr id="88" name="TextShape 1"/>
-          <p:cNvSpPr txBox="1"/>
-          <p:nvPr/>
-        </p:nvSpPr>
-        <p:spPr>
-          <a:xfrm rot="21124200">
-            <a:off x="456120" y="658080"/>
-            <a:ext cx="9646560" cy="1550520"/>
-          </a:xfrm>
-          <a:prstGeom prst="rect">
-            <a:avLst/>
-          </a:prstGeom>
-          <a:noFill/>
-          <a:ln>
-            <a:noFill/>
-          </a:ln>
-        </p:spPr>
-        <p:txBody>
-          <a:bodyPr rIns="45720" tIns="0" bIns="0"/>
-          <a:p>
-            <a:pPr>
-              <a:lnSpc>
-                <a:spcPct val="100000"/>
-              </a:lnSpc>
-            </a:pPr>
-            <a:r>
-              <a:rPr b="1" lang="it-IT" sz="9600" spc="-1" strike="noStrike">
-                <a:solidFill>
-                  <a:srgbClr val="f0ad00"/>
-                </a:solidFill>
-                <a:latin typeface="Berlin Sans FB Demi"/>
-              </a:rPr>
-              <a:t>BRAIN STORM</a:t>
-            </a:r>
-            <a:br/>
-            <a:endParaRPr b="0" lang="it-IT" sz="9600" spc="-1" strike="noStrike">
-              <a:solidFill>
-                <a:srgbClr val="ffffff"/>
-              </a:solidFill>
-              <a:latin typeface="Corbel"/>
-            </a:endParaRPr>
-          </a:p>
-        </p:txBody>
-      </p:sp>
-      <p:sp>
-        <p:nvSpPr>
-          <p:cNvPr id="89" name="CustomShape 2"/>
+          <p:cNvPr id="82" name="CustomShape 1"/>
           <p:cNvSpPr/>
           <p:nvPr/>
         </p:nvSpPr>
         <p:spPr>
-          <a:xfrm>
-            <a:off x="611640" y="3357000"/>
-            <a:ext cx="4968360" cy="943560"/>
+          <a:xfrm rot="21124200">
+            <a:off x="455760" y="658080"/>
+            <a:ext cx="9646200" cy="1550160"/>
           </a:xfrm>
           <a:prstGeom prst="rect">
             <a:avLst/>
@@ -3976,7 +3464,7 @@
           <a:fontRef idx="minor"/>
         </p:style>
         <p:txBody>
-          <a:bodyPr lIns="90000" rIns="90000" tIns="45000" bIns="45000"/>
+          <a:bodyPr lIns="90000" rIns="45720" tIns="0" bIns="0"/>
           <a:p>
             <a:pPr>
               <a:lnSpc>
@@ -3984,11 +3472,61 @@
               </a:lnSpc>
             </a:pPr>
             <a:r>
+              <a:rPr b="1" lang="cs-CZ" sz="9600" spc="-1" strike="noStrike">
+                <a:solidFill>
+                  <a:srgbClr val="f0ad00"/>
+                </a:solidFill>
+                <a:latin typeface="Berlin Sans FB Demi"/>
+              </a:rPr>
+              <a:t>BRAIN STORM</a:t>
+            </a:r>
+            <a:br/>
+            <a:endParaRPr b="0" lang="cs-CZ" sz="9600" spc="-1" strike="noStrike">
+              <a:latin typeface="Arial"/>
+            </a:endParaRPr>
+          </a:p>
+        </p:txBody>
+      </p:sp>
+      <p:sp>
+        <p:nvSpPr>
+          <p:cNvPr id="83" name="CustomShape 2"/>
+          <p:cNvSpPr/>
+          <p:nvPr/>
+        </p:nvSpPr>
+        <p:spPr>
+          <a:xfrm>
+            <a:off x="611640" y="3357000"/>
+            <a:ext cx="4968000" cy="943200"/>
+          </a:xfrm>
+          <a:prstGeom prst="rect">
+            <a:avLst/>
+          </a:prstGeom>
+          <a:noFill/>
+          <a:ln>
+            <a:noFill/>
+          </a:ln>
+        </p:spPr>
+        <p:style>
+          <a:lnRef idx="0"/>
+          <a:fillRef idx="0"/>
+          <a:effectRef idx="0"/>
+          <a:fontRef idx="minor"/>
+        </p:style>
+        <p:txBody>
+          <a:bodyPr lIns="90000" rIns="90000" tIns="45000" bIns="45000"/>
+          <a:p>
+            <a:pPr>
+              <a:lnSpc>
+                <a:spcPct val="100000"/>
+              </a:lnSpc>
+            </a:pPr>
+            <a:r>
               <a:rPr b="0" lang="cs-CZ" sz="2800" spc="-1" strike="noStrike">
                 <a:solidFill>
                   <a:srgbClr val="ffc000"/>
                 </a:solidFill>
                 <a:latin typeface="Berlin Sans FB Demi"/>
+                <a:ea typeface="DejaVu Sans"/>
               </a:rPr>
               <a:t>Yellow team</a:t>
             </a:r>
@@ -4008,6 +3546,7 @@
                   <a:srgbClr val="ffc000"/>
                 </a:solidFill>
                 <a:latin typeface="Berlin Sans FB Demi"/>
+                <a:ea typeface="DejaVu Sans"/>
               </a:rPr>
               <a:t>Theme: Homework</a:t>
             </a:r>
@@ -4019,7 +3558,7 @@
       </p:sp>
       <p:pic>
         <p:nvPicPr>
-          <p:cNvPr id="90" name="Picture 2" descr=""/>
+          <p:cNvPr id="84" name="Picture 2" descr=""/>
           <p:cNvPicPr/>
           <p:nvPr/>
         </p:nvPicPr>
@@ -4030,7 +3569,7 @@
         <p:spPr>
           <a:xfrm>
             <a:off x="0" y="5894280"/>
-            <a:ext cx="2267280" cy="963360"/>
+            <a:ext cx="2266920" cy="963000"/>
           </a:xfrm>
           <a:prstGeom prst="rect">
             <a:avLst/>
@@ -4042,7 +3581,7 @@
       </p:pic>
       <p:pic>
         <p:nvPicPr>
-          <p:cNvPr id="91" name="Picture 2" descr=""/>
+          <p:cNvPr id="85" name="Picture 2" descr=""/>
           <p:cNvPicPr/>
           <p:nvPr/>
         </p:nvPicPr>
@@ -4053,7 +3592,7 @@
         <p:spPr>
           <a:xfrm>
             <a:off x="2267640" y="6165360"/>
-            <a:ext cx="2016000" cy="575640"/>
+            <a:ext cx="2015640" cy="575280"/>
           </a:xfrm>
           <a:prstGeom prst="rect">
             <a:avLst/>
@@ -4065,7 +3604,7 @@
       </p:pic>
       <p:pic>
         <p:nvPicPr>
-          <p:cNvPr id="92" name="Picture 3" descr=""/>
+          <p:cNvPr id="86" name="Picture 3" descr=""/>
           <p:cNvPicPr/>
           <p:nvPr/>
         </p:nvPicPr>
@@ -4076,7 +3615,7 @@
         <p:spPr>
           <a:xfrm>
             <a:off x="5724000" y="2061000"/>
-            <a:ext cx="3009960" cy="3009960"/>
+            <a:ext cx="3009600" cy="3009600"/>
           </a:xfrm>
           <a:prstGeom prst="rect">
             <a:avLst/>
@@ -4144,14 +3683,14 @@
       </p:grpSpPr>
       <p:sp>
         <p:nvSpPr>
-          <p:cNvPr id="133" name="TextShape 1"/>
-          <p:cNvSpPr txBox="1"/>
+          <p:cNvPr id="127" name="CustomShape 1"/>
+          <p:cNvSpPr/>
           <p:nvPr/>
         </p:nvSpPr>
         <p:spPr>
           <a:xfrm>
             <a:off x="457200" y="155520"/>
-            <a:ext cx="8229240" cy="1252440"/>
+            <a:ext cx="8228880" cy="1252080"/>
           </a:xfrm>
           <a:prstGeom prst="rect">
             <a:avLst/>
@@ -4161,8 +3700,14 @@
             <a:noFill/>
           </a:ln>
         </p:spPr>
-        <p:txBody>
-          <a:bodyPr rIns="45720" tIns="45000" bIns="45000" anchor="ctr"/>
+        <p:style>
+          <a:lnRef idx="0"/>
+          <a:fillRef idx="0"/>
+          <a:effectRef idx="0"/>
+          <a:fontRef idx="minor"/>
+        </p:style>
+        <p:txBody>
+          <a:bodyPr lIns="90000" rIns="45720" tIns="45000" bIns="45000" anchor="ctr"/>
           <a:p>
             <a:pPr>
               <a:lnSpc>
@@ -4170,7 +3715,7 @@
               </a:lnSpc>
             </a:pPr>
             <a:r>
-              <a:rPr b="1" lang="it-IT" sz="4500" spc="-1" strike="noStrike">
+              <a:rPr b="1" lang="cs-CZ" sz="4500" spc="-1" strike="noStrike">
                 <a:solidFill>
                   <a:srgbClr val="f0ad00"/>
                 </a:solidFill>
@@ -4178,25 +3723,22 @@
               </a:rPr>
               <a:t>LIVE DEMO!</a:t>
             </a:r>
-            <a:endParaRPr b="0" lang="it-IT" sz="4500" spc="-1" strike="noStrike">
-              <a:solidFill>
-                <a:srgbClr val="000000"/>
-              </a:solidFill>
-              <a:latin typeface="Corbel"/>
-            </a:endParaRPr>
-          </a:p>
-        </p:txBody>
-      </p:sp>
-      <p:sp>
-        <p:nvSpPr>
-          <p:cNvPr id="134" name="CustomShape 2"/>
+            <a:endParaRPr b="0" lang="cs-CZ" sz="4500" spc="-1" strike="noStrike">
+              <a:latin typeface="Arial"/>
+            </a:endParaRPr>
+          </a:p>
+        </p:txBody>
+      </p:sp>
+      <p:sp>
+        <p:nvSpPr>
+          <p:cNvPr id="128" name="CustomShape 2"/>
           <p:cNvSpPr/>
           <p:nvPr/>
         </p:nvSpPr>
         <p:spPr>
           <a:xfrm>
             <a:off x="8316360" y="6165360"/>
-            <a:ext cx="575640" cy="575640"/>
+            <a:ext cx="575280" cy="575280"/>
           </a:xfrm>
           <a:prstGeom prst="ellipse">
             <a:avLst/>
@@ -4233,6 +3775,7 @@
                   <a:srgbClr val="d9d9de"/>
                 </a:solidFill>
                 <a:latin typeface="Corbel"/>
+                <a:ea typeface="DejaVu Sans"/>
               </a:rPr>
               <a:t> </a:t>
             </a:r>
@@ -4242,6 +3785,7 @@
                   <a:srgbClr val="d9d9de"/>
                 </a:solidFill>
                 <a:latin typeface="Corbel"/>
+                <a:ea typeface="DejaVu Sans"/>
               </a:rPr>
               <a:t>9</a:t>
             </a:r>
@@ -4253,14 +3797,14 @@
       </p:sp>
       <p:sp>
         <p:nvSpPr>
-          <p:cNvPr id="135" name="TextShape 3"/>
-          <p:cNvSpPr txBox="1"/>
+          <p:cNvPr id="129" name="CustomShape 3"/>
+          <p:cNvSpPr/>
           <p:nvPr/>
         </p:nvSpPr>
         <p:spPr>
           <a:xfrm>
             <a:off x="360" y="1485000"/>
-            <a:ext cx="9143640" cy="5373000"/>
+            <a:ext cx="9143280" cy="5372640"/>
           </a:xfrm>
           <a:prstGeom prst="rect">
             <a:avLst/>
@@ -4270,10 +3814,16 @@
             <a:noFill/>
           </a:ln>
         </p:spPr>
+        <p:style>
+          <a:lnRef idx="0"/>
+          <a:fillRef idx="0"/>
+          <a:effectRef idx="0"/>
+          <a:fontRef idx="minor"/>
+        </p:style>
         <p:txBody>
           <a:bodyPr lIns="54720" rIns="90000" tIns="91440" bIns="45000"/>
           <a:p>
-            <a:pPr marL="438840" indent="-319680">
+            <a:pPr marL="438840" indent="-319320">
               <a:lnSpc>
                 <a:spcPct val="150000"/>
               </a:lnSpc>
@@ -4285,7 +3835,7 @@
               <a:buChar char=""/>
             </a:pPr>
             <a:r>
-              <a:rPr b="0" lang="it-IT" sz="3200" spc="-1" strike="noStrike">
+              <a:rPr b="0" lang="cs-CZ" sz="3200" spc="-1" strike="noStrike">
                 <a:solidFill>
                   <a:srgbClr val="000000"/>
                 </a:solidFill>
@@ -4293,11 +3843,8 @@
               </a:rPr>
               <a:t> </a:t>
             </a:r>
-            <a:endParaRPr b="0" lang="it-IT" sz="3200" spc="-1" strike="noStrike">
-              <a:solidFill>
-                <a:srgbClr val="000000"/>
-              </a:solidFill>
-              <a:latin typeface="Corbel"/>
+            <a:endParaRPr b="0" lang="cs-CZ" sz="3200" spc="-1" strike="noStrike">
+              <a:latin typeface="Arial"/>
             </a:endParaRPr>
           </a:p>
           <a:p>
@@ -4306,11 +3853,8 @@
                 <a:spcPct val="100000"/>
               </a:lnSpc>
             </a:pPr>
-            <a:endParaRPr b="0" lang="it-IT" sz="3200" spc="-1" strike="noStrike">
-              <a:solidFill>
-                <a:srgbClr val="000000"/>
-              </a:solidFill>
-              <a:latin typeface="Corbel"/>
+            <a:endParaRPr b="0" lang="cs-CZ" sz="3200" spc="-1" strike="noStrike">
+              <a:latin typeface="Arial"/>
             </a:endParaRPr>
           </a:p>
         </p:txBody>
@@ -4366,14 +3910,14 @@
       </p:grpSpPr>
       <p:sp>
         <p:nvSpPr>
-          <p:cNvPr id="136" name="TextShape 1"/>
-          <p:cNvSpPr txBox="1"/>
+          <p:cNvPr id="130" name="CustomShape 1"/>
+          <p:cNvSpPr/>
           <p:nvPr/>
         </p:nvSpPr>
         <p:spPr>
           <a:xfrm>
             <a:off x="457200" y="155520"/>
-            <a:ext cx="8229240" cy="1252440"/>
+            <a:ext cx="8228880" cy="1252080"/>
           </a:xfrm>
           <a:prstGeom prst="rect">
             <a:avLst/>
@@ -4383,8 +3927,14 @@
             <a:noFill/>
           </a:ln>
         </p:spPr>
-        <p:txBody>
-          <a:bodyPr rIns="45720" tIns="45000" bIns="45000" anchor="ctr"/>
+        <p:style>
+          <a:lnRef idx="0"/>
+          <a:fillRef idx="0"/>
+          <a:effectRef idx="0"/>
+          <a:fontRef idx="minor"/>
+        </p:style>
+        <p:txBody>
+          <a:bodyPr lIns="90000" rIns="45720" tIns="45000" bIns="45000" anchor="ctr"/>
           <a:p>
             <a:pPr>
               <a:lnSpc>
@@ -4392,7 +3942,7 @@
               </a:lnSpc>
             </a:pPr>
             <a:r>
-              <a:rPr b="1" lang="it-IT" sz="4500" spc="-1" strike="noStrike">
+              <a:rPr b="1" lang="cs-CZ" sz="4500" spc="-1" strike="noStrike">
                 <a:solidFill>
                   <a:srgbClr val="f0ad00"/>
                 </a:solidFill>
@@ -4400,25 +3950,22 @@
               </a:rPr>
               <a:t>WHERE TO FIND US</a:t>
             </a:r>
-            <a:endParaRPr b="0" lang="it-IT" sz="4500" spc="-1" strike="noStrike">
-              <a:solidFill>
-                <a:srgbClr val="000000"/>
-              </a:solidFill>
-              <a:latin typeface="Corbel"/>
-            </a:endParaRPr>
-          </a:p>
-        </p:txBody>
-      </p:sp>
-      <p:sp>
-        <p:nvSpPr>
-          <p:cNvPr id="137" name="CustomShape 2"/>
+            <a:endParaRPr b="0" lang="cs-CZ" sz="4500" spc="-1" strike="noStrike">
+              <a:latin typeface="Arial"/>
+            </a:endParaRPr>
+          </a:p>
+        </p:txBody>
+      </p:sp>
+      <p:sp>
+        <p:nvSpPr>
+          <p:cNvPr id="131" name="CustomShape 2"/>
           <p:cNvSpPr/>
           <p:nvPr/>
         </p:nvSpPr>
         <p:spPr>
           <a:xfrm>
             <a:off x="8316360" y="6165360"/>
-            <a:ext cx="575640" cy="575640"/>
+            <a:ext cx="575280" cy="575280"/>
           </a:xfrm>
           <a:prstGeom prst="ellipse">
             <a:avLst/>
@@ -4455,6 +4002,7 @@
                   <a:srgbClr val="d9d9de"/>
                 </a:solidFill>
                 <a:latin typeface="Corbel"/>
+                <a:ea typeface="DejaVu Sans"/>
               </a:rPr>
               <a:t> </a:t>
             </a:r>
@@ -4464,6 +4012,7 @@
                   <a:srgbClr val="d9d9de"/>
                 </a:solidFill>
                 <a:latin typeface="Corbel"/>
+                <a:ea typeface="DejaVu Sans"/>
               </a:rPr>
               <a:t>9</a:t>
             </a:r>
@@ -4475,14 +4024,14 @@
       </p:sp>
       <p:sp>
         <p:nvSpPr>
-          <p:cNvPr id="138" name="TextShape 3"/>
-          <p:cNvSpPr txBox="1"/>
+          <p:cNvPr id="132" name="CustomShape 3"/>
+          <p:cNvSpPr/>
           <p:nvPr/>
         </p:nvSpPr>
         <p:spPr>
           <a:xfrm>
             <a:off x="360" y="1485000"/>
-            <a:ext cx="9143640" cy="5373000"/>
+            <a:ext cx="9143280" cy="5372640"/>
           </a:xfrm>
           <a:prstGeom prst="rect">
             <a:avLst/>
@@ -4492,10 +4041,16 @@
             <a:noFill/>
           </a:ln>
         </p:spPr>
+        <p:style>
+          <a:lnRef idx="0"/>
+          <a:fillRef idx="0"/>
+          <a:effectRef idx="0"/>
+          <a:fontRef idx="minor"/>
+        </p:style>
         <p:txBody>
           <a:bodyPr lIns="54720" rIns="90000" tIns="91440" bIns="45000"/>
           <a:p>
-            <a:pPr marL="438840" indent="-319680">
+            <a:pPr marL="438840" indent="-319320">
               <a:lnSpc>
                 <a:spcPct val="150000"/>
               </a:lnSpc>
@@ -4507,7 +4062,7 @@
               <a:buChar char=""/>
             </a:pPr>
             <a:r>
-              <a:rPr b="0" lang="it-IT" sz="3200" spc="-1" strike="noStrike">
+              <a:rPr b="0" lang="cs-CZ" sz="3200" spc="-1" strike="noStrike">
                 <a:solidFill>
                   <a:srgbClr val="000000"/>
                 </a:solidFill>
@@ -4515,15 +4070,12 @@
               </a:rPr>
               <a:t>Everything related to our application has been published on GitHub:</a:t>
             </a:r>
-            <a:endParaRPr b="0" lang="it-IT" sz="3200" spc="-1" strike="noStrike">
-              <a:solidFill>
-                <a:srgbClr val="000000"/>
-              </a:solidFill>
-              <a:latin typeface="Corbel"/>
-            </a:endParaRPr>
-          </a:p>
-          <a:p>
-            <a:pPr marL="438840" indent="-319680">
+            <a:endParaRPr b="0" lang="cs-CZ" sz="3200" spc="-1" strike="noStrike">
+              <a:latin typeface="Arial"/>
+            </a:endParaRPr>
+          </a:p>
+          <a:p>
+            <a:pPr marL="438840" indent="-319320">
               <a:lnSpc>
                 <a:spcPct val="150000"/>
               </a:lnSpc>
@@ -4535,7 +4087,7 @@
               <a:buChar char=""/>
             </a:pPr>
             <a:r>
-              <a:rPr b="0" lang="it-IT" sz="3200" spc="-1" strike="noStrike">
+              <a:rPr b="0" lang="cs-CZ" sz="3200" spc="-1" strike="noStrike">
                 <a:solidFill>
                   <a:srgbClr val="000000"/>
                 </a:solidFill>
@@ -4543,11 +4095,8 @@
               </a:rPr>
               <a:t>https://github.com/MarekHavel/Brainstorm</a:t>
             </a:r>
-            <a:endParaRPr b="0" lang="it-IT" sz="3200" spc="-1" strike="noStrike">
-              <a:solidFill>
-                <a:srgbClr val="000000"/>
-              </a:solidFill>
-              <a:latin typeface="Corbel"/>
+            <a:endParaRPr b="0" lang="cs-CZ" sz="3200" spc="-1" strike="noStrike">
+              <a:latin typeface="Arial"/>
             </a:endParaRPr>
           </a:p>
           <a:p>
@@ -4556,11 +4105,8 @@
                 <a:spcPct val="100000"/>
               </a:lnSpc>
             </a:pPr>
-            <a:endParaRPr b="0" lang="it-IT" sz="3200" spc="-1" strike="noStrike">
-              <a:solidFill>
-                <a:srgbClr val="000000"/>
-              </a:solidFill>
-              <a:latin typeface="Corbel"/>
+            <a:endParaRPr b="0" lang="cs-CZ" sz="3200" spc="-1" strike="noStrike">
+              <a:latin typeface="Arial"/>
             </a:endParaRPr>
           </a:p>
         </p:txBody>
@@ -4616,60 +4162,14 @@
       </p:grpSpPr>
       <p:sp>
         <p:nvSpPr>
-          <p:cNvPr id="139" name="TextShape 1"/>
-          <p:cNvSpPr txBox="1"/>
-          <p:nvPr/>
-        </p:nvSpPr>
-        <p:spPr>
-          <a:xfrm rot="21124200">
-            <a:off x="274320" y="427680"/>
-            <a:ext cx="2529000" cy="1550520"/>
-          </a:xfrm>
-          <a:prstGeom prst="rect">
-            <a:avLst/>
-          </a:prstGeom>
-          <a:noFill/>
-          <a:ln>
-            <a:noFill/>
-          </a:ln>
-        </p:spPr>
-        <p:txBody>
-          <a:bodyPr rIns="45720" tIns="0" bIns="0"/>
-          <a:p>
-            <a:pPr>
-              <a:lnSpc>
-                <a:spcPct val="100000"/>
-              </a:lnSpc>
-            </a:pPr>
-            <a:r>
-              <a:rPr b="1" lang="it-IT" sz="8000" spc="-1" strike="noStrike">
-                <a:solidFill>
-                  <a:srgbClr val="f0ad00"/>
-                </a:solidFill>
-                <a:latin typeface="Berlin Sans FB Demi"/>
-              </a:rPr>
-              <a:t>END!</a:t>
-            </a:r>
-            <a:br/>
-            <a:endParaRPr b="0" lang="it-IT" sz="8000" spc="-1" strike="noStrike">
-              <a:solidFill>
-                <a:srgbClr val="ffffff"/>
-              </a:solidFill>
-              <a:latin typeface="Corbel"/>
-            </a:endParaRPr>
-          </a:p>
-        </p:txBody>
-      </p:sp>
-      <p:sp>
-        <p:nvSpPr>
-          <p:cNvPr id="140" name="CustomShape 2"/>
+          <p:cNvPr id="133" name="CustomShape 1"/>
           <p:cNvSpPr/>
           <p:nvPr/>
         </p:nvSpPr>
         <p:spPr>
-          <a:xfrm>
-            <a:off x="179640" y="5085360"/>
-            <a:ext cx="6552360" cy="1736280"/>
+          <a:xfrm rot="21124200">
+            <a:off x="273960" y="427320"/>
+            <a:ext cx="2528640" cy="1550160"/>
           </a:xfrm>
           <a:prstGeom prst="rect">
             <a:avLst/>
@@ -4686,7 +4186,7 @@
           <a:fontRef idx="minor"/>
         </p:style>
         <p:txBody>
-          <a:bodyPr lIns="90000" rIns="90000" tIns="45000" bIns="45000"/>
+          <a:bodyPr lIns="90000" rIns="45720" tIns="0" bIns="0"/>
           <a:p>
             <a:pPr>
               <a:lnSpc>
@@ -4694,30 +4194,31 @@
               </a:lnSpc>
             </a:pPr>
             <a:r>
-              <a:rPr b="0" lang="cs-CZ" sz="5400" spc="-1" strike="noStrike">
+              <a:rPr b="1" lang="cs-CZ" sz="8000" spc="-1" strike="noStrike">
                 <a:solidFill>
-                  <a:srgbClr val="ffc000"/>
+                  <a:srgbClr val="f0ad00"/>
                 </a:solidFill>
                 <a:latin typeface="Berlin Sans FB Demi"/>
               </a:rPr>
-              <a:t>Thanks for your attention!</a:t>
-            </a:r>
-            <a:endParaRPr b="0" lang="cs-CZ" sz="5400" spc="-1" strike="noStrike">
-              <a:latin typeface="Arial"/>
-            </a:endParaRPr>
-          </a:p>
-        </p:txBody>
-      </p:sp>
-      <p:sp>
-        <p:nvSpPr>
-          <p:cNvPr id="141" name="CustomShape 3"/>
+              <a:t>END!</a:t>
+            </a:r>
+            <a:br/>
+            <a:endParaRPr b="0" lang="cs-CZ" sz="8000" spc="-1" strike="noStrike">
+              <a:latin typeface="Arial"/>
+            </a:endParaRPr>
+          </a:p>
+        </p:txBody>
+      </p:sp>
+      <p:sp>
+        <p:nvSpPr>
+          <p:cNvPr id="134" name="CustomShape 2"/>
           <p:cNvSpPr/>
           <p:nvPr/>
         </p:nvSpPr>
         <p:spPr>
-          <a:xfrm rot="654600">
-            <a:off x="6113880" y="435600"/>
-            <a:ext cx="2736000" cy="1309320"/>
+          <a:xfrm>
+            <a:off x="179640" y="5085360"/>
+            <a:ext cx="6552000" cy="1735920"/>
           </a:xfrm>
           <a:prstGeom prst="rect">
             <a:avLst/>
@@ -4742,30 +4243,31 @@
               </a:lnSpc>
             </a:pPr>
             <a:r>
-              <a:rPr b="0" lang="cs-CZ" sz="8000" spc="-1" strike="noStrike">
+              <a:rPr b="0" lang="cs-CZ" sz="5400" spc="-1" strike="noStrike">
                 <a:solidFill>
                   <a:srgbClr val="ffc000"/>
                 </a:solidFill>
                 <a:latin typeface="Berlin Sans FB Demi"/>
-              </a:rPr>
-              <a:t>FINE!</a:t>
-            </a:r>
-            <a:endParaRPr b="0" lang="cs-CZ" sz="8000" spc="-1" strike="noStrike">
-              <a:latin typeface="Arial"/>
-            </a:endParaRPr>
-          </a:p>
-        </p:txBody>
-      </p:sp>
-      <p:sp>
-        <p:nvSpPr>
-          <p:cNvPr id="142" name="CustomShape 4"/>
+                <a:ea typeface="DejaVu Sans"/>
+              </a:rPr>
+              <a:t>Thanks for your attention!</a:t>
+            </a:r>
+            <a:endParaRPr b="0" lang="cs-CZ" sz="5400" spc="-1" strike="noStrike">
+              <a:latin typeface="Arial"/>
+            </a:endParaRPr>
+          </a:p>
+        </p:txBody>
+      </p:sp>
+      <p:sp>
+        <p:nvSpPr>
+          <p:cNvPr id="135" name="CustomShape 3"/>
           <p:cNvSpPr/>
           <p:nvPr/>
         </p:nvSpPr>
         <p:spPr>
-          <a:xfrm rot="279000">
-            <a:off x="5985360" y="3625200"/>
-            <a:ext cx="3094920" cy="1309680"/>
+          <a:xfrm rot="654600">
+            <a:off x="6113880" y="435600"/>
+            <a:ext cx="2735640" cy="1308960"/>
           </a:xfrm>
           <a:prstGeom prst="rect">
             <a:avLst/>
@@ -4782,7 +4284,7 @@
           <a:fontRef idx="minor"/>
         </p:style>
         <p:txBody>
-          <a:bodyPr wrap="none" lIns="90000" rIns="90000" tIns="45000" bIns="45000"/>
+          <a:bodyPr lIns="90000" rIns="90000" tIns="45000" bIns="45000"/>
           <a:p>
             <a:pPr>
               <a:lnSpc>
@@ -4795,8 +4297,9 @@
                   <a:srgbClr val="ffc000"/>
                 </a:solidFill>
                 <a:latin typeface="Berlin Sans FB Demi"/>
-              </a:rPr>
-              <a:t>ENDE!</a:t>
+                <a:ea typeface="DejaVu Sans"/>
+              </a:rPr>
+              <a:t>FINE!</a:t>
             </a:r>
             <a:endParaRPr b="0" lang="cs-CZ" sz="8000" spc="-1" strike="noStrike">
               <a:latin typeface="Arial"/>
@@ -4806,14 +4309,14 @@
       </p:sp>
       <p:sp>
         <p:nvSpPr>
-          <p:cNvPr id="143" name="CustomShape 5"/>
+          <p:cNvPr id="136" name="CustomShape 4"/>
           <p:cNvSpPr/>
           <p:nvPr/>
         </p:nvSpPr>
         <p:spPr>
-          <a:xfrm rot="21357000">
-            <a:off x="1156680" y="3353400"/>
-            <a:ext cx="4032000" cy="1309320"/>
+          <a:xfrm rot="279000">
+            <a:off x="5985360" y="3625200"/>
+            <a:ext cx="3094560" cy="1309320"/>
           </a:xfrm>
           <a:prstGeom prst="rect">
             <a:avLst/>
@@ -4830,7 +4333,7 @@
           <a:fontRef idx="minor"/>
         </p:style>
         <p:txBody>
-          <a:bodyPr lIns="90000" rIns="90000" tIns="45000" bIns="45000"/>
+          <a:bodyPr wrap="none" lIns="90000" rIns="90000" tIns="45000" bIns="45000"/>
           <a:p>
             <a:pPr>
               <a:lnSpc>
@@ -4843,8 +4346,9 @@
                   <a:srgbClr val="ffc000"/>
                 </a:solidFill>
                 <a:latin typeface="Berlin Sans FB Demi"/>
-              </a:rPr>
-              <a:t>KONEC!</a:t>
+                <a:ea typeface="DejaVu Sans"/>
+              </a:rPr>
+              <a:t>ENDE!</a:t>
             </a:r>
             <a:endParaRPr b="0" lang="cs-CZ" sz="8000" spc="-1" strike="noStrike">
               <a:latin typeface="Arial"/>
@@ -4854,14 +4358,14 @@
       </p:sp>
       <p:sp>
         <p:nvSpPr>
-          <p:cNvPr id="144" name="CustomShape 6"/>
+          <p:cNvPr id="137" name="CustomShape 5"/>
           <p:cNvSpPr/>
           <p:nvPr/>
         </p:nvSpPr>
         <p:spPr>
-          <a:xfrm rot="289800">
-            <a:off x="2244240" y="1667160"/>
-            <a:ext cx="4392000" cy="1309320"/>
+          <a:xfrm rot="21357000">
+            <a:off x="1156680" y="3353040"/>
+            <a:ext cx="4031640" cy="1308960"/>
           </a:xfrm>
           <a:prstGeom prst="rect">
             <a:avLst/>
@@ -4891,6 +4395,56 @@
                   <a:srgbClr val="ffc000"/>
                 </a:solidFill>
                 <a:latin typeface="Berlin Sans FB Demi"/>
+                <a:ea typeface="DejaVu Sans"/>
+              </a:rPr>
+              <a:t>KONEC!</a:t>
+            </a:r>
+            <a:endParaRPr b="0" lang="cs-CZ" sz="8000" spc="-1" strike="noStrike">
+              <a:latin typeface="Arial"/>
+            </a:endParaRPr>
+          </a:p>
+        </p:txBody>
+      </p:sp>
+      <p:sp>
+        <p:nvSpPr>
+          <p:cNvPr id="138" name="CustomShape 6"/>
+          <p:cNvSpPr/>
+          <p:nvPr/>
+        </p:nvSpPr>
+        <p:spPr>
+          <a:xfrm rot="289800">
+            <a:off x="2244240" y="1667160"/>
+            <a:ext cx="4391640" cy="1308960"/>
+          </a:xfrm>
+          <a:prstGeom prst="rect">
+            <a:avLst/>
+          </a:prstGeom>
+          <a:noFill/>
+          <a:ln>
+            <a:noFill/>
+          </a:ln>
+        </p:spPr>
+        <p:style>
+          <a:lnRef idx="0"/>
+          <a:fillRef idx="0"/>
+          <a:effectRef idx="0"/>
+          <a:fontRef idx="minor"/>
+        </p:style>
+        <p:txBody>
+          <a:bodyPr lIns="90000" rIns="90000" tIns="45000" bIns="45000"/>
+          <a:p>
+            <a:pPr>
+              <a:lnSpc>
+                <a:spcPct val="100000"/>
+              </a:lnSpc>
+            </a:pPr>
+            <a:r>
+              <a:rPr b="0" lang="cs-CZ" sz="8000" spc="-1" strike="noStrike">
+                <a:solidFill>
+                  <a:srgbClr val="ffc000"/>
+                </a:solidFill>
+                <a:latin typeface="Berlin Sans FB Demi"/>
+                <a:ea typeface="DejaVu Sans"/>
               </a:rPr>
               <a:t>KONIEC!</a:t>
             </a:r>
@@ -4902,7 +4456,7 @@
       </p:sp>
       <p:pic>
         <p:nvPicPr>
-          <p:cNvPr id="145" name="Picture 2" descr=""/>
+          <p:cNvPr id="139" name="Picture 2" descr=""/>
           <p:cNvPicPr/>
           <p:nvPr/>
         </p:nvPicPr>
@@ -4913,7 +4467,7 @@
         <p:spPr>
           <a:xfrm>
             <a:off x="6771960" y="5850000"/>
-            <a:ext cx="2371680" cy="1007640"/>
+            <a:ext cx="2371320" cy="1007280"/>
           </a:xfrm>
           <a:prstGeom prst="rect">
             <a:avLst/>
@@ -4925,7 +4479,7 @@
       </p:pic>
       <p:pic>
         <p:nvPicPr>
-          <p:cNvPr id="146" name="Picture 2" descr=""/>
+          <p:cNvPr id="140" name="Picture 2" descr=""/>
           <p:cNvPicPr/>
           <p:nvPr/>
         </p:nvPicPr>
@@ -4936,7 +4490,7 @@
         <p:spPr>
           <a:xfrm>
             <a:off x="5004000" y="6237360"/>
-            <a:ext cx="1764000" cy="503640"/>
+            <a:ext cx="1763640" cy="503280"/>
           </a:xfrm>
           <a:prstGeom prst="rect">
             <a:avLst/>
@@ -4997,14 +4551,14 @@
       </p:grpSpPr>
       <p:sp>
         <p:nvSpPr>
-          <p:cNvPr id="93" name="TextShape 1"/>
-          <p:cNvSpPr txBox="1"/>
+          <p:cNvPr id="87" name="CustomShape 1"/>
+          <p:cNvSpPr/>
           <p:nvPr/>
         </p:nvSpPr>
         <p:spPr>
           <a:xfrm>
             <a:off x="457200" y="155520"/>
-            <a:ext cx="8229240" cy="1252440"/>
+            <a:ext cx="8228880" cy="1252080"/>
           </a:xfrm>
           <a:prstGeom prst="rect">
             <a:avLst/>
@@ -5014,8 +4568,14 @@
             <a:noFill/>
           </a:ln>
         </p:spPr>
-        <p:txBody>
-          <a:bodyPr rIns="45720" tIns="45000" bIns="45000" anchor="ctr"/>
+        <p:style>
+          <a:lnRef idx="0"/>
+          <a:fillRef idx="0"/>
+          <a:effectRef idx="0"/>
+          <a:fontRef idx="minor"/>
+        </p:style>
+        <p:txBody>
+          <a:bodyPr lIns="90000" rIns="45720" tIns="45000" bIns="45000" anchor="ctr"/>
           <a:p>
             <a:pPr>
               <a:lnSpc>
@@ -5023,7 +4583,7 @@
               </a:lnSpc>
             </a:pPr>
             <a:r>
-              <a:rPr b="1" lang="it-IT" sz="4500" spc="-1" strike="noStrike">
+              <a:rPr b="1" lang="cs-CZ" sz="4500" spc="-1" strike="noStrike">
                 <a:solidFill>
                   <a:srgbClr val="f0ad00"/>
                 </a:solidFill>
@@ -5031,25 +4591,22 @@
               </a:rPr>
               <a:t>YELLOW TEAM</a:t>
             </a:r>
-            <a:endParaRPr b="0" lang="it-IT" sz="4500" spc="-1" strike="noStrike">
-              <a:solidFill>
-                <a:srgbClr val="000000"/>
-              </a:solidFill>
-              <a:latin typeface="Corbel"/>
-            </a:endParaRPr>
-          </a:p>
-        </p:txBody>
-      </p:sp>
-      <p:sp>
-        <p:nvSpPr>
-          <p:cNvPr id="94" name="TextShape 2"/>
-          <p:cNvSpPr txBox="1"/>
+            <a:endParaRPr b="0" lang="cs-CZ" sz="4500" spc="-1" strike="noStrike">
+              <a:latin typeface="Arial"/>
+            </a:endParaRPr>
+          </a:p>
+        </p:txBody>
+      </p:sp>
+      <p:sp>
+        <p:nvSpPr>
+          <p:cNvPr id="88" name="CustomShape 2"/>
+          <p:cNvSpPr/>
           <p:nvPr/>
         </p:nvSpPr>
         <p:spPr>
           <a:xfrm>
             <a:off x="0" y="1484640"/>
-            <a:ext cx="9143640" cy="5373000"/>
+            <a:ext cx="9143280" cy="5372640"/>
           </a:xfrm>
           <a:prstGeom prst="rect">
             <a:avLst/>
@@ -5059,20 +4616,72 @@
             <a:noFill/>
           </a:ln>
         </p:spPr>
+        <p:style>
+          <a:lnRef idx="0"/>
+          <a:fillRef idx="0"/>
+          <a:effectRef idx="0"/>
+          <a:fontRef idx="minor"/>
+        </p:style>
         <p:txBody>
           <a:bodyPr lIns="54720" rIns="90000" tIns="91440" bIns="45000"/>
           <a:p>
-            <a:pPr marL="438840" indent="-319680">
-              <a:lnSpc>
-                <a:spcPct val="100000"/>
-              </a:lnSpc>
-              <a:buClr>
-                <a:srgbClr val="f0ad00"/>
-              </a:buClr>
-              <a:buSzPct val="80000"/>
-              <a:buFont typeface="Wingdings 2" charset="2"/>
-              <a:buChar char=""/>
-            </a:pPr>
+            <a:r>
+              <a:rPr b="0" lang="cs-CZ" sz="3200" spc="-1" strike="noStrike">
+                <a:solidFill>
+                  <a:srgbClr val="000000"/>
+                </a:solidFill>
+                <a:latin typeface="Corbel"/>
+              </a:rPr>
+              <a:t>Germany: Celine Brauer, Lucas Kössler, Ilyas Bal</a:t>
+            </a:r>
+            <a:endParaRPr b="0" lang="cs-CZ" sz="3200" spc="-1" strike="noStrike">
+              <a:latin typeface="Arial"/>
+            </a:endParaRPr>
+          </a:p>
+          <a:p>
+            <a:endParaRPr b="0" lang="cs-CZ" sz="3200" spc="-1" strike="noStrike">
+              <a:latin typeface="Arial"/>
+            </a:endParaRPr>
+          </a:p>
+          <a:p>
+            <a:r>
+              <a:rPr b="0" lang="cs-CZ" sz="3200" spc="-1" strike="noStrike">
+                <a:solidFill>
+                  <a:srgbClr val="000000"/>
+                </a:solidFill>
+                <a:latin typeface="Corbel"/>
+              </a:rPr>
+              <a:t>Czech Republic: Marek Havel, Adam Sipták, Joseph Adam Saunders, Petr Novotný, Nikol Hegiyová </a:t>
+            </a:r>
+            <a:endParaRPr b="0" lang="cs-CZ" sz="3200" spc="-1" strike="noStrike">
+              <a:latin typeface="Arial"/>
+            </a:endParaRPr>
+          </a:p>
+          <a:p>
+            <a:endParaRPr b="0" lang="cs-CZ" sz="3200" spc="-1" strike="noStrike">
+              <a:latin typeface="Arial"/>
+            </a:endParaRPr>
+          </a:p>
+          <a:p>
+            <a:r>
+              <a:rPr b="0" lang="cs-CZ" sz="3200" spc="-1" strike="noStrike">
+                <a:solidFill>
+                  <a:srgbClr val="000000"/>
+                </a:solidFill>
+                <a:latin typeface="Corbel"/>
+              </a:rPr>
+              <a:t>Poland: Norbert Zapora, Natalia Szczygiel</a:t>
+            </a:r>
+            <a:endParaRPr b="0" lang="cs-CZ" sz="3200" spc="-1" strike="noStrike">
+              <a:latin typeface="Arial"/>
+            </a:endParaRPr>
+          </a:p>
+          <a:p>
+            <a:endParaRPr b="0" lang="cs-CZ" sz="3200" spc="-1" strike="noStrike">
+              <a:latin typeface="Arial"/>
+            </a:endParaRPr>
+          </a:p>
+          <a:p>
             <a:r>
               <a:rPr b="0" lang="it-IT" sz="3200" spc="-1" strike="noStrike">
                 <a:solidFill>
@@ -5080,270 +4689,24 @@
                 </a:solidFill>
                 <a:latin typeface="Corbel"/>
               </a:rPr>
-              <a:t>Coordinators:</a:t>
+              <a:t>Italy: Alessandro D’Urso, Luigi Seminara, Manuele Seminara, Mario Muscianisi, Matteo Puglisi, Daniele Muscianisi, Mario Fisichella, Rebecca Sambataro</a:t>
             </a:r>
             <a:endParaRPr b="0" lang="it-IT" sz="3200" spc="-1" strike="noStrike">
-              <a:solidFill>
-                <a:srgbClr val="000000"/>
-              </a:solidFill>
-              <a:latin typeface="Corbel"/>
-            </a:endParaRPr>
-          </a:p>
-          <a:p>
-            <a:pPr marL="438840" indent="-319680">
-              <a:lnSpc>
-                <a:spcPct val="100000"/>
-              </a:lnSpc>
-            </a:pPr>
-            <a:r>
-              <a:rPr b="0" lang="it-IT" sz="3200" spc="-1" strike="noStrike">
-                <a:solidFill>
-                  <a:srgbClr val="000000"/>
-                </a:solidFill>
-                <a:latin typeface="Corbel"/>
-              </a:rPr>
-              <a:t>    </a:t>
-            </a:r>
-            <a:r>
-              <a:rPr b="0" lang="it-IT" sz="3200" spc="-1" strike="noStrike">
-                <a:solidFill>
-                  <a:srgbClr val="000000"/>
-                </a:solidFill>
-                <a:latin typeface="Corbel"/>
-              </a:rPr>
-              <a:t>Marek Havel</a:t>
-            </a:r>
-            <a:endParaRPr b="0" lang="it-IT" sz="3200" spc="-1" strike="noStrike">
-              <a:solidFill>
-                <a:srgbClr val="000000"/>
-              </a:solidFill>
-              <a:latin typeface="Corbel"/>
-            </a:endParaRPr>
-          </a:p>
-          <a:p>
-            <a:pPr marL="438840" indent="-319680">
-              <a:lnSpc>
-                <a:spcPct val="100000"/>
-              </a:lnSpc>
-              <a:buClr>
-                <a:srgbClr val="f0ad00"/>
-              </a:buClr>
-              <a:buSzPct val="80000"/>
-              <a:buFont typeface="Wingdings 2" charset="2"/>
-              <a:buChar char=""/>
-            </a:pPr>
-            <a:r>
-              <a:rPr b="0" lang="it-IT" sz="3200" spc="-1" strike="noStrike">
-                <a:solidFill>
-                  <a:srgbClr val="000000"/>
-                </a:solidFill>
-                <a:latin typeface="Corbel"/>
-              </a:rPr>
-              <a:t>Designer:</a:t>
-            </a:r>
-            <a:endParaRPr b="0" lang="it-IT" sz="3200" spc="-1" strike="noStrike">
-              <a:solidFill>
-                <a:srgbClr val="000000"/>
-              </a:solidFill>
-              <a:latin typeface="Corbel"/>
-            </a:endParaRPr>
-          </a:p>
-          <a:p>
-            <a:pPr marL="438840" indent="-319680">
-              <a:lnSpc>
-                <a:spcPct val="100000"/>
-              </a:lnSpc>
-            </a:pPr>
-            <a:r>
-              <a:rPr b="0" lang="it-IT" sz="3200" spc="-1" strike="noStrike">
-                <a:solidFill>
-                  <a:srgbClr val="000000"/>
-                </a:solidFill>
-                <a:latin typeface="Corbel"/>
-              </a:rPr>
-              <a:t>    </a:t>
-            </a:r>
-            <a:r>
-              <a:rPr b="0" lang="it-IT" sz="3200" spc="-1" strike="noStrike">
-                <a:solidFill>
-                  <a:srgbClr val="000000"/>
-                </a:solidFill>
-                <a:latin typeface="Corbel"/>
-              </a:rPr>
-              <a:t>Matteo Puglisi,Celine Brauer,Norbert Zapora</a:t>
-            </a:r>
-            <a:endParaRPr b="0" lang="it-IT" sz="3200" spc="-1" strike="noStrike">
-              <a:solidFill>
-                <a:srgbClr val="000000"/>
-              </a:solidFill>
-              <a:latin typeface="Corbel"/>
-            </a:endParaRPr>
-          </a:p>
-          <a:p>
-            <a:pPr marL="438840" indent="-319680">
-              <a:lnSpc>
-                <a:spcPct val="100000"/>
-              </a:lnSpc>
-              <a:buClr>
-                <a:srgbClr val="f0ad00"/>
-              </a:buClr>
-              <a:buSzPct val="80000"/>
-              <a:buFont typeface="Wingdings 2" charset="2"/>
-              <a:buChar char=""/>
-            </a:pPr>
-            <a:r>
-              <a:rPr b="0" lang="it-IT" sz="3200" spc="-1" strike="noStrike">
-                <a:solidFill>
-                  <a:srgbClr val="000000"/>
-                </a:solidFill>
-                <a:latin typeface="Corbel"/>
-              </a:rPr>
-              <a:t>Programmer:</a:t>
-            </a:r>
-            <a:endParaRPr b="0" lang="it-IT" sz="3200" spc="-1" strike="noStrike">
-              <a:solidFill>
-                <a:srgbClr val="000000"/>
-              </a:solidFill>
-              <a:latin typeface="Corbel"/>
-            </a:endParaRPr>
-          </a:p>
-          <a:p>
-            <a:pPr marL="438840" indent="-319680">
-              <a:lnSpc>
-                <a:spcPct val="100000"/>
-              </a:lnSpc>
-            </a:pPr>
-            <a:r>
-              <a:rPr b="0" lang="it-IT" sz="3200" spc="-1" strike="noStrike">
-                <a:solidFill>
-                  <a:srgbClr val="000000"/>
-                </a:solidFill>
-                <a:latin typeface="Corbel"/>
-              </a:rPr>
-              <a:t>    </a:t>
-            </a:r>
-            <a:r>
-              <a:rPr b="0" lang="it-IT" sz="3200" spc="-1" strike="noStrike">
-                <a:solidFill>
-                  <a:srgbClr val="000000"/>
-                </a:solidFill>
-                <a:latin typeface="Corbel"/>
-              </a:rPr>
-              <a:t>Luigi Seminara,Daniele Muscianisi</a:t>
-            </a:r>
-            <a:endParaRPr b="0" lang="it-IT" sz="3200" spc="-1" strike="noStrike">
-              <a:solidFill>
-                <a:srgbClr val="000000"/>
-              </a:solidFill>
-              <a:latin typeface="Corbel"/>
-            </a:endParaRPr>
-          </a:p>
-          <a:p>
-            <a:pPr marL="438840" indent="-319680">
-              <a:lnSpc>
-                <a:spcPct val="100000"/>
-              </a:lnSpc>
-              <a:buClr>
-                <a:srgbClr val="f0ad00"/>
-              </a:buClr>
-              <a:buSzPct val="80000"/>
-              <a:buFont typeface="Wingdings 2" charset="2"/>
-              <a:buChar char=""/>
-            </a:pPr>
-            <a:r>
-              <a:rPr b="0" lang="it-IT" sz="3200" spc="-1" strike="noStrike">
-                <a:solidFill>
-                  <a:srgbClr val="000000"/>
-                </a:solidFill>
-                <a:latin typeface="Corbel"/>
-              </a:rPr>
-              <a:t>Documenter:</a:t>
-            </a:r>
-            <a:endParaRPr b="0" lang="it-IT" sz="3200" spc="-1" strike="noStrike">
-              <a:solidFill>
-                <a:srgbClr val="000000"/>
-              </a:solidFill>
-              <a:latin typeface="Corbel"/>
-            </a:endParaRPr>
-          </a:p>
-          <a:p>
-            <a:pPr marL="438840" indent="-319680">
-              <a:lnSpc>
-                <a:spcPct val="100000"/>
-              </a:lnSpc>
-            </a:pPr>
-            <a:r>
-              <a:rPr b="0" lang="it-IT" sz="3200" spc="-1" strike="noStrike">
-                <a:solidFill>
-                  <a:srgbClr val="000000"/>
-                </a:solidFill>
-                <a:latin typeface="Corbel"/>
-              </a:rPr>
-              <a:t>    </a:t>
-            </a:r>
-            <a:r>
-              <a:rPr b="0" lang="it-IT" sz="3200" spc="-1" strike="noStrike">
-                <a:solidFill>
-                  <a:srgbClr val="000000"/>
-                </a:solidFill>
-                <a:latin typeface="Corbel"/>
-              </a:rPr>
-              <a:t>Alessandro D’Urso, Mario Fisichella,Manuele Seminara</a:t>
-            </a:r>
-            <a:endParaRPr b="0" lang="it-IT" sz="3200" spc="-1" strike="noStrike">
-              <a:solidFill>
-                <a:srgbClr val="000000"/>
-              </a:solidFill>
-              <a:latin typeface="Corbel"/>
-            </a:endParaRPr>
-          </a:p>
-          <a:p>
-            <a:pPr marL="438840" indent="-319680">
-              <a:lnSpc>
-                <a:spcPct val="100000"/>
-              </a:lnSpc>
-            </a:pPr>
-            <a:r>
-              <a:rPr b="0" lang="it-IT" sz="3200" spc="-1" strike="noStrike">
-                <a:solidFill>
-                  <a:srgbClr val="000000"/>
-                </a:solidFill>
-                <a:latin typeface="Corbel"/>
-              </a:rPr>
-              <a:t>                                                                                                           </a:t>
-            </a:r>
-            <a:endParaRPr b="0" lang="it-IT" sz="3200" spc="-1" strike="noStrike">
-              <a:solidFill>
-                <a:srgbClr val="000000"/>
-              </a:solidFill>
-              <a:latin typeface="Corbel"/>
-            </a:endParaRPr>
-          </a:p>
-          <a:p>
-            <a:pPr marL="438840" indent="-319680">
-              <a:lnSpc>
-                <a:spcPct val="100000"/>
-              </a:lnSpc>
-            </a:pPr>
-            <a:endParaRPr b="0" lang="it-IT" sz="3200" spc="-1" strike="noStrike">
-              <a:solidFill>
-                <a:srgbClr val="000000"/>
-              </a:solidFill>
-              <a:latin typeface="Corbel"/>
-            </a:endParaRPr>
-          </a:p>
-        </p:txBody>
-      </p:sp>
-      <p:sp>
-        <p:nvSpPr>
-          <p:cNvPr id="95" name="CustomShape 3"/>
+              <a:latin typeface="Arial"/>
+            </a:endParaRPr>
+          </a:p>
+        </p:txBody>
+      </p:sp>
+      <p:sp>
+        <p:nvSpPr>
+          <p:cNvPr id="89" name="CustomShape 3"/>
           <p:cNvSpPr/>
           <p:nvPr/>
         </p:nvSpPr>
         <p:spPr>
           <a:xfrm>
             <a:off x="8316360" y="6165360"/>
-            <a:ext cx="575640" cy="575640"/>
+            <a:ext cx="575280" cy="575280"/>
           </a:xfrm>
           <a:prstGeom prst="ellipse">
             <a:avLst/>
@@ -5380,6 +4743,7 @@
                   <a:srgbClr val="d9d9de"/>
                 </a:solidFill>
                 <a:latin typeface="Corbel"/>
+                <a:ea typeface="DejaVu Sans"/>
               </a:rPr>
               <a:t> </a:t>
             </a:r>
@@ -5389,6 +4753,7 @@
                   <a:srgbClr val="d9d9de"/>
                 </a:solidFill>
                 <a:latin typeface="Corbel"/>
+                <a:ea typeface="DejaVu Sans"/>
               </a:rPr>
               <a:t>2</a:t>
             </a:r>
@@ -5400,7 +4765,7 @@
       </p:sp>
       <p:pic>
         <p:nvPicPr>
-          <p:cNvPr id="96" name="Picture 2" descr=""/>
+          <p:cNvPr id="90" name="Picture 2" descr=""/>
           <p:cNvPicPr/>
           <p:nvPr/>
         </p:nvPicPr>
@@ -5411,7 +4776,7 @@
         <p:spPr>
           <a:xfrm>
             <a:off x="7788600" y="0"/>
-            <a:ext cx="1355040" cy="575640"/>
+            <a:ext cx="1354680" cy="575280"/>
           </a:xfrm>
           <a:prstGeom prst="rect">
             <a:avLst/>
@@ -5423,7 +4788,7 @@
       </p:pic>
       <p:pic>
         <p:nvPicPr>
-          <p:cNvPr id="97" name="Picture 2" descr=""/>
+          <p:cNvPr id="91" name="Picture 2" descr=""/>
           <p:cNvPicPr/>
           <p:nvPr/>
         </p:nvPicPr>
@@ -5434,7 +4799,7 @@
         <p:spPr>
           <a:xfrm>
             <a:off x="6372360" y="116640"/>
-            <a:ext cx="1367640" cy="390600"/>
+            <a:ext cx="1367280" cy="390240"/>
           </a:xfrm>
           <a:prstGeom prst="rect">
             <a:avLst/>
@@ -5495,14 +4860,14 @@
       </p:grpSpPr>
       <p:sp>
         <p:nvSpPr>
-          <p:cNvPr id="98" name="CustomShape 1"/>
+          <p:cNvPr id="92" name="CustomShape 1"/>
           <p:cNvSpPr/>
           <p:nvPr/>
         </p:nvSpPr>
         <p:spPr>
           <a:xfrm>
             <a:off x="8316360" y="6165360"/>
-            <a:ext cx="575640" cy="575640"/>
+            <a:ext cx="575280" cy="575280"/>
           </a:xfrm>
           <a:prstGeom prst="ellipse">
             <a:avLst/>
@@ -5539,6 +4904,7 @@
                   <a:srgbClr val="d9d9de"/>
                 </a:solidFill>
                 <a:latin typeface="Corbel"/>
+                <a:ea typeface="DejaVu Sans"/>
               </a:rPr>
               <a:t> </a:t>
             </a:r>
@@ -5548,6 +4914,7 @@
                   <a:srgbClr val="d9d9de"/>
                 </a:solidFill>
                 <a:latin typeface="Corbel"/>
+                <a:ea typeface="DejaVu Sans"/>
               </a:rPr>
               <a:t>3</a:t>
             </a:r>
@@ -5559,7 +4926,7 @@
       </p:sp>
       <p:pic>
         <p:nvPicPr>
-          <p:cNvPr id="99" name="Picture 2" descr=""/>
+          <p:cNvPr id="93" name="Picture 2" descr=""/>
           <p:cNvPicPr/>
           <p:nvPr/>
         </p:nvPicPr>
@@ -5570,7 +4937,7 @@
         <p:spPr>
           <a:xfrm>
             <a:off x="7788600" y="0"/>
-            <a:ext cx="1355040" cy="575640"/>
+            <a:ext cx="1354680" cy="575280"/>
           </a:xfrm>
           <a:prstGeom prst="rect">
             <a:avLst/>
@@ -5582,7 +4949,7 @@
       </p:pic>
       <p:pic>
         <p:nvPicPr>
-          <p:cNvPr id="100" name="Picture 2" descr=""/>
+          <p:cNvPr id="94" name="Picture 2" descr=""/>
           <p:cNvPicPr/>
           <p:nvPr/>
         </p:nvPicPr>
@@ -5593,7 +4960,7 @@
         <p:spPr>
           <a:xfrm>
             <a:off x="6372360" y="116640"/>
-            <a:ext cx="1367640" cy="390600"/>
+            <a:ext cx="1367280" cy="390240"/>
           </a:xfrm>
           <a:prstGeom prst="rect">
             <a:avLst/>
@@ -5605,14 +4972,14 @@
       </p:pic>
       <p:sp>
         <p:nvSpPr>
-          <p:cNvPr id="101" name="TextShape 2"/>
-          <p:cNvSpPr txBox="1"/>
+          <p:cNvPr id="95" name="CustomShape 2"/>
+          <p:cNvSpPr/>
           <p:nvPr/>
         </p:nvSpPr>
         <p:spPr>
           <a:xfrm>
             <a:off x="360" y="1485000"/>
-            <a:ext cx="9143640" cy="5373000"/>
+            <a:ext cx="9143280" cy="5372640"/>
           </a:xfrm>
           <a:prstGeom prst="rect">
             <a:avLst/>
@@ -5622,10 +4989,16 @@
             <a:noFill/>
           </a:ln>
         </p:spPr>
+        <p:style>
+          <a:lnRef idx="0"/>
+          <a:fillRef idx="0"/>
+          <a:effectRef idx="0"/>
+          <a:fontRef idx="minor"/>
+        </p:style>
         <p:txBody>
           <a:bodyPr lIns="54720" rIns="90000" tIns="91440" bIns="45000"/>
           <a:p>
-            <a:pPr marL="438840" indent="-319680">
+            <a:pPr marL="438840" indent="-319320">
               <a:lnSpc>
                 <a:spcPct val="150000"/>
               </a:lnSpc>
@@ -5637,7 +5010,7 @@
               <a:buChar char=""/>
             </a:pPr>
             <a:r>
-              <a:rPr b="0" lang="it-IT" sz="3200" spc="-1" strike="noStrike">
+              <a:rPr b="0" lang="cs-CZ" sz="3200" spc="-1" strike="noStrike">
                 <a:solidFill>
                   <a:srgbClr val="000000"/>
                 </a:solidFill>
@@ -5645,15 +5018,12 @@
               </a:rPr>
               <a:t>Works as a very simple forum</a:t>
             </a:r>
-            <a:endParaRPr b="0" lang="it-IT" sz="3200" spc="-1" strike="noStrike">
-              <a:solidFill>
-                <a:srgbClr val="000000"/>
-              </a:solidFill>
-              <a:latin typeface="Corbel"/>
-            </a:endParaRPr>
-          </a:p>
-          <a:p>
-            <a:pPr marL="438840" indent="-319680">
+            <a:endParaRPr b="0" lang="cs-CZ" sz="3200" spc="-1" strike="noStrike">
+              <a:latin typeface="Arial"/>
+            </a:endParaRPr>
+          </a:p>
+          <a:p>
+            <a:pPr marL="438840" indent="-319320">
               <a:lnSpc>
                 <a:spcPct val="150000"/>
               </a:lnSpc>
@@ -5665,7 +5035,7 @@
               <a:buChar char=""/>
             </a:pPr>
             <a:r>
-              <a:rPr b="0" lang="it-IT" sz="3200" spc="-1" strike="noStrike">
+              <a:rPr b="0" lang="cs-CZ" sz="3200" spc="-1" strike="noStrike">
                 <a:solidFill>
                   <a:srgbClr val="000000"/>
                 </a:solidFill>
@@ -5673,25 +5043,22 @@
               </a:rPr>
               <a:t>Intended for quick research using the power of a growing community</a:t>
             </a:r>
-            <a:endParaRPr b="0" lang="it-IT" sz="3200" spc="-1" strike="noStrike">
-              <a:solidFill>
-                <a:srgbClr val="000000"/>
-              </a:solidFill>
-              <a:latin typeface="Corbel"/>
-            </a:endParaRPr>
-          </a:p>
-        </p:txBody>
-      </p:sp>
-      <p:sp>
-        <p:nvSpPr>
-          <p:cNvPr id="102" name="TextShape 3"/>
-          <p:cNvSpPr txBox="1"/>
+            <a:endParaRPr b="0" lang="cs-CZ" sz="3200" spc="-1" strike="noStrike">
+              <a:latin typeface="Arial"/>
+            </a:endParaRPr>
+          </a:p>
+        </p:txBody>
+      </p:sp>
+      <p:sp>
+        <p:nvSpPr>
+          <p:cNvPr id="96" name="CustomShape 3"/>
+          <p:cNvSpPr/>
           <p:nvPr/>
         </p:nvSpPr>
         <p:spPr>
           <a:xfrm>
             <a:off x="349560" y="155520"/>
-            <a:ext cx="5554440" cy="1185120"/>
+            <a:ext cx="5554080" cy="1184760"/>
           </a:xfrm>
           <a:prstGeom prst="rect">
             <a:avLst/>
@@ -5701,8 +5068,14 @@
             <a:noFill/>
           </a:ln>
         </p:spPr>
-        <p:txBody>
-          <a:bodyPr rIns="45720" tIns="45000" bIns="45000" anchor="ctr">
+        <p:style>
+          <a:lnRef idx="0"/>
+          <a:fillRef idx="0"/>
+          <a:effectRef idx="0"/>
+          <a:fontRef idx="minor"/>
+        </p:style>
+        <p:txBody>
+          <a:bodyPr lIns="90000" rIns="45720" tIns="45000" bIns="45000" anchor="ctr">
             <a:normAutofit/>
           </a:bodyPr>
           <a:p>
@@ -5712,7 +5085,7 @@
               </a:lnSpc>
             </a:pPr>
             <a:r>
-              <a:rPr b="1" lang="it-IT" sz="4500" spc="-1" strike="noStrike">
+              <a:rPr b="1" lang="cs-CZ" sz="4500" spc="-1" strike="noStrike">
                 <a:solidFill>
                   <a:srgbClr val="f0ad00"/>
                 </a:solidFill>
@@ -5720,11 +5093,8 @@
               </a:rPr>
               <a:t>WHAT IS THE APP FOR?</a:t>
             </a:r>
-            <a:endParaRPr b="0" lang="it-IT" sz="4500" spc="-1" strike="noStrike">
-              <a:solidFill>
-                <a:srgbClr val="000000"/>
-              </a:solidFill>
-              <a:latin typeface="Corbel"/>
+            <a:endParaRPr b="0" lang="cs-CZ" sz="4500" spc="-1" strike="noStrike">
+              <a:latin typeface="Arial"/>
             </a:endParaRPr>
           </a:p>
         </p:txBody>
@@ -5780,14 +5150,14 @@
       </p:grpSpPr>
       <p:sp>
         <p:nvSpPr>
-          <p:cNvPr id="103" name="TextShape 1"/>
-          <p:cNvSpPr txBox="1"/>
+          <p:cNvPr id="97" name="CustomShape 1"/>
+          <p:cNvSpPr/>
           <p:nvPr/>
         </p:nvSpPr>
         <p:spPr>
           <a:xfrm>
             <a:off x="457200" y="155520"/>
-            <a:ext cx="4474440" cy="1185120"/>
+            <a:ext cx="4474080" cy="1184760"/>
           </a:xfrm>
           <a:prstGeom prst="rect">
             <a:avLst/>
@@ -5797,8 +5167,14 @@
             <a:noFill/>
           </a:ln>
         </p:spPr>
-        <p:txBody>
-          <a:bodyPr rIns="45720" tIns="45000" bIns="45000" anchor="ctr">
+        <p:style>
+          <a:lnRef idx="0"/>
+          <a:fillRef idx="0"/>
+          <a:effectRef idx="0"/>
+          <a:fontRef idx="minor"/>
+        </p:style>
+        <p:txBody>
+          <a:bodyPr lIns="90000" rIns="45720" tIns="45000" bIns="45000" anchor="ctr">
             <a:normAutofit/>
           </a:bodyPr>
           <a:p>
@@ -5808,7 +5184,7 @@
               </a:lnSpc>
             </a:pPr>
             <a:r>
-              <a:rPr b="1" lang="it-IT" sz="4500" spc="-1" strike="noStrike">
+              <a:rPr b="1" lang="cs-CZ" sz="4500" spc="-1" strike="noStrike">
                 <a:solidFill>
                   <a:srgbClr val="f0ad00"/>
                 </a:solidFill>
@@ -5816,25 +5192,22 @@
               </a:rPr>
               <a:t>WHAT WAS DONE IN Germany</a:t>
             </a:r>
-            <a:endParaRPr b="0" lang="it-IT" sz="4500" spc="-1" strike="noStrike">
-              <a:solidFill>
-                <a:srgbClr val="000000"/>
-              </a:solidFill>
-              <a:latin typeface="Corbel"/>
-            </a:endParaRPr>
-          </a:p>
-        </p:txBody>
-      </p:sp>
-      <p:sp>
-        <p:nvSpPr>
-          <p:cNvPr id="104" name="TextShape 2"/>
-          <p:cNvSpPr txBox="1"/>
+            <a:endParaRPr b="0" lang="cs-CZ" sz="4500" spc="-1" strike="noStrike">
+              <a:latin typeface="Arial"/>
+            </a:endParaRPr>
+          </a:p>
+        </p:txBody>
+      </p:sp>
+      <p:sp>
+        <p:nvSpPr>
+          <p:cNvPr id="98" name="CustomShape 2"/>
+          <p:cNvSpPr/>
           <p:nvPr/>
         </p:nvSpPr>
         <p:spPr>
           <a:xfrm>
             <a:off x="0" y="1484640"/>
-            <a:ext cx="9143640" cy="5373000"/>
+            <a:ext cx="9143280" cy="5372640"/>
           </a:xfrm>
           <a:prstGeom prst="rect">
             <a:avLst/>
@@ -5844,10 +5217,16 @@
             <a:noFill/>
           </a:ln>
         </p:spPr>
+        <p:style>
+          <a:lnRef idx="0"/>
+          <a:fillRef idx="0"/>
+          <a:effectRef idx="0"/>
+          <a:fontRef idx="minor"/>
+        </p:style>
         <p:txBody>
           <a:bodyPr lIns="54720" rIns="90000" tIns="91440" bIns="45000"/>
           <a:p>
-            <a:pPr marL="438840" indent="-319680">
+            <a:pPr marL="438840" indent="-319320">
               <a:lnSpc>
                 <a:spcPct val="150000"/>
               </a:lnSpc>
@@ -5859,7 +5238,7 @@
               <a:buChar char=""/>
             </a:pPr>
             <a:r>
-              <a:rPr b="0" lang="it-IT" sz="3200" spc="-1" strike="noStrike">
+              <a:rPr b="0" lang="cs-CZ" sz="3200" spc="-1" strike="noStrike">
                 <a:solidFill>
                   <a:srgbClr val="000000"/>
                 </a:solidFill>
@@ -5867,15 +5246,12 @@
               </a:rPr>
               <a:t>Planning of the application;</a:t>
             </a:r>
-            <a:endParaRPr b="0" lang="it-IT" sz="3200" spc="-1" strike="noStrike">
-              <a:solidFill>
-                <a:srgbClr val="000000"/>
-              </a:solidFill>
-              <a:latin typeface="Corbel"/>
-            </a:endParaRPr>
-          </a:p>
-          <a:p>
-            <a:pPr marL="438840" indent="-319680">
+            <a:endParaRPr b="0" lang="cs-CZ" sz="3200" spc="-1" strike="noStrike">
+              <a:latin typeface="Arial"/>
+            </a:endParaRPr>
+          </a:p>
+          <a:p>
+            <a:pPr marL="438840" indent="-319320">
               <a:lnSpc>
                 <a:spcPct val="150000"/>
               </a:lnSpc>
@@ -5887,7 +5263,7 @@
               <a:buChar char=""/>
             </a:pPr>
             <a:r>
-              <a:rPr b="0" lang="it-IT" sz="3200" spc="-1" strike="noStrike">
+              <a:rPr b="0" lang="cs-CZ" sz="3200" spc="-1" strike="noStrike">
                 <a:solidFill>
                   <a:srgbClr val="000000"/>
                 </a:solidFill>
@@ -5895,15 +5271,12 @@
               </a:rPr>
               <a:t>Flow diagram;</a:t>
             </a:r>
-            <a:endParaRPr b="0" lang="it-IT" sz="3200" spc="-1" strike="noStrike">
-              <a:solidFill>
-                <a:srgbClr val="000000"/>
-              </a:solidFill>
-              <a:latin typeface="Corbel"/>
-            </a:endParaRPr>
-          </a:p>
-          <a:p>
-            <a:pPr marL="438840" indent="-319680">
+            <a:endParaRPr b="0" lang="cs-CZ" sz="3200" spc="-1" strike="noStrike">
+              <a:latin typeface="Arial"/>
+            </a:endParaRPr>
+          </a:p>
+          <a:p>
+            <a:pPr marL="438840" indent="-319320">
               <a:lnSpc>
                 <a:spcPct val="150000"/>
               </a:lnSpc>
@@ -5915,7 +5288,7 @@
               <a:buChar char=""/>
             </a:pPr>
             <a:r>
-              <a:rPr b="0" lang="it-IT" sz="3200" spc="-1" strike="noStrike">
+              <a:rPr b="0" lang="cs-CZ" sz="3200" spc="-1" strike="noStrike">
                 <a:solidFill>
                   <a:srgbClr val="000000"/>
                 </a:solidFill>
@@ -5923,15 +5296,12 @@
               </a:rPr>
               <a:t>Ideas for the app icon;</a:t>
             </a:r>
-            <a:endParaRPr b="0" lang="it-IT" sz="3200" spc="-1" strike="noStrike">
-              <a:solidFill>
-                <a:srgbClr val="000000"/>
-              </a:solidFill>
-              <a:latin typeface="Corbel"/>
-            </a:endParaRPr>
-          </a:p>
-          <a:p>
-            <a:pPr marL="438840" indent="-319680">
+            <a:endParaRPr b="0" lang="cs-CZ" sz="3200" spc="-1" strike="noStrike">
+              <a:latin typeface="Arial"/>
+            </a:endParaRPr>
+          </a:p>
+          <a:p>
+            <a:pPr marL="438840" indent="-319320">
               <a:lnSpc>
                 <a:spcPct val="150000"/>
               </a:lnSpc>
@@ -5943,7 +5313,7 @@
               <a:buChar char=""/>
             </a:pPr>
             <a:r>
-              <a:rPr b="0" lang="it-IT" sz="3200" spc="-1" strike="noStrike">
+              <a:rPr b="0" lang="cs-CZ" sz="3200" spc="-1" strike="noStrike">
                 <a:solidFill>
                   <a:srgbClr val="000000"/>
                 </a:solidFill>
@@ -5951,25 +5321,22 @@
               </a:rPr>
               <a:t>Documentation base;</a:t>
             </a:r>
-            <a:endParaRPr b="0" lang="it-IT" sz="3200" spc="-1" strike="noStrike">
-              <a:solidFill>
-                <a:srgbClr val="000000"/>
-              </a:solidFill>
-              <a:latin typeface="Corbel"/>
-            </a:endParaRPr>
-          </a:p>
-        </p:txBody>
-      </p:sp>
-      <p:sp>
-        <p:nvSpPr>
-          <p:cNvPr id="105" name="CustomShape 3"/>
+            <a:endParaRPr b="0" lang="cs-CZ" sz="3200" spc="-1" strike="noStrike">
+              <a:latin typeface="Arial"/>
+            </a:endParaRPr>
+          </a:p>
+        </p:txBody>
+      </p:sp>
+      <p:sp>
+        <p:nvSpPr>
+          <p:cNvPr id="99" name="CustomShape 3"/>
           <p:cNvSpPr/>
           <p:nvPr/>
         </p:nvSpPr>
         <p:spPr>
           <a:xfrm>
             <a:off x="8316360" y="6165360"/>
-            <a:ext cx="575640" cy="575640"/>
+            <a:ext cx="575280" cy="575280"/>
           </a:xfrm>
           <a:prstGeom prst="ellipse">
             <a:avLst/>
@@ -6006,6 +5373,7 @@
                   <a:srgbClr val="d9d9de"/>
                 </a:solidFill>
                 <a:latin typeface="Corbel"/>
+                <a:ea typeface="DejaVu Sans"/>
               </a:rPr>
               <a:t> </a:t>
             </a:r>
@@ -6015,6 +5383,7 @@
                   <a:srgbClr val="d9d9de"/>
                 </a:solidFill>
                 <a:latin typeface="Corbel"/>
+                <a:ea typeface="DejaVu Sans"/>
               </a:rPr>
               <a:t>5</a:t>
             </a:r>
@@ -6026,7 +5395,7 @@
       </p:sp>
       <p:pic>
         <p:nvPicPr>
-          <p:cNvPr id="106" name="Picture 2" descr=""/>
+          <p:cNvPr id="100" name="Picture 2" descr=""/>
           <p:cNvPicPr/>
           <p:nvPr/>
         </p:nvPicPr>
@@ -6037,7 +5406,7 @@
         <p:spPr>
           <a:xfrm>
             <a:off x="7788600" y="0"/>
-            <a:ext cx="1355040" cy="575640"/>
+            <a:ext cx="1354680" cy="575280"/>
           </a:xfrm>
           <a:prstGeom prst="rect">
             <a:avLst/>
@@ -6049,7 +5418,7 @@
       </p:pic>
       <p:pic>
         <p:nvPicPr>
-          <p:cNvPr id="107" name="Picture 2" descr=""/>
+          <p:cNvPr id="101" name="Picture 2" descr=""/>
           <p:cNvPicPr/>
           <p:nvPr/>
         </p:nvPicPr>
@@ -6060,7 +5429,7 @@
         <p:spPr>
           <a:xfrm>
             <a:off x="6372360" y="116640"/>
-            <a:ext cx="1367640" cy="390600"/>
+            <a:ext cx="1367280" cy="390240"/>
           </a:xfrm>
           <a:prstGeom prst="rect">
             <a:avLst/>
@@ -6121,14 +5490,14 @@
       </p:grpSpPr>
       <p:sp>
         <p:nvSpPr>
-          <p:cNvPr id="108" name="TextShape 1"/>
-          <p:cNvSpPr txBox="1"/>
+          <p:cNvPr id="102" name="CustomShape 1"/>
+          <p:cNvSpPr/>
           <p:nvPr/>
         </p:nvSpPr>
         <p:spPr>
           <a:xfrm>
             <a:off x="457200" y="155520"/>
-            <a:ext cx="4618440" cy="1185120"/>
+            <a:ext cx="4618080" cy="1184760"/>
           </a:xfrm>
           <a:prstGeom prst="rect">
             <a:avLst/>
@@ -6138,8 +5507,14 @@
             <a:noFill/>
           </a:ln>
         </p:spPr>
-        <p:txBody>
-          <a:bodyPr rIns="45720" tIns="45000" bIns="45000" anchor="ctr">
+        <p:style>
+          <a:lnRef idx="0"/>
+          <a:fillRef idx="0"/>
+          <a:effectRef idx="0"/>
+          <a:fontRef idx="minor"/>
+        </p:style>
+        <p:txBody>
+          <a:bodyPr lIns="90000" rIns="45720" tIns="45000" bIns="45000" anchor="ctr">
             <a:normAutofit/>
           </a:bodyPr>
           <a:p>
@@ -6149,7 +5524,7 @@
               </a:lnSpc>
             </a:pPr>
             <a:r>
-              <a:rPr b="1" lang="it-IT" sz="4500" spc="-1" strike="noStrike">
+              <a:rPr b="1" lang="cs-CZ" sz="4500" spc="-1" strike="noStrike">
                 <a:solidFill>
                   <a:srgbClr val="f0ad00"/>
                 </a:solidFill>
@@ -6157,25 +5532,22 @@
               </a:rPr>
               <a:t>WHAT WAS DONE IN  Italy</a:t>
             </a:r>
-            <a:endParaRPr b="0" lang="it-IT" sz="4500" spc="-1" strike="noStrike">
-              <a:solidFill>
-                <a:srgbClr val="000000"/>
-              </a:solidFill>
-              <a:latin typeface="Corbel"/>
-            </a:endParaRPr>
-          </a:p>
-        </p:txBody>
-      </p:sp>
-      <p:sp>
-        <p:nvSpPr>
-          <p:cNvPr id="109" name="TextShape 2"/>
-          <p:cNvSpPr txBox="1"/>
+            <a:endParaRPr b="0" lang="cs-CZ" sz="4500" spc="-1" strike="noStrike">
+              <a:latin typeface="Arial"/>
+            </a:endParaRPr>
+          </a:p>
+        </p:txBody>
+      </p:sp>
+      <p:sp>
+        <p:nvSpPr>
+          <p:cNvPr id="103" name="CustomShape 2"/>
+          <p:cNvSpPr/>
           <p:nvPr/>
         </p:nvSpPr>
         <p:spPr>
           <a:xfrm>
             <a:off x="0" y="1484640"/>
-            <a:ext cx="9143640" cy="5373000"/>
+            <a:ext cx="9143280" cy="5372640"/>
           </a:xfrm>
           <a:prstGeom prst="rect">
             <a:avLst/>
@@ -6185,10 +5557,16 @@
             <a:noFill/>
           </a:ln>
         </p:spPr>
+        <p:style>
+          <a:lnRef idx="0"/>
+          <a:fillRef idx="0"/>
+          <a:effectRef idx="0"/>
+          <a:fontRef idx="minor"/>
+        </p:style>
         <p:txBody>
           <a:bodyPr lIns="54720" rIns="90000" tIns="91440" bIns="45000"/>
           <a:p>
-            <a:pPr marL="438840" indent="-319680">
+            <a:pPr marL="438840" indent="-319320">
               <a:lnSpc>
                 <a:spcPct val="150000"/>
               </a:lnSpc>
@@ -6200,7 +5578,7 @@
               <a:buChar char=""/>
             </a:pPr>
             <a:r>
-              <a:rPr b="0" lang="it-IT" sz="3200" spc="-1" strike="noStrike">
+              <a:rPr b="0" lang="cs-CZ" sz="3200" spc="-1" strike="noStrike">
                 <a:solidFill>
                   <a:srgbClr val="000000"/>
                 </a:solidFill>
@@ -6208,15 +5586,12 @@
               </a:rPr>
               <a:t>First usable app demo – with design; </a:t>
             </a:r>
-            <a:endParaRPr b="0" lang="it-IT" sz="3200" spc="-1" strike="noStrike">
-              <a:solidFill>
-                <a:srgbClr val="000000"/>
-              </a:solidFill>
-              <a:latin typeface="Corbel"/>
-            </a:endParaRPr>
-          </a:p>
-          <a:p>
-            <a:pPr marL="438840" indent="-319680">
+            <a:endParaRPr b="0" lang="cs-CZ" sz="3200" spc="-1" strike="noStrike">
+              <a:latin typeface="Arial"/>
+            </a:endParaRPr>
+          </a:p>
+          <a:p>
+            <a:pPr marL="438840" indent="-319320">
               <a:lnSpc>
                 <a:spcPct val="150000"/>
               </a:lnSpc>
@@ -6228,7 +5603,7 @@
               <a:buChar char=""/>
             </a:pPr>
             <a:r>
-              <a:rPr b="0" lang="it-IT" sz="3200" spc="-1" strike="noStrike">
+              <a:rPr b="0" lang="cs-CZ" sz="3200" spc="-1" strike="noStrike">
                 <a:solidFill>
                   <a:srgbClr val="000000"/>
                 </a:solidFill>
@@ -6236,15 +5611,12 @@
               </a:rPr>
               <a:t>Example subjects;</a:t>
             </a:r>
-            <a:endParaRPr b="0" lang="it-IT" sz="3200" spc="-1" strike="noStrike">
-              <a:solidFill>
-                <a:srgbClr val="000000"/>
-              </a:solidFill>
-              <a:latin typeface="Corbel"/>
-            </a:endParaRPr>
-          </a:p>
-          <a:p>
-            <a:pPr marL="438840" indent="-319680">
+            <a:endParaRPr b="0" lang="cs-CZ" sz="3200" spc="-1" strike="noStrike">
+              <a:latin typeface="Arial"/>
+            </a:endParaRPr>
+          </a:p>
+          <a:p>
+            <a:pPr marL="438840" indent="-319320">
               <a:lnSpc>
                 <a:spcPct val="150000"/>
               </a:lnSpc>
@@ -6256,7 +5628,7 @@
               <a:buChar char=""/>
             </a:pPr>
             <a:r>
-              <a:rPr b="0" lang="it-IT" sz="3200" spc="-1" strike="noStrike">
+              <a:rPr b="0" lang="cs-CZ" sz="3200" spc="-1" strike="noStrike">
                 <a:solidFill>
                   <a:srgbClr val="000000"/>
                 </a:solidFill>
@@ -6264,25 +5636,22 @@
               </a:rPr>
               <a:t> </a:t>
             </a:r>
-            <a:endParaRPr b="0" lang="it-IT" sz="3200" spc="-1" strike="noStrike">
-              <a:solidFill>
-                <a:srgbClr val="000000"/>
-              </a:solidFill>
-              <a:latin typeface="Corbel"/>
-            </a:endParaRPr>
-          </a:p>
-        </p:txBody>
-      </p:sp>
-      <p:sp>
-        <p:nvSpPr>
-          <p:cNvPr id="110" name="CustomShape 3"/>
+            <a:endParaRPr b="0" lang="cs-CZ" sz="3200" spc="-1" strike="noStrike">
+              <a:latin typeface="Arial"/>
+            </a:endParaRPr>
+          </a:p>
+        </p:txBody>
+      </p:sp>
+      <p:sp>
+        <p:nvSpPr>
+          <p:cNvPr id="104" name="CustomShape 3"/>
           <p:cNvSpPr/>
           <p:nvPr/>
         </p:nvSpPr>
         <p:spPr>
           <a:xfrm>
             <a:off x="8316360" y="6165360"/>
-            <a:ext cx="575640" cy="575640"/>
+            <a:ext cx="575280" cy="575280"/>
           </a:xfrm>
           <a:prstGeom prst="ellipse">
             <a:avLst/>
@@ -6319,6 +5688,7 @@
                   <a:srgbClr val="d9d9de"/>
                 </a:solidFill>
                 <a:latin typeface="Corbel"/>
+                <a:ea typeface="DejaVu Sans"/>
               </a:rPr>
               <a:t> </a:t>
             </a:r>
@@ -6328,6 +5698,7 @@
                   <a:srgbClr val="d9d9de"/>
                 </a:solidFill>
                 <a:latin typeface="Corbel"/>
+                <a:ea typeface="DejaVu Sans"/>
               </a:rPr>
               <a:t>6</a:t>
             </a:r>
@@ -6339,7 +5710,7 @@
       </p:sp>
       <p:pic>
         <p:nvPicPr>
-          <p:cNvPr id="111" name="Picture 2" descr=""/>
+          <p:cNvPr id="105" name="Picture 2" descr=""/>
           <p:cNvPicPr/>
           <p:nvPr/>
         </p:nvPicPr>
@@ -6350,7 +5721,7 @@
         <p:spPr>
           <a:xfrm>
             <a:off x="7788600" y="0"/>
-            <a:ext cx="1355040" cy="575640"/>
+            <a:ext cx="1354680" cy="575280"/>
           </a:xfrm>
           <a:prstGeom prst="rect">
             <a:avLst/>
@@ -6362,7 +5733,7 @@
       </p:pic>
       <p:pic>
         <p:nvPicPr>
-          <p:cNvPr id="112" name="Picture 2" descr=""/>
+          <p:cNvPr id="106" name="Picture 2" descr=""/>
           <p:cNvPicPr/>
           <p:nvPr/>
         </p:nvPicPr>
@@ -6373,7 +5744,7 @@
         <p:spPr>
           <a:xfrm>
             <a:off x="6372360" y="116640"/>
-            <a:ext cx="1367640" cy="390600"/>
+            <a:ext cx="1367280" cy="390240"/>
           </a:xfrm>
           <a:prstGeom prst="rect">
             <a:avLst/>
@@ -6434,14 +5805,14 @@
       </p:grpSpPr>
       <p:sp>
         <p:nvSpPr>
-          <p:cNvPr id="113" name="TextShape 1"/>
-          <p:cNvSpPr txBox="1"/>
+          <p:cNvPr id="107" name="CustomShape 1"/>
+          <p:cNvSpPr/>
           <p:nvPr/>
         </p:nvSpPr>
         <p:spPr>
           <a:xfrm>
             <a:off x="457200" y="155520"/>
-            <a:ext cx="4582800" cy="1185120"/>
+            <a:ext cx="4582440" cy="1184760"/>
           </a:xfrm>
           <a:prstGeom prst="rect">
             <a:avLst/>
@@ -6451,8 +5822,14 @@
             <a:noFill/>
           </a:ln>
         </p:spPr>
-        <p:txBody>
-          <a:bodyPr rIns="45720" tIns="45000" bIns="45000" anchor="ctr">
+        <p:style>
+          <a:lnRef idx="0"/>
+          <a:fillRef idx="0"/>
+          <a:effectRef idx="0"/>
+          <a:fontRef idx="minor"/>
+        </p:style>
+        <p:txBody>
+          <a:bodyPr lIns="90000" rIns="45720" tIns="45000" bIns="45000" anchor="ctr">
             <a:normAutofit/>
           </a:bodyPr>
           <a:p>
@@ -6462,7 +5839,7 @@
               </a:lnSpc>
             </a:pPr>
             <a:r>
-              <a:rPr b="1" lang="it-IT" sz="4500" spc="-1" strike="noStrike">
+              <a:rPr b="1" lang="cs-CZ" sz="4500" spc="-1" strike="noStrike">
                 <a:solidFill>
                   <a:srgbClr val="f0ad00"/>
                 </a:solidFill>
@@ -6470,25 +5847,22 @@
               </a:rPr>
               <a:t>WHAT WAS DONE IN  Czech Republic</a:t>
             </a:r>
-            <a:endParaRPr b="0" lang="it-IT" sz="4500" spc="-1" strike="noStrike">
-              <a:solidFill>
-                <a:srgbClr val="000000"/>
-              </a:solidFill>
-              <a:latin typeface="Corbel"/>
-            </a:endParaRPr>
-          </a:p>
-        </p:txBody>
-      </p:sp>
-      <p:sp>
-        <p:nvSpPr>
-          <p:cNvPr id="114" name="TextShape 2"/>
-          <p:cNvSpPr txBox="1"/>
+            <a:endParaRPr b="0" lang="cs-CZ" sz="4500" spc="-1" strike="noStrike">
+              <a:latin typeface="Arial"/>
+            </a:endParaRPr>
+          </a:p>
+        </p:txBody>
+      </p:sp>
+      <p:sp>
+        <p:nvSpPr>
+          <p:cNvPr id="108" name="CustomShape 2"/>
+          <p:cNvSpPr/>
           <p:nvPr/>
         </p:nvSpPr>
         <p:spPr>
           <a:xfrm>
             <a:off x="0" y="1484640"/>
-            <a:ext cx="9143640" cy="5373000"/>
+            <a:ext cx="9143280" cy="5372640"/>
           </a:xfrm>
           <a:prstGeom prst="rect">
             <a:avLst/>
@@ -6498,10 +5872,16 @@
             <a:noFill/>
           </a:ln>
         </p:spPr>
+        <p:style>
+          <a:lnRef idx="0"/>
+          <a:fillRef idx="0"/>
+          <a:effectRef idx="0"/>
+          <a:fontRef idx="minor"/>
+        </p:style>
         <p:txBody>
           <a:bodyPr lIns="54720" rIns="90000" tIns="91440" bIns="45000"/>
           <a:p>
-            <a:pPr marL="438840" indent="-319680">
+            <a:pPr marL="438840" indent="-319320">
               <a:lnSpc>
                 <a:spcPct val="150000"/>
               </a:lnSpc>
@@ -6513,7 +5893,7 @@
               <a:buChar char=""/>
             </a:pPr>
             <a:r>
-              <a:rPr b="0" lang="it-IT" sz="3200" spc="-1" strike="noStrike">
+              <a:rPr b="0" lang="cs-CZ" sz="3200" spc="-1" strike="noStrike">
                 <a:solidFill>
                   <a:srgbClr val="000000"/>
                 </a:solidFill>
@@ -6521,15 +5901,12 @@
               </a:rPr>
               <a:t>Activity reconstruction</a:t>
             </a:r>
-            <a:endParaRPr b="0" lang="it-IT" sz="3200" spc="-1" strike="noStrike">
-              <a:solidFill>
-                <a:srgbClr val="000000"/>
-              </a:solidFill>
-              <a:latin typeface="Corbel"/>
-            </a:endParaRPr>
-          </a:p>
-          <a:p>
-            <a:pPr marL="438840" indent="-319680">
+            <a:endParaRPr b="0" lang="cs-CZ" sz="3200" spc="-1" strike="noStrike">
+              <a:latin typeface="Arial"/>
+            </a:endParaRPr>
+          </a:p>
+          <a:p>
+            <a:pPr marL="438840" indent="-319320">
               <a:lnSpc>
                 <a:spcPct val="150000"/>
               </a:lnSpc>
@@ -6541,7 +5918,7 @@
               <a:buChar char=""/>
             </a:pPr>
             <a:r>
-              <a:rPr b="0" lang="it-IT" sz="3200" spc="-1" strike="noStrike">
+              <a:rPr b="0" lang="cs-CZ" sz="3200" spc="-1" strike="noStrike">
                 <a:solidFill>
                   <a:srgbClr val="000000"/>
                 </a:solidFill>
@@ -6549,15 +5926,12 @@
               </a:rPr>
               <a:t>General planning</a:t>
             </a:r>
-            <a:endParaRPr b="0" lang="it-IT" sz="3200" spc="-1" strike="noStrike">
-              <a:solidFill>
-                <a:srgbClr val="000000"/>
-              </a:solidFill>
-              <a:latin typeface="Corbel"/>
-            </a:endParaRPr>
-          </a:p>
-          <a:p>
-            <a:pPr marL="438840" indent="-319680">
+            <a:endParaRPr b="0" lang="cs-CZ" sz="3200" spc="-1" strike="noStrike">
+              <a:latin typeface="Arial"/>
+            </a:endParaRPr>
+          </a:p>
+          <a:p>
+            <a:pPr marL="438840" indent="-319320">
               <a:lnSpc>
                 <a:spcPct val="150000"/>
               </a:lnSpc>
@@ -6569,7 +5943,7 @@
               <a:buChar char=""/>
             </a:pPr>
             <a:r>
-              <a:rPr b="0" lang="it-IT" sz="3200" spc="-1" strike="noStrike">
+              <a:rPr b="0" lang="cs-CZ" sz="3200" spc="-1" strike="noStrike">
                 <a:solidFill>
                   <a:srgbClr val="000000"/>
                 </a:solidFill>
@@ -6577,11 +5951,8 @@
               </a:rPr>
               <a:t>DB preparation </a:t>
             </a:r>
-            <a:endParaRPr b="0" lang="it-IT" sz="3200" spc="-1" strike="noStrike">
-              <a:solidFill>
-                <a:srgbClr val="000000"/>
-              </a:solidFill>
-              <a:latin typeface="Corbel"/>
+            <a:endParaRPr b="0" lang="cs-CZ" sz="3200" spc="-1" strike="noStrike">
+              <a:latin typeface="Arial"/>
             </a:endParaRPr>
           </a:p>
           <a:p>
@@ -6590,25 +5961,22 @@
                 <a:spcPct val="100000"/>
               </a:lnSpc>
             </a:pPr>
-            <a:endParaRPr b="0" lang="it-IT" sz="3200" spc="-1" strike="noStrike">
-              <a:solidFill>
-                <a:srgbClr val="000000"/>
-              </a:solidFill>
-              <a:latin typeface="Corbel"/>
-            </a:endParaRPr>
-          </a:p>
-        </p:txBody>
-      </p:sp>
-      <p:sp>
-        <p:nvSpPr>
-          <p:cNvPr id="115" name="CustomShape 3"/>
+            <a:endParaRPr b="0" lang="cs-CZ" sz="3200" spc="-1" strike="noStrike">
+              <a:latin typeface="Arial"/>
+            </a:endParaRPr>
+          </a:p>
+        </p:txBody>
+      </p:sp>
+      <p:sp>
+        <p:nvSpPr>
+          <p:cNvPr id="109" name="CustomShape 3"/>
           <p:cNvSpPr/>
           <p:nvPr/>
         </p:nvSpPr>
         <p:spPr>
           <a:xfrm>
             <a:off x="8316360" y="6165360"/>
-            <a:ext cx="575640" cy="575640"/>
+            <a:ext cx="575280" cy="575280"/>
           </a:xfrm>
           <a:prstGeom prst="ellipse">
             <a:avLst/>
@@ -6645,6 +6013,7 @@
                   <a:srgbClr val="d9d9de"/>
                 </a:solidFill>
                 <a:latin typeface="Corbel"/>
+                <a:ea typeface="DejaVu Sans"/>
               </a:rPr>
               <a:t> </a:t>
             </a:r>
@@ -6654,6 +6023,7 @@
                   <a:srgbClr val="d9d9de"/>
                 </a:solidFill>
                 <a:latin typeface="Corbel"/>
+                <a:ea typeface="DejaVu Sans"/>
               </a:rPr>
               <a:t>7</a:t>
             </a:r>
@@ -6665,7 +6035,7 @@
       </p:sp>
       <p:pic>
         <p:nvPicPr>
-          <p:cNvPr id="116" name="Picture 2" descr=""/>
+          <p:cNvPr id="110" name="Picture 2" descr=""/>
           <p:cNvPicPr/>
           <p:nvPr/>
         </p:nvPicPr>
@@ -6676,7 +6046,7 @@
         <p:spPr>
           <a:xfrm>
             <a:off x="7788600" y="0"/>
-            <a:ext cx="1355040" cy="575640"/>
+            <a:ext cx="1354680" cy="575280"/>
           </a:xfrm>
           <a:prstGeom prst="rect">
             <a:avLst/>
@@ -6688,7 +6058,7 @@
       </p:pic>
       <p:pic>
         <p:nvPicPr>
-          <p:cNvPr id="117" name="Picture 2" descr=""/>
+          <p:cNvPr id="111" name="Picture 2" descr=""/>
           <p:cNvPicPr/>
           <p:nvPr/>
         </p:nvPicPr>
@@ -6699,7 +6069,7 @@
         <p:spPr>
           <a:xfrm>
             <a:off x="6372360" y="116640"/>
-            <a:ext cx="1367640" cy="390600"/>
+            <a:ext cx="1367280" cy="390240"/>
           </a:xfrm>
           <a:prstGeom prst="rect">
             <a:avLst/>
@@ -6760,14 +6130,14 @@
       </p:grpSpPr>
       <p:sp>
         <p:nvSpPr>
-          <p:cNvPr id="118" name="TextShape 1"/>
-          <p:cNvSpPr txBox="1"/>
+          <p:cNvPr id="112" name="CustomShape 1"/>
+          <p:cNvSpPr/>
           <p:nvPr/>
         </p:nvSpPr>
         <p:spPr>
           <a:xfrm>
             <a:off x="457200" y="155520"/>
-            <a:ext cx="4582800" cy="1185120"/>
+            <a:ext cx="4582440" cy="1184760"/>
           </a:xfrm>
           <a:prstGeom prst="rect">
             <a:avLst/>
@@ -6777,8 +6147,14 @@
             <a:noFill/>
           </a:ln>
         </p:spPr>
-        <p:txBody>
-          <a:bodyPr rIns="45720" tIns="45000" bIns="45000" anchor="ctr">
+        <p:style>
+          <a:lnRef idx="0"/>
+          <a:fillRef idx="0"/>
+          <a:effectRef idx="0"/>
+          <a:fontRef idx="minor"/>
+        </p:style>
+        <p:txBody>
+          <a:bodyPr lIns="90000" rIns="45720" tIns="45000" bIns="45000" anchor="ctr">
             <a:normAutofit/>
           </a:bodyPr>
           <a:p>
@@ -6788,7 +6164,7 @@
               </a:lnSpc>
             </a:pPr>
             <a:r>
-              <a:rPr b="1" lang="it-IT" sz="4500" spc="-1" strike="noStrike">
+              <a:rPr b="1" lang="cs-CZ" sz="4500" spc="-1" strike="noStrike">
                 <a:solidFill>
                   <a:srgbClr val="f0ad00"/>
                 </a:solidFill>
@@ -6796,25 +6172,22 @@
               </a:rPr>
               <a:t>WHAT WAS DONE IN  Poland</a:t>
             </a:r>
-            <a:endParaRPr b="0" lang="it-IT" sz="4500" spc="-1" strike="noStrike">
-              <a:solidFill>
-                <a:srgbClr val="000000"/>
-              </a:solidFill>
-              <a:latin typeface="Corbel"/>
-            </a:endParaRPr>
-          </a:p>
-        </p:txBody>
-      </p:sp>
-      <p:sp>
-        <p:nvSpPr>
-          <p:cNvPr id="119" name="TextShape 2"/>
-          <p:cNvSpPr txBox="1"/>
+            <a:endParaRPr b="0" lang="cs-CZ" sz="4500" spc="-1" strike="noStrike">
+              <a:latin typeface="Arial"/>
+            </a:endParaRPr>
+          </a:p>
+        </p:txBody>
+      </p:sp>
+      <p:sp>
+        <p:nvSpPr>
+          <p:cNvPr id="113" name="CustomShape 2"/>
+          <p:cNvSpPr/>
           <p:nvPr/>
         </p:nvSpPr>
         <p:spPr>
           <a:xfrm>
             <a:off x="0" y="1484640"/>
-            <a:ext cx="9143640" cy="5373000"/>
+            <a:ext cx="9143280" cy="5372640"/>
           </a:xfrm>
           <a:prstGeom prst="rect">
             <a:avLst/>
@@ -6824,10 +6197,16 @@
             <a:noFill/>
           </a:ln>
         </p:spPr>
+        <p:style>
+          <a:lnRef idx="0"/>
+          <a:fillRef idx="0"/>
+          <a:effectRef idx="0"/>
+          <a:fontRef idx="minor"/>
+        </p:style>
         <p:txBody>
           <a:bodyPr lIns="54720" rIns="90000" tIns="91440" bIns="45000"/>
           <a:p>
-            <a:pPr marL="438840" indent="-319680">
+            <a:pPr marL="438840" indent="-319320">
               <a:lnSpc>
                 <a:spcPct val="150000"/>
               </a:lnSpc>
@@ -6839,7 +6218,7 @@
               <a:buChar char=""/>
             </a:pPr>
             <a:r>
-              <a:rPr b="0" lang="it-IT" sz="3200" spc="-1" strike="noStrike">
+              <a:rPr b="0" lang="cs-CZ" sz="3200" spc="-1" strike="noStrike">
                 <a:solidFill>
                   <a:srgbClr val="000000"/>
                 </a:solidFill>
@@ -6847,15 +6226,12 @@
               </a:rPr>
               <a:t>Backend and frontend code</a:t>
             </a:r>
-            <a:endParaRPr b="0" lang="it-IT" sz="3200" spc="-1" strike="noStrike">
-              <a:solidFill>
-                <a:srgbClr val="000000"/>
-              </a:solidFill>
-              <a:latin typeface="Corbel"/>
-            </a:endParaRPr>
-          </a:p>
-          <a:p>
-            <a:pPr marL="438840" indent="-319680">
+            <a:endParaRPr b="0" lang="cs-CZ" sz="3200" spc="-1" strike="noStrike">
+              <a:latin typeface="Arial"/>
+            </a:endParaRPr>
+          </a:p>
+          <a:p>
+            <a:pPr marL="438840" indent="-319320">
               <a:lnSpc>
                 <a:spcPct val="150000"/>
               </a:lnSpc>
@@ -6867,7 +6243,7 @@
               <a:buChar char=""/>
             </a:pPr>
             <a:r>
-              <a:rPr b="0" lang="it-IT" sz="3200" spc="-1" strike="noStrike">
+              <a:rPr b="0" lang="cs-CZ" sz="3200" spc="-1" strike="noStrike">
                 <a:solidFill>
                   <a:srgbClr val="000000"/>
                 </a:solidFill>
@@ -6875,15 +6251,12 @@
               </a:rPr>
               <a:t>Database communication and storage</a:t>
             </a:r>
-            <a:endParaRPr b="0" lang="it-IT" sz="3200" spc="-1" strike="noStrike">
-              <a:solidFill>
-                <a:srgbClr val="000000"/>
-              </a:solidFill>
-              <a:latin typeface="Corbel"/>
-            </a:endParaRPr>
-          </a:p>
-          <a:p>
-            <a:pPr marL="438840" indent="-319680">
+            <a:endParaRPr b="0" lang="cs-CZ" sz="3200" spc="-1" strike="noStrike">
+              <a:latin typeface="Arial"/>
+            </a:endParaRPr>
+          </a:p>
+          <a:p>
+            <a:pPr marL="438840" indent="-319320">
               <a:lnSpc>
                 <a:spcPct val="150000"/>
               </a:lnSpc>
@@ -6895,7 +6268,7 @@
               <a:buChar char=""/>
             </a:pPr>
             <a:r>
-              <a:rPr b="0" lang="it-IT" sz="3200" spc="-1" strike="noStrike">
+              <a:rPr b="0" lang="cs-CZ" sz="3200" spc="-1" strike="noStrike">
                 <a:solidFill>
                   <a:srgbClr val="000000"/>
                 </a:solidFill>
@@ -6903,11 +6276,8 @@
               </a:rPr>
               <a:t>Final (almost) functional APK </a:t>
             </a:r>
-            <a:endParaRPr b="0" lang="it-IT" sz="3200" spc="-1" strike="noStrike">
-              <a:solidFill>
-                <a:srgbClr val="000000"/>
-              </a:solidFill>
-              <a:latin typeface="Corbel"/>
+            <a:endParaRPr b="0" lang="cs-CZ" sz="3200" spc="-1" strike="noStrike">
+              <a:latin typeface="Arial"/>
             </a:endParaRPr>
           </a:p>
           <a:p>
@@ -6916,25 +6286,22 @@
                 <a:spcPct val="100000"/>
               </a:lnSpc>
             </a:pPr>
-            <a:endParaRPr b="0" lang="it-IT" sz="3200" spc="-1" strike="noStrike">
-              <a:solidFill>
-                <a:srgbClr val="000000"/>
-              </a:solidFill>
-              <a:latin typeface="Corbel"/>
-            </a:endParaRPr>
-          </a:p>
-        </p:txBody>
-      </p:sp>
-      <p:sp>
-        <p:nvSpPr>
-          <p:cNvPr id="120" name="CustomShape 3"/>
+            <a:endParaRPr b="0" lang="cs-CZ" sz="3200" spc="-1" strike="noStrike">
+              <a:latin typeface="Arial"/>
+            </a:endParaRPr>
+          </a:p>
+        </p:txBody>
+      </p:sp>
+      <p:sp>
+        <p:nvSpPr>
+          <p:cNvPr id="114" name="CustomShape 3"/>
           <p:cNvSpPr/>
           <p:nvPr/>
         </p:nvSpPr>
         <p:spPr>
           <a:xfrm>
             <a:off x="8316360" y="6165360"/>
-            <a:ext cx="575640" cy="575640"/>
+            <a:ext cx="575280" cy="575280"/>
           </a:xfrm>
           <a:prstGeom prst="ellipse">
             <a:avLst/>
@@ -6971,6 +6338,7 @@
                   <a:srgbClr val="d9d9de"/>
                 </a:solidFill>
                 <a:latin typeface="Corbel"/>
+                <a:ea typeface="DejaVu Sans"/>
               </a:rPr>
               <a:t> </a:t>
             </a:r>
@@ -6980,6 +6348,7 @@
                   <a:srgbClr val="d9d9de"/>
                 </a:solidFill>
                 <a:latin typeface="Corbel"/>
+                <a:ea typeface="DejaVu Sans"/>
               </a:rPr>
               <a:t>7</a:t>
             </a:r>
@@ -6991,7 +6360,7 @@
       </p:sp>
       <p:pic>
         <p:nvPicPr>
-          <p:cNvPr id="121" name="Picture 2" descr=""/>
+          <p:cNvPr id="115" name="Picture 2" descr=""/>
           <p:cNvPicPr/>
           <p:nvPr/>
         </p:nvPicPr>
@@ -7002,7 +6371,7 @@
         <p:spPr>
           <a:xfrm>
             <a:off x="7788600" y="0"/>
-            <a:ext cx="1355040" cy="575640"/>
+            <a:ext cx="1354680" cy="575280"/>
           </a:xfrm>
           <a:prstGeom prst="rect">
             <a:avLst/>
@@ -7014,7 +6383,7 @@
       </p:pic>
       <p:pic>
         <p:nvPicPr>
-          <p:cNvPr id="122" name="Picture 2" descr=""/>
+          <p:cNvPr id="116" name="Picture 2" descr=""/>
           <p:cNvPicPr/>
           <p:nvPr/>
         </p:nvPicPr>
@@ -7025,7 +6394,7 @@
         <p:spPr>
           <a:xfrm>
             <a:off x="6372360" y="116640"/>
-            <a:ext cx="1367640" cy="390600"/>
+            <a:ext cx="1367280" cy="390240"/>
           </a:xfrm>
           <a:prstGeom prst="rect">
             <a:avLst/>
@@ -7086,14 +6455,14 @@
       </p:grpSpPr>
       <p:sp>
         <p:nvSpPr>
-          <p:cNvPr id="123" name="TextShape 1"/>
-          <p:cNvSpPr txBox="1"/>
+          <p:cNvPr id="117" name="CustomShape 1"/>
+          <p:cNvSpPr/>
           <p:nvPr/>
         </p:nvSpPr>
         <p:spPr>
           <a:xfrm>
             <a:off x="457200" y="155520"/>
-            <a:ext cx="8229240" cy="1252440"/>
+            <a:ext cx="8228880" cy="1252080"/>
           </a:xfrm>
           <a:prstGeom prst="rect">
             <a:avLst/>
@@ -7103,8 +6472,14 @@
             <a:noFill/>
           </a:ln>
         </p:spPr>
-        <p:txBody>
-          <a:bodyPr rIns="45720" tIns="45000" bIns="45000" anchor="ctr"/>
+        <p:style>
+          <a:lnRef idx="0"/>
+          <a:fillRef idx="0"/>
+          <a:effectRef idx="0"/>
+          <a:fontRef idx="minor"/>
+        </p:style>
+        <p:txBody>
+          <a:bodyPr lIns="90000" rIns="45720" tIns="45000" bIns="45000" anchor="ctr"/>
           <a:p>
             <a:pPr>
               <a:lnSpc>
@@ -7112,7 +6487,7 @@
               </a:lnSpc>
             </a:pPr>
             <a:r>
-              <a:rPr b="1" lang="it-IT" sz="4500" spc="-1" strike="noStrike">
+              <a:rPr b="1" lang="cs-CZ" sz="4500" spc="-1" strike="noStrike">
                 <a:solidFill>
                   <a:srgbClr val="f0ad00"/>
                 </a:solidFill>
@@ -7120,25 +6495,22 @@
               </a:rPr>
               <a:t>App preview</a:t>
             </a:r>
-            <a:endParaRPr b="0" lang="it-IT" sz="4500" spc="-1" strike="noStrike">
-              <a:solidFill>
-                <a:srgbClr val="000000"/>
-              </a:solidFill>
-              <a:latin typeface="Corbel"/>
-            </a:endParaRPr>
-          </a:p>
-        </p:txBody>
-      </p:sp>
-      <p:sp>
-        <p:nvSpPr>
-          <p:cNvPr id="124" name="CustomShape 2"/>
+            <a:endParaRPr b="0" lang="cs-CZ" sz="4500" spc="-1" strike="noStrike">
+              <a:latin typeface="Arial"/>
+            </a:endParaRPr>
+          </a:p>
+        </p:txBody>
+      </p:sp>
+      <p:sp>
+        <p:nvSpPr>
+          <p:cNvPr id="118" name="CustomShape 2"/>
           <p:cNvSpPr/>
           <p:nvPr/>
         </p:nvSpPr>
         <p:spPr>
           <a:xfrm>
             <a:off x="8316360" y="6165360"/>
-            <a:ext cx="575640" cy="575640"/>
+            <a:ext cx="575280" cy="575280"/>
           </a:xfrm>
           <a:prstGeom prst="ellipse">
             <a:avLst/>
@@ -7175,6 +6547,7 @@
                   <a:srgbClr val="d9d9de"/>
                 </a:solidFill>
                 <a:latin typeface="Corbel"/>
+                <a:ea typeface="DejaVu Sans"/>
               </a:rPr>
               <a:t> </a:t>
             </a:r>
@@ -7184,6 +6557,7 @@
                   <a:srgbClr val="d9d9de"/>
                 </a:solidFill>
                 <a:latin typeface="Corbel"/>
+                <a:ea typeface="DejaVu Sans"/>
               </a:rPr>
               <a:t>8</a:t>
             </a:r>
@@ -7195,7 +6569,7 @@
       </p:sp>
       <p:pic>
         <p:nvPicPr>
-          <p:cNvPr id="125" name="Picture 2" descr=""/>
+          <p:cNvPr id="119" name="Picture 2" descr=""/>
           <p:cNvPicPr/>
           <p:nvPr/>
         </p:nvPicPr>
@@ -7206,7 +6580,7 @@
         <p:spPr>
           <a:xfrm>
             <a:off x="7788600" y="0"/>
-            <a:ext cx="1355040" cy="575640"/>
+            <a:ext cx="1354680" cy="575280"/>
           </a:xfrm>
           <a:prstGeom prst="rect">
             <a:avLst/>
@@ -7218,7 +6592,7 @@
       </p:pic>
       <p:pic>
         <p:nvPicPr>
-          <p:cNvPr id="126" name="Picture 2" descr=""/>
+          <p:cNvPr id="120" name="Picture 2" descr=""/>
           <p:cNvPicPr/>
           <p:nvPr/>
         </p:nvPicPr>
@@ -7229,7 +6603,7 @@
         <p:spPr>
           <a:xfrm>
             <a:off x="6372360" y="116640"/>
-            <a:ext cx="1367640" cy="390600"/>
+            <a:ext cx="1367280" cy="390240"/>
           </a:xfrm>
           <a:prstGeom prst="rect">
             <a:avLst/>
@@ -7241,7 +6615,7 @@
       </p:pic>
       <p:pic>
         <p:nvPicPr>
-          <p:cNvPr id="127" name="" descr=""/>
+          <p:cNvPr id="121" name="" descr=""/>
           <p:cNvPicPr/>
           <p:nvPr/>
         </p:nvPicPr>
@@ -7252,7 +6626,7 @@
         <p:spPr>
           <a:xfrm>
             <a:off x="5976000" y="1599840"/>
-            <a:ext cx="2583000" cy="4592160"/>
+            <a:ext cx="2582640" cy="4591800"/>
           </a:xfrm>
           <a:prstGeom prst="rect">
             <a:avLst/>
@@ -7264,7 +6638,7 @@
       </p:pic>
       <p:pic>
         <p:nvPicPr>
-          <p:cNvPr id="128" name="" descr=""/>
+          <p:cNvPr id="122" name="" descr=""/>
           <p:cNvPicPr/>
           <p:nvPr/>
         </p:nvPicPr>
@@ -7275,7 +6649,7 @@
         <p:spPr>
           <a:xfrm>
             <a:off x="432000" y="1584000"/>
-            <a:ext cx="2591640" cy="4608000"/>
+            <a:ext cx="2591280" cy="4607640"/>
           </a:xfrm>
           <a:prstGeom prst="rect">
             <a:avLst/>
@@ -7287,7 +6661,7 @@
       </p:pic>
       <p:pic>
         <p:nvPicPr>
-          <p:cNvPr id="129" name="" descr=""/>
+          <p:cNvPr id="123" name="" descr=""/>
           <p:cNvPicPr/>
           <p:nvPr/>
         </p:nvPicPr>
@@ -7298,7 +6672,7 @@
         <p:spPr>
           <a:xfrm>
             <a:off x="3240000" y="1599840"/>
-            <a:ext cx="2583000" cy="4592160"/>
+            <a:ext cx="2582640" cy="4591800"/>
           </a:xfrm>
           <a:prstGeom prst="rect">
             <a:avLst/>
@@ -7359,14 +6733,14 @@
       </p:grpSpPr>
       <p:sp>
         <p:nvSpPr>
-          <p:cNvPr id="130" name="TextShape 1"/>
-          <p:cNvSpPr txBox="1"/>
+          <p:cNvPr id="124" name="CustomShape 1"/>
+          <p:cNvSpPr/>
           <p:nvPr/>
         </p:nvSpPr>
         <p:spPr>
           <a:xfrm>
             <a:off x="457200" y="155520"/>
-            <a:ext cx="8229240" cy="1252440"/>
+            <a:ext cx="8228880" cy="1252080"/>
           </a:xfrm>
           <a:prstGeom prst="rect">
             <a:avLst/>
@@ -7376,8 +6750,14 @@
             <a:noFill/>
           </a:ln>
         </p:spPr>
-        <p:txBody>
-          <a:bodyPr rIns="45720" tIns="45000" bIns="45000" anchor="ctr"/>
+        <p:style>
+          <a:lnRef idx="0"/>
+          <a:fillRef idx="0"/>
+          <a:effectRef idx="0"/>
+          <a:fontRef idx="minor"/>
+        </p:style>
+        <p:txBody>
+          <a:bodyPr lIns="90000" rIns="45720" tIns="45000" bIns="45000" anchor="ctr"/>
           <a:p>
             <a:pPr>
               <a:lnSpc>
@@ -7385,7 +6765,7 @@
               </a:lnSpc>
             </a:pPr>
             <a:r>
-              <a:rPr b="1" lang="it-IT" sz="4500" spc="-1" strike="noStrike">
+              <a:rPr b="1" lang="cs-CZ" sz="4500" spc="-1" strike="noStrike">
                 <a:solidFill>
                   <a:srgbClr val="f0ad00"/>
                 </a:solidFill>
@@ -7393,25 +6773,22 @@
               </a:rPr>
               <a:t>Code preview</a:t>
             </a:r>
-            <a:endParaRPr b="0" lang="it-IT" sz="4500" spc="-1" strike="noStrike">
-              <a:solidFill>
-                <a:srgbClr val="000000"/>
-              </a:solidFill>
-              <a:latin typeface="Corbel"/>
-            </a:endParaRPr>
-          </a:p>
-        </p:txBody>
-      </p:sp>
-      <p:sp>
-        <p:nvSpPr>
-          <p:cNvPr id="131" name="CustomShape 2"/>
+            <a:endParaRPr b="0" lang="cs-CZ" sz="4500" spc="-1" strike="noStrike">
+              <a:latin typeface="Arial"/>
+            </a:endParaRPr>
+          </a:p>
+        </p:txBody>
+      </p:sp>
+      <p:sp>
+        <p:nvSpPr>
+          <p:cNvPr id="125" name="CustomShape 2"/>
           <p:cNvSpPr/>
           <p:nvPr/>
         </p:nvSpPr>
         <p:spPr>
           <a:xfrm>
             <a:off x="8316360" y="6165360"/>
-            <a:ext cx="575640" cy="575640"/>
+            <a:ext cx="575280" cy="575280"/>
           </a:xfrm>
           <a:prstGeom prst="ellipse">
             <a:avLst/>
@@ -7448,6 +6825,7 @@
                   <a:srgbClr val="d9d9de"/>
                 </a:solidFill>
                 <a:latin typeface="Corbel"/>
+                <a:ea typeface="DejaVu Sans"/>
               </a:rPr>
               <a:t> </a:t>
             </a:r>
@@ -7457,6 +6835,7 @@
                   <a:srgbClr val="d9d9de"/>
                 </a:solidFill>
                 <a:latin typeface="Corbel"/>
+                <a:ea typeface="DejaVu Sans"/>
               </a:rPr>
               <a:t>9</a:t>
             </a:r>
@@ -7468,7 +6847,7 @@
       </p:sp>
       <p:pic>
         <p:nvPicPr>
-          <p:cNvPr id="132" name="" descr=""/>
+          <p:cNvPr id="126" name="" descr=""/>
           <p:cNvPicPr/>
           <p:nvPr/>
         </p:nvPicPr>
@@ -7479,7 +6858,7 @@
         <p:spPr>
           <a:xfrm>
             <a:off x="288000" y="1800000"/>
-            <a:ext cx="8476920" cy="4114440"/>
+            <a:ext cx="8476560" cy="4114080"/>
           </a:xfrm>
           <a:prstGeom prst="rect">
             <a:avLst/>
